--- a/doc/Gesture Control for Philips Hue.pptx
+++ b/doc/Gesture Control for Philips Hue.pptx
@@ -11,7 +11,9 @@
     <p:sldId id="260" r:id="rId5"/>
     <p:sldId id="261" r:id="rId6"/>
     <p:sldId id="262" r:id="rId7"/>
-    <p:sldId id="259" r:id="rId8"/>
+    <p:sldId id="263" r:id="rId8"/>
+    <p:sldId id="264" r:id="rId9"/>
+    <p:sldId id="259" r:id="rId10"/>
   </p:sldIdLst>
   <p:sldSz cx="9144000" cy="6858000" type="screen4x3"/>
   <p:notesSz cx="6858000" cy="9144000"/>
@@ -11197,7 +11199,7 @@
           <p:nvPr>
             <p:extLst>
               <p:ext uri="{D42A27DB-BD31-4B8C-83A1-F6EECF244321}">
-                <p14:modId xmlns:p14="http://schemas.microsoft.com/office/powerpoint/2010/main" val="3353024412"/>
+                <p14:modId xmlns:p14="http://schemas.microsoft.com/office/powerpoint/2010/main" val="2003658142"/>
               </p:ext>
             </p:extLst>
           </p:nvPr>
@@ -13115,7 +13117,7 @@
         <p:spPr>
           <a:xfrm>
             <a:off x="827584" y="2224023"/>
-            <a:ext cx="7704856" cy="3293209"/>
+            <a:ext cx="7704856" cy="3046988"/>
           </a:xfrm>
           <a:prstGeom prst="rect">
             <a:avLst/>
@@ -13801,87 +13803,6 @@
                 <a:cs typeface="Consolas" panose="020B0609020204030204" pitchFamily="49" charset="0"/>
               </a:rPr>
               <a:t>) {</a:t>
-            </a:r>
-            <a:br>
-              <a:rPr lang="en-US" sz="1600" dirty="0" smtClean="0">
-                <a:latin typeface="Consolas" panose="020B0609020204030204" pitchFamily="49" charset="0"/>
-                <a:cs typeface="Consolas" panose="020B0609020204030204" pitchFamily="49" charset="0"/>
-              </a:rPr>
-            </a:br>
-            <a:r>
-              <a:rPr lang="en-US" sz="1600" dirty="0" smtClean="0">
-                <a:latin typeface="Consolas" panose="020B0609020204030204" pitchFamily="49" charset="0"/>
-                <a:cs typeface="Consolas" panose="020B0609020204030204" pitchFamily="49" charset="0"/>
-              </a:rPr>
-              <a:t>  </a:t>
-            </a:r>
-            <a:r>
-              <a:rPr lang="en-US" sz="1600" dirty="0">
-                <a:latin typeface="Consolas" panose="020B0609020204030204" pitchFamily="49" charset="0"/>
-                <a:cs typeface="Consolas" panose="020B0609020204030204" pitchFamily="49" charset="0"/>
-              </a:rPr>
-              <a:t> </a:t>
-            </a:r>
-            <a:r>
-              <a:rPr lang="en-US" sz="1600" dirty="0" smtClean="0">
-                <a:latin typeface="Consolas" panose="020B0609020204030204" pitchFamily="49" charset="0"/>
-                <a:cs typeface="Consolas" panose="020B0609020204030204" pitchFamily="49" charset="0"/>
-              </a:rPr>
-              <a:t> </a:t>
-            </a:r>
-            <a:r>
-              <a:rPr lang="en-US" sz="1600" dirty="0" err="1" smtClean="0">
-                <a:solidFill>
-                  <a:srgbClr val="4EC9B0"/>
-                </a:solidFill>
-                <a:effectLst/>
-                <a:latin typeface="Consolas" panose="020B0609020204030204" pitchFamily="49" charset="0"/>
-                <a:cs typeface="Consolas" panose="020B0609020204030204" pitchFamily="49" charset="0"/>
-              </a:rPr>
-              <a:t>Console</a:t>
-            </a:r>
-            <a:r>
-              <a:rPr lang="en-US" sz="1600" dirty="0" err="1" smtClean="0">
-                <a:solidFill>
-                  <a:srgbClr val="B4B4B4"/>
-                </a:solidFill>
-                <a:effectLst/>
-                <a:latin typeface="Consolas" panose="020B0609020204030204" pitchFamily="49" charset="0"/>
-                <a:cs typeface="Consolas" panose="020B0609020204030204" pitchFamily="49" charset="0"/>
-              </a:rPr>
-              <a:t>.</a:t>
-            </a:r>
-            <a:r>
-              <a:rPr lang="en-US" sz="1600" dirty="0" err="1" smtClean="0">
-                <a:latin typeface="Consolas" panose="020B0609020204030204" pitchFamily="49" charset="0"/>
-                <a:cs typeface="Consolas" panose="020B0609020204030204" pitchFamily="49" charset="0"/>
-              </a:rPr>
-              <a:t>Write</a:t>
-            </a:r>
-            <a:r>
-              <a:rPr lang="en-US" sz="1600" dirty="0" smtClean="0">
-                <a:latin typeface="Consolas" panose="020B0609020204030204" pitchFamily="49" charset="0"/>
-                <a:cs typeface="Consolas" panose="020B0609020204030204" pitchFamily="49" charset="0"/>
-              </a:rPr>
-              <a:t>(</a:t>
-            </a:r>
-            <a:r>
-              <a:rPr lang="en-US" sz="1600" dirty="0" smtClean="0">
-                <a:solidFill>
-                  <a:srgbClr val="D69D85"/>
-                </a:solidFill>
-                <a:effectLst/>
-                <a:latin typeface="Consolas" panose="020B0609020204030204" pitchFamily="49" charset="0"/>
-                <a:cs typeface="Consolas" panose="020B0609020204030204" pitchFamily="49" charset="0"/>
-              </a:rPr>
-              <a:t>"blue\n"</a:t>
-            </a:r>
-            <a:r>
-              <a:rPr lang="en-US" sz="1600" dirty="0" smtClean="0">
-                <a:latin typeface="Consolas" panose="020B0609020204030204" pitchFamily="49" charset="0"/>
-                <a:cs typeface="Consolas" panose="020B0609020204030204" pitchFamily="49" charset="0"/>
-              </a:rPr>
-              <a:t>);</a:t>
             </a:r>
             <a:br>
               <a:rPr lang="en-US" sz="1600" dirty="0" smtClean="0">
@@ -13996,6 +13917,2910 @@
 </file>
 
 <file path=ppt/slides/slide7.xml><?xml version="1.0" encoding="utf-8"?>
+<p:sld xmlns:a="http://schemas.openxmlformats.org/drawingml/2006/main" xmlns:r="http://schemas.openxmlformats.org/officeDocument/2006/relationships" xmlns:p="http://schemas.openxmlformats.org/presentationml/2006/main">
+  <p:cSld>
+    <p:spTree>
+      <p:nvGrpSpPr>
+        <p:cNvPr id="1" name=""/>
+        <p:cNvGrpSpPr/>
+        <p:nvPr/>
+      </p:nvGrpSpPr>
+      <p:grpSpPr>
+        <a:xfrm>
+          <a:off x="0" y="0"/>
+          <a:ext cx="0" cy="0"/>
+          <a:chOff x="0" y="0"/>
+          <a:chExt cx="0" cy="0"/>
+        </a:xfrm>
+      </p:grpSpPr>
+      <p:sp>
+        <p:nvSpPr>
+          <p:cNvPr id="2" name="Titel 1"/>
+          <p:cNvSpPr>
+            <a:spLocks noGrp="1"/>
+          </p:cNvSpPr>
+          <p:nvPr>
+            <p:ph type="title"/>
+          </p:nvPr>
+        </p:nvSpPr>
+        <p:spPr/>
+        <p:txBody>
+          <a:bodyPr/>
+          <a:lstStyle/>
+          <a:p>
+            <a:r>
+              <a:rPr lang="de-DE" spc="0" dirty="0">
+                <a:ln w="1905"/>
+                <a:solidFill>
+                  <a:schemeClr val="tx1">
+                    <a:lumMod val="95000"/>
+                  </a:schemeClr>
+                </a:solidFill>
+                <a:effectLst>
+                  <a:innerShdw blurRad="69850" dist="43180" dir="5400000">
+                    <a:srgbClr val="000000">
+                      <a:alpha val="65000"/>
+                    </a:srgbClr>
+                  </a:innerShdw>
+                </a:effectLst>
+              </a:rPr>
+              <a:t>Umsetzung</a:t>
+            </a:r>
+            <a:endParaRPr lang="de-AT" dirty="0"/>
+          </a:p>
+        </p:txBody>
+      </p:sp>
+      <p:sp>
+        <p:nvSpPr>
+          <p:cNvPr id="3" name="Inhaltsplatzhalter 2"/>
+          <p:cNvSpPr>
+            <a:spLocks noGrp="1"/>
+          </p:cNvSpPr>
+          <p:nvPr>
+            <p:ph idx="1"/>
+          </p:nvPr>
+        </p:nvSpPr>
+        <p:spPr>
+          <a:xfrm>
+            <a:off x="457200" y="1495325"/>
+            <a:ext cx="8229600" cy="4525963"/>
+          </a:xfrm>
+        </p:spPr>
+        <p:txBody>
+          <a:bodyPr/>
+          <a:lstStyle/>
+          <a:p>
+            <a:r>
+              <a:rPr lang="de-DE" dirty="0" smtClean="0"/>
+              <a:t>Erkennung der Gesten:</a:t>
+            </a:r>
+            <a:br>
+              <a:rPr lang="de-DE" dirty="0" smtClean="0"/>
+            </a:br>
+            <a:r>
+              <a:rPr lang="de-DE" dirty="0" smtClean="0"/>
+              <a:t/>
+            </a:r>
+            <a:br>
+              <a:rPr lang="de-DE" dirty="0" smtClean="0"/>
+            </a:br>
+            <a:r>
+              <a:rPr lang="de-DE" dirty="0" smtClean="0"/>
+              <a:t/>
+            </a:r>
+            <a:br>
+              <a:rPr lang="de-DE" dirty="0" smtClean="0"/>
+            </a:br>
+            <a:endParaRPr lang="de-DE" dirty="0" smtClean="0"/>
+          </a:p>
+          <a:p>
+            <a:pPr marL="0" indent="0">
+              <a:buNone/>
+            </a:pPr>
+            <a:r>
+              <a:rPr lang="de-DE" dirty="0" smtClean="0"/>
+              <a:t/>
+            </a:r>
+            <a:br>
+              <a:rPr lang="de-DE" dirty="0" smtClean="0"/>
+            </a:br>
+            <a:endParaRPr lang="de-DE" dirty="0" smtClean="0"/>
+          </a:p>
+          <a:p>
+            <a:r>
+              <a:rPr lang="de-DE" dirty="0" smtClean="0"/>
+              <a:t>Ansteuerung über Gesten:</a:t>
+            </a:r>
+          </a:p>
+          <a:p>
+            <a:endParaRPr lang="de-AT" dirty="0"/>
+          </a:p>
+        </p:txBody>
+      </p:sp>
+      <p:sp>
+        <p:nvSpPr>
+          <p:cNvPr id="4" name="Textfeld 3"/>
+          <p:cNvSpPr txBox="1"/>
+          <p:nvPr/>
+        </p:nvSpPr>
+        <p:spPr>
+          <a:xfrm>
+            <a:off x="899592" y="3861048"/>
+            <a:ext cx="4824536" cy="2520280"/>
+          </a:xfrm>
+          <a:prstGeom prst="rect">
+            <a:avLst/>
+          </a:prstGeom>
+          <a:noFill/>
+        </p:spPr>
+        <p:txBody>
+          <a:bodyPr wrap="square" rtlCol="0">
+            <a:spAutoFit/>
+          </a:bodyPr>
+          <a:lstStyle/>
+          <a:p>
+            <a:endParaRPr lang="de-AT" dirty="0"/>
+          </a:p>
+        </p:txBody>
+      </p:sp>
+      <p:sp>
+        <p:nvSpPr>
+          <p:cNvPr id="7" name="Rectangle 3"/>
+          <p:cNvSpPr>
+            <a:spLocks noChangeArrowheads="1"/>
+          </p:cNvSpPr>
+          <p:nvPr/>
+        </p:nvSpPr>
+        <p:spPr bwMode="auto">
+          <a:xfrm>
+            <a:off x="830155" y="4352472"/>
+            <a:ext cx="7475758" cy="2062103"/>
+          </a:xfrm>
+          <a:prstGeom prst="rect">
+            <a:avLst/>
+          </a:prstGeom>
+          <a:solidFill>
+            <a:schemeClr val="bg1">
+              <a:lumMod val="85000"/>
+              <a:lumOff val="15000"/>
+            </a:schemeClr>
+          </a:solidFill>
+          <a:ln w="28575">
+            <a:solidFill>
+              <a:schemeClr val="accent2"/>
+            </a:solidFill>
+            <a:miter lim="800000"/>
+            <a:headEnd/>
+            <a:tailEnd/>
+          </a:ln>
+          <a:effectLst/>
+        </p:spPr>
+        <p:txBody>
+          <a:bodyPr vert="horz" wrap="square" lIns="91440" tIns="45720" rIns="91440" bIns="45720" numCol="1" anchor="ctr" anchorCtr="0" compatLnSpc="1">
+            <a:prstTxWarp prst="textNoShape">
+              <a:avLst/>
+            </a:prstTxWarp>
+            <a:spAutoFit/>
+          </a:bodyPr>
+          <a:lstStyle/>
+          <a:p>
+            <a:pPr lvl="0" fontAlgn="base">
+              <a:spcBef>
+                <a:spcPct val="0"/>
+              </a:spcBef>
+              <a:spcAft>
+                <a:spcPct val="0"/>
+              </a:spcAft>
+            </a:pPr>
+            <a:r>
+              <a:rPr kumimoji="0" lang="de-DE" sz="1600" b="0" i="0" u="none" strike="noStrike" cap="none" normalizeH="0" baseline="0" dirty="0" err="1" smtClean="0">
+                <a:ln>
+                  <a:noFill/>
+                </a:ln>
+                <a:solidFill>
+                  <a:srgbClr val="569CD6"/>
+                </a:solidFill>
+                <a:effectLst/>
+                <a:latin typeface="Consolas" panose="020B0609020204030204" pitchFamily="49" charset="0"/>
+                <a:cs typeface="Consolas" panose="020B0609020204030204" pitchFamily="49" charset="0"/>
+              </a:rPr>
+              <a:t>public</a:t>
+            </a:r>
+            <a:r>
+              <a:rPr kumimoji="0" lang="de-DE" sz="1600" b="0" i="0" u="none" strike="noStrike" cap="none" normalizeH="0" baseline="0" dirty="0" smtClean="0">
+                <a:ln>
+                  <a:noFill/>
+                </a:ln>
+                <a:solidFill>
+                  <a:schemeClr val="tx1"/>
+                </a:solidFill>
+                <a:effectLst/>
+                <a:latin typeface="Consolas" panose="020B0609020204030204" pitchFamily="49" charset="0"/>
+                <a:cs typeface="Consolas" panose="020B0609020204030204" pitchFamily="49" charset="0"/>
+              </a:rPr>
+              <a:t> </a:t>
+            </a:r>
+            <a:r>
+              <a:rPr kumimoji="0" lang="de-DE" sz="1600" b="0" i="0" u="none" strike="noStrike" cap="none" normalizeH="0" baseline="0" dirty="0" err="1" smtClean="0">
+                <a:ln>
+                  <a:noFill/>
+                </a:ln>
+                <a:solidFill>
+                  <a:srgbClr val="569CD6"/>
+                </a:solidFill>
+                <a:effectLst/>
+                <a:latin typeface="Consolas" panose="020B0609020204030204" pitchFamily="49" charset="0"/>
+                <a:cs typeface="Consolas" panose="020B0609020204030204" pitchFamily="49" charset="0"/>
+              </a:rPr>
+              <a:t>void</a:t>
+            </a:r>
+            <a:r>
+              <a:rPr kumimoji="0" lang="de-DE" sz="1600" b="0" i="0" u="none" strike="noStrike" cap="none" normalizeH="0" baseline="0" dirty="0" smtClean="0">
+                <a:ln>
+                  <a:noFill/>
+                </a:ln>
+                <a:solidFill>
+                  <a:schemeClr val="tx1"/>
+                </a:solidFill>
+                <a:effectLst/>
+                <a:latin typeface="Consolas" panose="020B0609020204030204" pitchFamily="49" charset="0"/>
+                <a:cs typeface="Consolas" panose="020B0609020204030204" pitchFamily="49" charset="0"/>
+              </a:rPr>
+              <a:t> </a:t>
+            </a:r>
+            <a:r>
+              <a:rPr kumimoji="0" lang="de-DE" sz="1600" b="0" i="0" u="none" strike="noStrike" cap="none" normalizeH="0" baseline="0" dirty="0" err="1" smtClean="0">
+                <a:ln>
+                  <a:noFill/>
+                </a:ln>
+                <a:solidFill>
+                  <a:schemeClr val="tx1"/>
+                </a:solidFill>
+                <a:effectLst/>
+                <a:latin typeface="Consolas" panose="020B0609020204030204" pitchFamily="49" charset="0"/>
+                <a:cs typeface="Consolas" panose="020B0609020204030204" pitchFamily="49" charset="0"/>
+              </a:rPr>
+              <a:t>PerformHueAction</a:t>
+            </a:r>
+            <a:r>
+              <a:rPr kumimoji="0" lang="de-DE" sz="1600" b="0" i="0" u="none" strike="noStrike" cap="none" normalizeH="0" baseline="0" dirty="0" smtClean="0">
+                <a:ln>
+                  <a:noFill/>
+                </a:ln>
+                <a:solidFill>
+                  <a:schemeClr val="tx1"/>
+                </a:solidFill>
+                <a:effectLst/>
+                <a:latin typeface="Consolas" panose="020B0609020204030204" pitchFamily="49" charset="0"/>
+                <a:cs typeface="Consolas" panose="020B0609020204030204" pitchFamily="49" charset="0"/>
+              </a:rPr>
+              <a:t>(</a:t>
+            </a:r>
+            <a:r>
+              <a:rPr kumimoji="0" lang="de-DE" sz="1600" b="0" i="0" u="none" strike="noStrike" cap="none" normalizeH="0" baseline="0" dirty="0" err="1" smtClean="0">
+                <a:ln>
+                  <a:noFill/>
+                </a:ln>
+                <a:solidFill>
+                  <a:srgbClr val="4EC9B0"/>
+                </a:solidFill>
+                <a:effectLst/>
+                <a:latin typeface="Consolas" panose="020B0609020204030204" pitchFamily="49" charset="0"/>
+                <a:cs typeface="Consolas" panose="020B0609020204030204" pitchFamily="49" charset="0"/>
+              </a:rPr>
+              <a:t>RecognitionResult</a:t>
+            </a:r>
+            <a:r>
+              <a:rPr kumimoji="0" lang="de-DE" sz="1600" b="0" i="0" u="none" strike="noStrike" cap="none" normalizeH="0" baseline="0" dirty="0" smtClean="0">
+                <a:ln>
+                  <a:noFill/>
+                </a:ln>
+                <a:solidFill>
+                  <a:schemeClr val="tx1"/>
+                </a:solidFill>
+                <a:effectLst/>
+                <a:latin typeface="Consolas" panose="020B0609020204030204" pitchFamily="49" charset="0"/>
+                <a:cs typeface="Consolas" panose="020B0609020204030204" pitchFamily="49" charset="0"/>
+              </a:rPr>
+              <a:t> </a:t>
+            </a:r>
+            <a:r>
+              <a:rPr kumimoji="0" lang="de-DE" sz="1600" b="0" i="0" u="none" strike="noStrike" cap="none" normalizeH="0" baseline="0" dirty="0" err="1" smtClean="0">
+                <a:ln>
+                  <a:noFill/>
+                </a:ln>
+                <a:solidFill>
+                  <a:schemeClr val="tx1"/>
+                </a:solidFill>
+                <a:effectLst/>
+                <a:latin typeface="Consolas" panose="020B0609020204030204" pitchFamily="49" charset="0"/>
+                <a:cs typeface="Consolas" panose="020B0609020204030204" pitchFamily="49" charset="0"/>
+              </a:rPr>
+              <a:t>recognizedGesture</a:t>
+            </a:r>
+            <a:r>
+              <a:rPr kumimoji="0" lang="de-DE" sz="1600" b="0" i="0" u="none" strike="noStrike" cap="none" normalizeH="0" baseline="0" dirty="0" smtClean="0">
+                <a:ln>
+                  <a:noFill/>
+                </a:ln>
+                <a:solidFill>
+                  <a:schemeClr val="tx1"/>
+                </a:solidFill>
+                <a:effectLst/>
+                <a:latin typeface="Consolas" panose="020B0609020204030204" pitchFamily="49" charset="0"/>
+                <a:cs typeface="Consolas" panose="020B0609020204030204" pitchFamily="49" charset="0"/>
+              </a:rPr>
+              <a:t>){</a:t>
+            </a:r>
+            <a:br>
+              <a:rPr kumimoji="0" lang="de-DE" sz="1600" b="0" i="0" u="none" strike="noStrike" cap="none" normalizeH="0" baseline="0" dirty="0" smtClean="0">
+                <a:ln>
+                  <a:noFill/>
+                </a:ln>
+                <a:solidFill>
+                  <a:schemeClr val="tx1"/>
+                </a:solidFill>
+                <a:effectLst/>
+                <a:latin typeface="Consolas" panose="020B0609020204030204" pitchFamily="49" charset="0"/>
+                <a:cs typeface="Consolas" panose="020B0609020204030204" pitchFamily="49" charset="0"/>
+              </a:rPr>
+            </a:br>
+            <a:r>
+              <a:rPr lang="de-DE" sz="1600" dirty="0">
+                <a:latin typeface="Consolas" panose="020B0609020204030204" pitchFamily="49" charset="0"/>
+                <a:cs typeface="Consolas" panose="020B0609020204030204" pitchFamily="49" charset="0"/>
+              </a:rPr>
+              <a:t> </a:t>
+            </a:r>
+            <a:r>
+              <a:rPr lang="de-DE" sz="1600" dirty="0" smtClean="0">
+                <a:latin typeface="Consolas" panose="020B0609020204030204" pitchFamily="49" charset="0"/>
+                <a:cs typeface="Consolas" panose="020B0609020204030204" pitchFamily="49" charset="0"/>
+              </a:rPr>
+              <a:t> </a:t>
+            </a:r>
+            <a:r>
+              <a:rPr kumimoji="0" lang="de-DE" sz="1600" b="0" i="0" u="none" strike="noStrike" cap="none" normalizeH="0" baseline="0" dirty="0" err="1" smtClean="0">
+                <a:ln>
+                  <a:noFill/>
+                </a:ln>
+                <a:solidFill>
+                  <a:srgbClr val="569CD6"/>
+                </a:solidFill>
+                <a:effectLst/>
+                <a:latin typeface="Consolas" panose="020B0609020204030204" pitchFamily="49" charset="0"/>
+                <a:cs typeface="Consolas" panose="020B0609020204030204" pitchFamily="49" charset="0"/>
+              </a:rPr>
+              <a:t>string</a:t>
+            </a:r>
+            <a:r>
+              <a:rPr kumimoji="0" lang="de-DE" sz="1600" b="0" i="0" u="none" strike="noStrike" cap="none" normalizeH="0" baseline="0" dirty="0" smtClean="0">
+                <a:ln>
+                  <a:noFill/>
+                </a:ln>
+                <a:solidFill>
+                  <a:schemeClr val="tx1"/>
+                </a:solidFill>
+                <a:effectLst/>
+                <a:latin typeface="Consolas" panose="020B0609020204030204" pitchFamily="49" charset="0"/>
+                <a:cs typeface="Consolas" panose="020B0609020204030204" pitchFamily="49" charset="0"/>
+              </a:rPr>
+              <a:t> </a:t>
+            </a:r>
+            <a:r>
+              <a:rPr kumimoji="0" lang="de-DE" sz="1600" b="0" i="0" u="none" strike="noStrike" cap="none" normalizeH="0" baseline="0" dirty="0" err="1" smtClean="0">
+                <a:ln>
+                  <a:noFill/>
+                </a:ln>
+                <a:solidFill>
+                  <a:schemeClr val="tx1"/>
+                </a:solidFill>
+                <a:effectLst/>
+                <a:latin typeface="Consolas" panose="020B0609020204030204" pitchFamily="49" charset="0"/>
+                <a:cs typeface="Consolas" panose="020B0609020204030204" pitchFamily="49" charset="0"/>
+              </a:rPr>
+              <a:t>gestureName</a:t>
+            </a:r>
+            <a:r>
+              <a:rPr kumimoji="0" lang="de-DE" sz="1600" b="0" i="0" u="none" strike="noStrike" cap="none" normalizeH="0" baseline="0" dirty="0" smtClean="0">
+                <a:ln>
+                  <a:noFill/>
+                </a:ln>
+                <a:solidFill>
+                  <a:schemeClr val="tx1"/>
+                </a:solidFill>
+                <a:effectLst/>
+                <a:latin typeface="Consolas" panose="020B0609020204030204" pitchFamily="49" charset="0"/>
+                <a:cs typeface="Consolas" panose="020B0609020204030204" pitchFamily="49" charset="0"/>
+              </a:rPr>
+              <a:t> </a:t>
+            </a:r>
+            <a:r>
+              <a:rPr kumimoji="0" lang="de-DE" sz="1600" b="0" i="0" u="none" strike="noStrike" cap="none" normalizeH="0" baseline="0" dirty="0" smtClean="0">
+                <a:ln>
+                  <a:noFill/>
+                </a:ln>
+                <a:solidFill>
+                  <a:srgbClr val="B4B4B4"/>
+                </a:solidFill>
+                <a:effectLst/>
+                <a:latin typeface="Consolas" panose="020B0609020204030204" pitchFamily="49" charset="0"/>
+                <a:cs typeface="Consolas" panose="020B0609020204030204" pitchFamily="49" charset="0"/>
+              </a:rPr>
+              <a:t>=</a:t>
+            </a:r>
+            <a:r>
+              <a:rPr kumimoji="0" lang="de-DE" sz="1600" b="0" i="0" u="none" strike="noStrike" cap="none" normalizeH="0" baseline="0" dirty="0" smtClean="0">
+                <a:ln>
+                  <a:noFill/>
+                </a:ln>
+                <a:solidFill>
+                  <a:schemeClr val="tx1"/>
+                </a:solidFill>
+                <a:effectLst/>
+                <a:latin typeface="Consolas" panose="020B0609020204030204" pitchFamily="49" charset="0"/>
+                <a:cs typeface="Consolas" panose="020B0609020204030204" pitchFamily="49" charset="0"/>
+              </a:rPr>
+              <a:t> </a:t>
+            </a:r>
+            <a:r>
+              <a:rPr kumimoji="0" lang="de-DE" sz="1600" b="0" i="0" u="none" strike="noStrike" cap="none" normalizeH="0" baseline="0" dirty="0" err="1" smtClean="0">
+                <a:ln>
+                  <a:noFill/>
+                </a:ln>
+                <a:solidFill>
+                  <a:schemeClr val="tx1"/>
+                </a:solidFill>
+                <a:effectLst/>
+                <a:latin typeface="Consolas" panose="020B0609020204030204" pitchFamily="49" charset="0"/>
+                <a:cs typeface="Consolas" panose="020B0609020204030204" pitchFamily="49" charset="0"/>
+              </a:rPr>
+              <a:t>recognizedGesture</a:t>
+            </a:r>
+            <a:r>
+              <a:rPr kumimoji="0" lang="de-DE" sz="1600" b="0" i="0" u="none" strike="noStrike" cap="none" normalizeH="0" baseline="0" dirty="0" err="1" smtClean="0">
+                <a:ln>
+                  <a:noFill/>
+                </a:ln>
+                <a:solidFill>
+                  <a:srgbClr val="B4B4B4"/>
+                </a:solidFill>
+                <a:effectLst/>
+                <a:latin typeface="Consolas" panose="020B0609020204030204" pitchFamily="49" charset="0"/>
+                <a:cs typeface="Consolas" panose="020B0609020204030204" pitchFamily="49" charset="0"/>
+              </a:rPr>
+              <a:t>.</a:t>
+            </a:r>
+            <a:r>
+              <a:rPr kumimoji="0" lang="de-DE" sz="1600" b="0" i="0" u="none" strike="noStrike" cap="none" normalizeH="0" baseline="0" dirty="0" err="1" smtClean="0">
+                <a:ln>
+                  <a:noFill/>
+                </a:ln>
+                <a:solidFill>
+                  <a:schemeClr val="tx1"/>
+                </a:solidFill>
+                <a:effectLst/>
+                <a:latin typeface="Consolas" panose="020B0609020204030204" pitchFamily="49" charset="0"/>
+                <a:cs typeface="Consolas" panose="020B0609020204030204" pitchFamily="49" charset="0"/>
+              </a:rPr>
+              <a:t>Name</a:t>
+            </a:r>
+            <a:r>
+              <a:rPr kumimoji="0" lang="de-DE" sz="1600" b="0" i="0" u="none" strike="noStrike" cap="none" normalizeH="0" baseline="0" dirty="0" smtClean="0">
+                <a:ln>
+                  <a:noFill/>
+                </a:ln>
+                <a:solidFill>
+                  <a:schemeClr val="tx1"/>
+                </a:solidFill>
+                <a:effectLst/>
+                <a:latin typeface="Consolas" panose="020B0609020204030204" pitchFamily="49" charset="0"/>
+                <a:cs typeface="Consolas" panose="020B0609020204030204" pitchFamily="49" charset="0"/>
+              </a:rPr>
+              <a:t>;</a:t>
+            </a:r>
+            <a:br>
+              <a:rPr kumimoji="0" lang="de-DE" sz="1600" b="0" i="0" u="none" strike="noStrike" cap="none" normalizeH="0" baseline="0" dirty="0" smtClean="0">
+                <a:ln>
+                  <a:noFill/>
+                </a:ln>
+                <a:solidFill>
+                  <a:schemeClr val="tx1"/>
+                </a:solidFill>
+                <a:effectLst/>
+                <a:latin typeface="Consolas" panose="020B0609020204030204" pitchFamily="49" charset="0"/>
+                <a:cs typeface="Consolas" panose="020B0609020204030204" pitchFamily="49" charset="0"/>
+              </a:rPr>
+            </a:br>
+            <a:r>
+              <a:rPr kumimoji="0" lang="de-DE" sz="1600" b="0" i="0" u="none" strike="noStrike" cap="none" normalizeH="0" baseline="0" dirty="0" smtClean="0">
+                <a:ln>
+                  <a:noFill/>
+                </a:ln>
+                <a:solidFill>
+                  <a:schemeClr val="tx1"/>
+                </a:solidFill>
+                <a:effectLst/>
+                <a:latin typeface="Consolas" panose="020B0609020204030204" pitchFamily="49" charset="0"/>
+                <a:cs typeface="Consolas" panose="020B0609020204030204" pitchFamily="49" charset="0"/>
+              </a:rPr>
+              <a:t>  </a:t>
+            </a:r>
+            <a:r>
+              <a:rPr kumimoji="0" lang="de-DE" sz="1600" b="0" i="0" u="none" strike="noStrike" cap="none" normalizeH="0" baseline="0" dirty="0" err="1" smtClean="0">
+                <a:ln>
+                  <a:noFill/>
+                </a:ln>
+                <a:solidFill>
+                  <a:srgbClr val="569CD6"/>
+                </a:solidFill>
+                <a:effectLst/>
+                <a:latin typeface="Consolas" panose="020B0609020204030204" pitchFamily="49" charset="0"/>
+                <a:cs typeface="Consolas" panose="020B0609020204030204" pitchFamily="49" charset="0"/>
+              </a:rPr>
+              <a:t>switch</a:t>
+            </a:r>
+            <a:r>
+              <a:rPr kumimoji="0" lang="de-DE" sz="1600" b="0" i="0" u="none" strike="noStrike" cap="none" normalizeH="0" baseline="0" dirty="0" smtClean="0">
+                <a:ln>
+                  <a:noFill/>
+                </a:ln>
+                <a:solidFill>
+                  <a:schemeClr val="tx1"/>
+                </a:solidFill>
+                <a:effectLst/>
+                <a:latin typeface="Consolas" panose="020B0609020204030204" pitchFamily="49" charset="0"/>
+                <a:cs typeface="Consolas" panose="020B0609020204030204" pitchFamily="49" charset="0"/>
+              </a:rPr>
+              <a:t> (</a:t>
+            </a:r>
+            <a:r>
+              <a:rPr kumimoji="0" lang="de-DE" sz="1600" b="0" i="0" u="none" strike="noStrike" cap="none" normalizeH="0" baseline="0" dirty="0" err="1" smtClean="0">
+                <a:ln>
+                  <a:noFill/>
+                </a:ln>
+                <a:solidFill>
+                  <a:schemeClr val="tx1"/>
+                </a:solidFill>
+                <a:effectLst/>
+                <a:latin typeface="Consolas" panose="020B0609020204030204" pitchFamily="49" charset="0"/>
+                <a:cs typeface="Consolas" panose="020B0609020204030204" pitchFamily="49" charset="0"/>
+              </a:rPr>
+              <a:t>gestureName</a:t>
+            </a:r>
+            <a:r>
+              <a:rPr kumimoji="0" lang="de-DE" sz="1600" b="0" i="0" u="none" strike="noStrike" cap="none" normalizeH="0" baseline="0" dirty="0" smtClean="0">
+                <a:ln>
+                  <a:noFill/>
+                </a:ln>
+                <a:solidFill>
+                  <a:schemeClr val="tx1"/>
+                </a:solidFill>
+                <a:effectLst/>
+                <a:latin typeface="Consolas" panose="020B0609020204030204" pitchFamily="49" charset="0"/>
+                <a:cs typeface="Consolas" panose="020B0609020204030204" pitchFamily="49" charset="0"/>
+              </a:rPr>
+              <a:t>) {</a:t>
+            </a:r>
+            <a:br>
+              <a:rPr kumimoji="0" lang="de-DE" sz="1600" b="0" i="0" u="none" strike="noStrike" cap="none" normalizeH="0" baseline="0" dirty="0" smtClean="0">
+                <a:ln>
+                  <a:noFill/>
+                </a:ln>
+                <a:solidFill>
+                  <a:schemeClr val="tx1"/>
+                </a:solidFill>
+                <a:effectLst/>
+                <a:latin typeface="Consolas" panose="020B0609020204030204" pitchFamily="49" charset="0"/>
+                <a:cs typeface="Consolas" panose="020B0609020204030204" pitchFamily="49" charset="0"/>
+              </a:rPr>
+            </a:br>
+            <a:r>
+              <a:rPr kumimoji="0" lang="de-DE" sz="1600" b="0" i="0" u="none" strike="noStrike" cap="none" normalizeH="0" baseline="0" dirty="0" smtClean="0">
+                <a:ln>
+                  <a:noFill/>
+                </a:ln>
+                <a:solidFill>
+                  <a:schemeClr val="tx1"/>
+                </a:solidFill>
+                <a:effectLst/>
+                <a:latin typeface="Consolas" panose="020B0609020204030204" pitchFamily="49" charset="0"/>
+                <a:cs typeface="Consolas" panose="020B0609020204030204" pitchFamily="49" charset="0"/>
+              </a:rPr>
+              <a:t>  </a:t>
+            </a:r>
+            <a:r>
+              <a:rPr lang="de-DE" sz="1600" dirty="0">
+                <a:latin typeface="Consolas" panose="020B0609020204030204" pitchFamily="49" charset="0"/>
+                <a:cs typeface="Consolas" panose="020B0609020204030204" pitchFamily="49" charset="0"/>
+              </a:rPr>
+              <a:t> </a:t>
+            </a:r>
+            <a:r>
+              <a:rPr lang="de-DE" sz="1600" dirty="0" smtClean="0">
+                <a:latin typeface="Consolas" panose="020B0609020204030204" pitchFamily="49" charset="0"/>
+                <a:cs typeface="Consolas" panose="020B0609020204030204" pitchFamily="49" charset="0"/>
+              </a:rPr>
+              <a:t> </a:t>
+            </a:r>
+            <a:r>
+              <a:rPr kumimoji="0" lang="de-DE" sz="1600" b="0" i="0" u="none" strike="noStrike" cap="none" normalizeH="0" baseline="0" dirty="0" smtClean="0">
+                <a:ln>
+                  <a:noFill/>
+                </a:ln>
+                <a:solidFill>
+                  <a:srgbClr val="57A64A"/>
+                </a:solidFill>
+                <a:effectLst/>
+                <a:latin typeface="Consolas" panose="020B0609020204030204" pitchFamily="49" charset="0"/>
+                <a:cs typeface="Consolas" panose="020B0609020204030204" pitchFamily="49" charset="0"/>
+              </a:rPr>
+              <a:t>// </a:t>
+            </a:r>
+            <a:r>
+              <a:rPr kumimoji="0" lang="de-DE" sz="1600" b="0" i="0" u="none" strike="noStrike" cap="none" normalizeH="0" baseline="0" dirty="0" err="1" smtClean="0">
+                <a:ln>
+                  <a:noFill/>
+                </a:ln>
+                <a:solidFill>
+                  <a:srgbClr val="57A64A"/>
+                </a:solidFill>
+                <a:effectLst/>
+                <a:latin typeface="Consolas" panose="020B0609020204030204" pitchFamily="49" charset="0"/>
+                <a:cs typeface="Consolas" panose="020B0609020204030204" pitchFamily="49" charset="0"/>
+              </a:rPr>
+              <a:t>start</a:t>
+            </a:r>
+            <a:r>
+              <a:rPr kumimoji="0" lang="de-DE" sz="1600" b="0" i="0" u="none" strike="noStrike" cap="none" normalizeH="0" baseline="0" dirty="0" smtClean="0">
+                <a:ln>
+                  <a:noFill/>
+                </a:ln>
+                <a:solidFill>
+                  <a:srgbClr val="57A64A"/>
+                </a:solidFill>
+                <a:effectLst/>
+                <a:latin typeface="Consolas" panose="020B0609020204030204" pitchFamily="49" charset="0"/>
+                <a:cs typeface="Consolas" panose="020B0609020204030204" pitchFamily="49" charset="0"/>
+              </a:rPr>
+              <a:t> </a:t>
+            </a:r>
+            <a:r>
+              <a:rPr kumimoji="0" lang="de-DE" sz="1600" b="0" i="0" u="none" strike="noStrike" cap="none" normalizeH="0" baseline="0" dirty="0" err="1" smtClean="0">
+                <a:ln>
+                  <a:noFill/>
+                </a:ln>
+                <a:solidFill>
+                  <a:srgbClr val="57A64A"/>
+                </a:solidFill>
+                <a:effectLst/>
+                <a:latin typeface="Consolas" panose="020B0609020204030204" pitchFamily="49" charset="0"/>
+                <a:cs typeface="Consolas" panose="020B0609020204030204" pitchFamily="49" charset="0"/>
+              </a:rPr>
+              <a:t>chaser</a:t>
+            </a:r>
+            <a:r>
+              <a:rPr kumimoji="0" lang="de-DE" sz="1600" b="0" i="0" u="none" strike="noStrike" cap="none" normalizeH="0" baseline="0" dirty="0" smtClean="0">
+                <a:ln>
+                  <a:noFill/>
+                </a:ln>
+                <a:solidFill>
+                  <a:srgbClr val="57A64A"/>
+                </a:solidFill>
+                <a:effectLst/>
+                <a:latin typeface="Consolas" panose="020B0609020204030204" pitchFamily="49" charset="0"/>
+                <a:cs typeface="Consolas" panose="020B0609020204030204" pitchFamily="49" charset="0"/>
+              </a:rPr>
+              <a:t> light </a:t>
+            </a:r>
+            <a:r>
+              <a:rPr kumimoji="0" lang="de-DE" sz="1600" b="0" i="0" u="none" strike="noStrike" cap="none" normalizeH="0" baseline="0" dirty="0" err="1" smtClean="0">
+                <a:ln>
+                  <a:noFill/>
+                </a:ln>
+                <a:solidFill>
+                  <a:srgbClr val="57A64A"/>
+                </a:solidFill>
+                <a:effectLst/>
+                <a:latin typeface="Consolas" panose="020B0609020204030204" pitchFamily="49" charset="0"/>
+                <a:cs typeface="Consolas" panose="020B0609020204030204" pitchFamily="49" charset="0"/>
+              </a:rPr>
+              <a:t>from</a:t>
+            </a:r>
+            <a:r>
+              <a:rPr kumimoji="0" lang="de-DE" sz="1600" b="0" i="0" u="none" strike="noStrike" cap="none" normalizeH="0" baseline="0" dirty="0" smtClean="0">
+                <a:ln>
+                  <a:noFill/>
+                </a:ln>
+                <a:solidFill>
+                  <a:srgbClr val="57A64A"/>
+                </a:solidFill>
+                <a:effectLst/>
+                <a:latin typeface="Consolas" panose="020B0609020204030204" pitchFamily="49" charset="0"/>
+                <a:cs typeface="Consolas" panose="020B0609020204030204" pitchFamily="49" charset="0"/>
+              </a:rPr>
+              <a:t> </a:t>
+            </a:r>
+            <a:r>
+              <a:rPr kumimoji="0" lang="de-DE" sz="1600" b="0" i="0" u="none" strike="noStrike" cap="none" normalizeH="0" baseline="0" dirty="0" err="1" smtClean="0">
+                <a:ln>
+                  <a:noFill/>
+                </a:ln>
+                <a:solidFill>
+                  <a:srgbClr val="57A64A"/>
+                </a:solidFill>
+                <a:effectLst/>
+                <a:latin typeface="Consolas" panose="020B0609020204030204" pitchFamily="49" charset="0"/>
+                <a:cs typeface="Consolas" panose="020B0609020204030204" pitchFamily="49" charset="0"/>
+              </a:rPr>
+              <a:t>left</a:t>
+            </a:r>
+            <a:r>
+              <a:rPr kumimoji="0" lang="de-DE" sz="1600" b="0" i="0" u="none" strike="noStrike" cap="none" normalizeH="0" baseline="0" dirty="0" smtClean="0">
+                <a:ln>
+                  <a:noFill/>
+                </a:ln>
+                <a:solidFill>
+                  <a:srgbClr val="57A64A"/>
+                </a:solidFill>
+                <a:effectLst/>
+                <a:latin typeface="Consolas" panose="020B0609020204030204" pitchFamily="49" charset="0"/>
+                <a:cs typeface="Consolas" panose="020B0609020204030204" pitchFamily="49" charset="0"/>
+              </a:rPr>
+              <a:t> </a:t>
+            </a:r>
+            <a:r>
+              <a:rPr kumimoji="0" lang="de-DE" sz="1600" b="0" i="0" u="none" strike="noStrike" cap="none" normalizeH="0" baseline="0" dirty="0" err="1" smtClean="0">
+                <a:ln>
+                  <a:noFill/>
+                </a:ln>
+                <a:solidFill>
+                  <a:srgbClr val="57A64A"/>
+                </a:solidFill>
+                <a:effectLst/>
+                <a:latin typeface="Consolas" panose="020B0609020204030204" pitchFamily="49" charset="0"/>
+                <a:cs typeface="Consolas" panose="020B0609020204030204" pitchFamily="49" charset="0"/>
+              </a:rPr>
+              <a:t>to</a:t>
+            </a:r>
+            <a:r>
+              <a:rPr kumimoji="0" lang="de-DE" sz="1600" b="0" i="0" u="none" strike="noStrike" cap="none" normalizeH="0" baseline="0" dirty="0" smtClean="0">
+                <a:ln>
+                  <a:noFill/>
+                </a:ln>
+                <a:solidFill>
+                  <a:srgbClr val="57A64A"/>
+                </a:solidFill>
+                <a:effectLst/>
+                <a:latin typeface="Consolas" panose="020B0609020204030204" pitchFamily="49" charset="0"/>
+                <a:cs typeface="Consolas" panose="020B0609020204030204" pitchFamily="49" charset="0"/>
+              </a:rPr>
+              <a:t> </a:t>
+            </a:r>
+            <a:r>
+              <a:rPr kumimoji="0" lang="de-DE" sz="1600" b="0" i="0" u="none" strike="noStrike" cap="none" normalizeH="0" baseline="0" dirty="0" err="1" smtClean="0">
+                <a:ln>
+                  <a:noFill/>
+                </a:ln>
+                <a:solidFill>
+                  <a:srgbClr val="57A64A"/>
+                </a:solidFill>
+                <a:effectLst/>
+                <a:latin typeface="Consolas" panose="020B0609020204030204" pitchFamily="49" charset="0"/>
+                <a:cs typeface="Consolas" panose="020B0609020204030204" pitchFamily="49" charset="0"/>
+              </a:rPr>
+              <a:t>right</a:t>
+            </a:r>
+            <a:r>
+              <a:rPr kumimoji="0" lang="de-DE" sz="1600" b="0" i="0" u="none" strike="noStrike" cap="none" normalizeH="0" baseline="0" dirty="0" smtClean="0">
+                <a:ln>
+                  <a:noFill/>
+                </a:ln>
+                <a:solidFill>
+                  <a:schemeClr val="tx1"/>
+                </a:solidFill>
+                <a:effectLst/>
+                <a:latin typeface="Consolas" panose="020B0609020204030204" pitchFamily="49" charset="0"/>
+                <a:cs typeface="Consolas" panose="020B0609020204030204" pitchFamily="49" charset="0"/>
+              </a:rPr>
+              <a:t/>
+            </a:r>
+            <a:br>
+              <a:rPr kumimoji="0" lang="de-DE" sz="1600" b="0" i="0" u="none" strike="noStrike" cap="none" normalizeH="0" baseline="0" dirty="0" smtClean="0">
+                <a:ln>
+                  <a:noFill/>
+                </a:ln>
+                <a:solidFill>
+                  <a:schemeClr val="tx1"/>
+                </a:solidFill>
+                <a:effectLst/>
+                <a:latin typeface="Consolas" panose="020B0609020204030204" pitchFamily="49" charset="0"/>
+                <a:cs typeface="Consolas" panose="020B0609020204030204" pitchFamily="49" charset="0"/>
+              </a:rPr>
+            </a:br>
+            <a:r>
+              <a:rPr kumimoji="0" lang="de-DE" sz="1600" b="0" i="0" u="none" strike="noStrike" cap="none" normalizeH="0" baseline="0" dirty="0" smtClean="0">
+                <a:ln>
+                  <a:noFill/>
+                </a:ln>
+                <a:solidFill>
+                  <a:schemeClr val="tx1"/>
+                </a:solidFill>
+                <a:effectLst/>
+                <a:latin typeface="Consolas" panose="020B0609020204030204" pitchFamily="49" charset="0"/>
+                <a:cs typeface="Consolas" panose="020B0609020204030204" pitchFamily="49" charset="0"/>
+              </a:rPr>
+              <a:t>    </a:t>
+            </a:r>
+            <a:r>
+              <a:rPr kumimoji="0" lang="de-DE" sz="1600" b="0" i="0" u="none" strike="noStrike" cap="none" normalizeH="0" baseline="0" dirty="0" err="1" smtClean="0">
+                <a:ln>
+                  <a:noFill/>
+                </a:ln>
+                <a:solidFill>
+                  <a:srgbClr val="569CD6"/>
+                </a:solidFill>
+                <a:effectLst/>
+                <a:latin typeface="Consolas" panose="020B0609020204030204" pitchFamily="49" charset="0"/>
+                <a:cs typeface="Consolas" panose="020B0609020204030204" pitchFamily="49" charset="0"/>
+              </a:rPr>
+              <a:t>case</a:t>
+            </a:r>
+            <a:r>
+              <a:rPr kumimoji="0" lang="de-DE" sz="1600" b="0" i="0" u="none" strike="noStrike" cap="none" normalizeH="0" baseline="0" dirty="0" smtClean="0">
+                <a:ln>
+                  <a:noFill/>
+                </a:ln>
+                <a:solidFill>
+                  <a:schemeClr val="tx1"/>
+                </a:solidFill>
+                <a:effectLst/>
+                <a:latin typeface="Consolas" panose="020B0609020204030204" pitchFamily="49" charset="0"/>
+                <a:cs typeface="Consolas" panose="020B0609020204030204" pitchFamily="49" charset="0"/>
+              </a:rPr>
+              <a:t> GESTURE_CIRCLE_CW: {</a:t>
+            </a:r>
+            <a:br>
+              <a:rPr kumimoji="0" lang="de-DE" sz="1600" b="0" i="0" u="none" strike="noStrike" cap="none" normalizeH="0" baseline="0" dirty="0" smtClean="0">
+                <a:ln>
+                  <a:noFill/>
+                </a:ln>
+                <a:solidFill>
+                  <a:schemeClr val="tx1"/>
+                </a:solidFill>
+                <a:effectLst/>
+                <a:latin typeface="Consolas" panose="020B0609020204030204" pitchFamily="49" charset="0"/>
+                <a:cs typeface="Consolas" panose="020B0609020204030204" pitchFamily="49" charset="0"/>
+              </a:rPr>
+            </a:br>
+            <a:r>
+              <a:rPr kumimoji="0" lang="de-DE" sz="1600" b="0" i="0" u="none" strike="noStrike" cap="none" normalizeH="0" baseline="0" dirty="0" smtClean="0">
+                <a:ln>
+                  <a:noFill/>
+                </a:ln>
+                <a:solidFill>
+                  <a:schemeClr val="tx1"/>
+                </a:solidFill>
+                <a:effectLst/>
+                <a:latin typeface="Consolas" panose="020B0609020204030204" pitchFamily="49" charset="0"/>
+                <a:cs typeface="Consolas" panose="020B0609020204030204" pitchFamily="49" charset="0"/>
+              </a:rPr>
+              <a:t>      </a:t>
+            </a:r>
+            <a:r>
+              <a:rPr kumimoji="0" lang="de-DE" sz="1600" b="0" i="0" u="none" strike="noStrike" cap="none" normalizeH="0" baseline="0" dirty="0" err="1" smtClean="0">
+                <a:ln>
+                  <a:noFill/>
+                </a:ln>
+                <a:solidFill>
+                  <a:schemeClr val="tx1"/>
+                </a:solidFill>
+                <a:effectLst/>
+                <a:latin typeface="Consolas" panose="020B0609020204030204" pitchFamily="49" charset="0"/>
+                <a:cs typeface="Consolas" panose="020B0609020204030204" pitchFamily="49" charset="0"/>
+              </a:rPr>
+              <a:t>hueConnector</a:t>
+            </a:r>
+            <a:r>
+              <a:rPr kumimoji="0" lang="de-DE" sz="1600" b="0" i="0" u="none" strike="noStrike" cap="none" normalizeH="0" baseline="0" dirty="0" err="1" smtClean="0">
+                <a:ln>
+                  <a:noFill/>
+                </a:ln>
+                <a:solidFill>
+                  <a:srgbClr val="B4B4B4"/>
+                </a:solidFill>
+                <a:effectLst/>
+                <a:latin typeface="Consolas" panose="020B0609020204030204" pitchFamily="49" charset="0"/>
+                <a:cs typeface="Consolas" panose="020B0609020204030204" pitchFamily="49" charset="0"/>
+              </a:rPr>
+              <a:t>.</a:t>
+            </a:r>
+            <a:r>
+              <a:rPr kumimoji="0" lang="de-DE" sz="1600" b="0" i="0" u="none" strike="noStrike" cap="none" normalizeH="0" baseline="0" dirty="0" err="1" smtClean="0">
+                <a:ln>
+                  <a:noFill/>
+                </a:ln>
+                <a:solidFill>
+                  <a:schemeClr val="tx1"/>
+                </a:solidFill>
+                <a:effectLst/>
+                <a:latin typeface="Consolas" panose="020B0609020204030204" pitchFamily="49" charset="0"/>
+                <a:cs typeface="Consolas" panose="020B0609020204030204" pitchFamily="49" charset="0"/>
+              </a:rPr>
+              <a:t>SetChaserLightOn</a:t>
+            </a:r>
+            <a:r>
+              <a:rPr kumimoji="0" lang="de-DE" sz="1600" b="0" i="0" u="none" strike="noStrike" cap="none" normalizeH="0" baseline="0" dirty="0" smtClean="0">
+                <a:ln>
+                  <a:noFill/>
+                </a:ln>
+                <a:solidFill>
+                  <a:schemeClr val="tx1"/>
+                </a:solidFill>
+                <a:effectLst/>
+                <a:latin typeface="Consolas" panose="020B0609020204030204" pitchFamily="49" charset="0"/>
+                <a:cs typeface="Consolas" panose="020B0609020204030204" pitchFamily="49" charset="0"/>
+              </a:rPr>
+              <a:t>(); </a:t>
+            </a:r>
+            <a:r>
+              <a:rPr kumimoji="0" lang="de-DE" sz="1600" b="0" i="0" u="none" strike="noStrike" cap="none" normalizeH="0" baseline="0" dirty="0" smtClean="0">
+                <a:ln>
+                  <a:noFill/>
+                </a:ln>
+                <a:solidFill>
+                  <a:srgbClr val="569CD6"/>
+                </a:solidFill>
+                <a:effectLst/>
+                <a:latin typeface="Consolas" panose="020B0609020204030204" pitchFamily="49" charset="0"/>
+                <a:cs typeface="Consolas" panose="020B0609020204030204" pitchFamily="49" charset="0"/>
+              </a:rPr>
+              <a:t>break</a:t>
+            </a:r>
+            <a:r>
+              <a:rPr kumimoji="0" lang="de-DE" sz="1600" b="0" i="0" u="none" strike="noStrike" cap="none" normalizeH="0" baseline="0" dirty="0" smtClean="0">
+                <a:ln>
+                  <a:noFill/>
+                </a:ln>
+                <a:solidFill>
+                  <a:schemeClr val="tx1"/>
+                </a:solidFill>
+                <a:effectLst/>
+                <a:latin typeface="Consolas" panose="020B0609020204030204" pitchFamily="49" charset="0"/>
+                <a:cs typeface="Consolas" panose="020B0609020204030204" pitchFamily="49" charset="0"/>
+              </a:rPr>
+              <a:t>;</a:t>
+            </a:r>
+            <a:r>
+              <a:rPr kumimoji="0" lang="de-DE" sz="1600" b="0" i="0" u="none" strike="noStrike" cap="none" normalizeH="0" baseline="0" dirty="0" smtClean="0">
+                <a:ln>
+                  <a:noFill/>
+                </a:ln>
+                <a:solidFill>
+                  <a:schemeClr val="tx1"/>
+                </a:solidFill>
+                <a:effectLst/>
+                <a:latin typeface="Consolas" panose="020B0609020204030204" pitchFamily="49" charset="0"/>
+                <a:cs typeface="Consolas" panose="020B0609020204030204" pitchFamily="49" charset="0"/>
+              </a:rPr>
+              <a:t/>
+            </a:r>
+            <a:br>
+              <a:rPr kumimoji="0" lang="de-DE" sz="1600" b="0" i="0" u="none" strike="noStrike" cap="none" normalizeH="0" baseline="0" dirty="0" smtClean="0">
+                <a:ln>
+                  <a:noFill/>
+                </a:ln>
+                <a:solidFill>
+                  <a:schemeClr val="tx1"/>
+                </a:solidFill>
+                <a:effectLst/>
+                <a:latin typeface="Consolas" panose="020B0609020204030204" pitchFamily="49" charset="0"/>
+                <a:cs typeface="Consolas" panose="020B0609020204030204" pitchFamily="49" charset="0"/>
+              </a:rPr>
+            </a:br>
+            <a:r>
+              <a:rPr kumimoji="0" lang="de-DE" sz="1600" b="0" i="0" u="none" strike="noStrike" cap="none" normalizeH="0" baseline="0" dirty="0" smtClean="0">
+                <a:ln>
+                  <a:noFill/>
+                </a:ln>
+                <a:solidFill>
+                  <a:schemeClr val="tx1"/>
+                </a:solidFill>
+                <a:effectLst/>
+                <a:latin typeface="Consolas" panose="020B0609020204030204" pitchFamily="49" charset="0"/>
+                <a:cs typeface="Consolas" panose="020B0609020204030204" pitchFamily="49" charset="0"/>
+              </a:rPr>
+              <a:t>}</a:t>
+            </a:r>
+          </a:p>
+        </p:txBody>
+      </p:sp>
+      <p:sp>
+        <p:nvSpPr>
+          <p:cNvPr id="8" name="Textfeld 7"/>
+          <p:cNvSpPr txBox="1"/>
+          <p:nvPr/>
+        </p:nvSpPr>
+        <p:spPr>
+          <a:xfrm>
+            <a:off x="827584" y="1988840"/>
+            <a:ext cx="7478329" cy="1569660"/>
+          </a:xfrm>
+          <a:prstGeom prst="rect">
+            <a:avLst/>
+          </a:prstGeom>
+          <a:solidFill>
+            <a:schemeClr val="bg1">
+              <a:lumMod val="85000"/>
+              <a:lumOff val="15000"/>
+            </a:schemeClr>
+          </a:solidFill>
+          <a:ln w="28575">
+            <a:solidFill>
+              <a:schemeClr val="accent2"/>
+            </a:solidFill>
+          </a:ln>
+          <a:effectLst>
+            <a:innerShdw blurRad="114300">
+              <a:prstClr val="black"/>
+            </a:innerShdw>
+          </a:effectLst>
+        </p:spPr>
+        <p:txBody>
+          <a:bodyPr wrap="none" rtlCol="0">
+            <a:spAutoFit/>
+          </a:bodyPr>
+          <a:lstStyle/>
+          <a:p>
+            <a:r>
+              <a:rPr lang="de-AT" sz="1600" dirty="0" err="1" smtClean="0">
+                <a:solidFill>
+                  <a:srgbClr val="569CD6"/>
+                </a:solidFill>
+                <a:effectLst/>
+                <a:latin typeface="Consolas" panose="020B0609020204030204" pitchFamily="49" charset="0"/>
+                <a:cs typeface="Consolas" panose="020B0609020204030204" pitchFamily="49" charset="0"/>
+              </a:rPr>
+              <a:t>var</a:t>
+            </a:r>
+            <a:r>
+              <a:rPr lang="de-AT" sz="1600" dirty="0" smtClean="0">
+                <a:latin typeface="Consolas" panose="020B0609020204030204" pitchFamily="49" charset="0"/>
+                <a:cs typeface="Consolas" panose="020B0609020204030204" pitchFamily="49" charset="0"/>
+              </a:rPr>
+              <a:t> </a:t>
+            </a:r>
+            <a:r>
+              <a:rPr lang="de-AT" sz="1600" dirty="0" err="1" smtClean="0">
+                <a:latin typeface="Consolas" panose="020B0609020204030204" pitchFamily="49" charset="0"/>
+                <a:cs typeface="Consolas" panose="020B0609020204030204" pitchFamily="49" charset="0"/>
+              </a:rPr>
+              <a:t>gesturePoints</a:t>
+            </a:r>
+            <a:r>
+              <a:rPr lang="de-AT" sz="1600" dirty="0" smtClean="0">
+                <a:latin typeface="Consolas" panose="020B0609020204030204" pitchFamily="49" charset="0"/>
+                <a:cs typeface="Consolas" panose="020B0609020204030204" pitchFamily="49" charset="0"/>
+              </a:rPr>
+              <a:t> </a:t>
+            </a:r>
+            <a:r>
+              <a:rPr lang="de-AT" sz="1600" dirty="0" smtClean="0">
+                <a:solidFill>
+                  <a:srgbClr val="B4B4B4"/>
+                </a:solidFill>
+                <a:effectLst/>
+                <a:latin typeface="Consolas" panose="020B0609020204030204" pitchFamily="49" charset="0"/>
+                <a:cs typeface="Consolas" panose="020B0609020204030204" pitchFamily="49" charset="0"/>
+              </a:rPr>
+              <a:t>=</a:t>
+            </a:r>
+            <a:r>
+              <a:rPr lang="de-AT" sz="1600" dirty="0" smtClean="0">
+                <a:latin typeface="Consolas" panose="020B0609020204030204" pitchFamily="49" charset="0"/>
+                <a:cs typeface="Consolas" panose="020B0609020204030204" pitchFamily="49" charset="0"/>
+              </a:rPr>
+              <a:t> </a:t>
+            </a:r>
+            <a:r>
+              <a:rPr lang="de-AT" sz="1600" dirty="0" err="1" smtClean="0">
+                <a:latin typeface="Consolas" panose="020B0609020204030204" pitchFamily="49" charset="0"/>
+                <a:cs typeface="Consolas" panose="020B0609020204030204" pitchFamily="49" charset="0"/>
+              </a:rPr>
+              <a:t>kinectDataMgr</a:t>
+            </a:r>
+            <a:r>
+              <a:rPr lang="de-AT" sz="1600" dirty="0" err="1" smtClean="0">
+                <a:solidFill>
+                  <a:srgbClr val="B4B4B4"/>
+                </a:solidFill>
+                <a:effectLst/>
+                <a:latin typeface="Consolas" panose="020B0609020204030204" pitchFamily="49" charset="0"/>
+                <a:cs typeface="Consolas" panose="020B0609020204030204" pitchFamily="49" charset="0"/>
+              </a:rPr>
+              <a:t>.</a:t>
+            </a:r>
+            <a:r>
+              <a:rPr lang="de-AT" sz="1600" dirty="0" err="1" smtClean="0">
+                <a:latin typeface="Consolas" panose="020B0609020204030204" pitchFamily="49" charset="0"/>
+                <a:cs typeface="Consolas" panose="020B0609020204030204" pitchFamily="49" charset="0"/>
+              </a:rPr>
+              <a:t>Recorder</a:t>
+            </a:r>
+            <a:r>
+              <a:rPr lang="de-AT" sz="1600" dirty="0" err="1" smtClean="0">
+                <a:solidFill>
+                  <a:srgbClr val="B4B4B4"/>
+                </a:solidFill>
+                <a:effectLst/>
+                <a:latin typeface="Consolas" panose="020B0609020204030204" pitchFamily="49" charset="0"/>
+                <a:cs typeface="Consolas" panose="020B0609020204030204" pitchFamily="49" charset="0"/>
+              </a:rPr>
+              <a:t>.</a:t>
+            </a:r>
+            <a:r>
+              <a:rPr lang="de-AT" sz="1600" dirty="0" err="1" smtClean="0">
+                <a:latin typeface="Consolas" panose="020B0609020204030204" pitchFamily="49" charset="0"/>
+                <a:cs typeface="Consolas" panose="020B0609020204030204" pitchFamily="49" charset="0"/>
+              </a:rPr>
+              <a:t>GetGesturePoints</a:t>
+            </a:r>
+            <a:r>
+              <a:rPr lang="de-AT" sz="1600" dirty="0" smtClean="0">
+                <a:latin typeface="Consolas" panose="020B0609020204030204" pitchFamily="49" charset="0"/>
+                <a:cs typeface="Consolas" panose="020B0609020204030204" pitchFamily="49" charset="0"/>
+              </a:rPr>
+              <a:t>(</a:t>
+            </a:r>
+            <a:br>
+              <a:rPr lang="de-AT" sz="1600" dirty="0" smtClean="0">
+                <a:latin typeface="Consolas" panose="020B0609020204030204" pitchFamily="49" charset="0"/>
+                <a:cs typeface="Consolas" panose="020B0609020204030204" pitchFamily="49" charset="0"/>
+              </a:rPr>
+            </a:br>
+            <a:r>
+              <a:rPr lang="de-AT" sz="1600" dirty="0" smtClean="0">
+                <a:latin typeface="Consolas" panose="020B0609020204030204" pitchFamily="49" charset="0"/>
+                <a:cs typeface="Consolas" panose="020B0609020204030204" pitchFamily="49" charset="0"/>
+              </a:rPr>
+              <a:t>  </a:t>
+            </a:r>
+            <a:r>
+              <a:rPr lang="de-AT" sz="1600" dirty="0" err="1" smtClean="0">
+                <a:latin typeface="Consolas" panose="020B0609020204030204" pitchFamily="49" charset="0"/>
+                <a:cs typeface="Consolas" panose="020B0609020204030204" pitchFamily="49" charset="0"/>
+              </a:rPr>
+              <a:t>jointToBeDisplayed</a:t>
+            </a:r>
+            <a:r>
+              <a:rPr lang="de-AT" sz="1600" dirty="0" smtClean="0">
+                <a:latin typeface="Consolas" panose="020B0609020204030204" pitchFamily="49" charset="0"/>
+                <a:cs typeface="Consolas" panose="020B0609020204030204" pitchFamily="49" charset="0"/>
+              </a:rPr>
+              <a:t>, </a:t>
+            </a:r>
+            <a:r>
+              <a:rPr lang="de-AT" sz="1600" dirty="0" err="1" smtClean="0">
+                <a:solidFill>
+                  <a:srgbClr val="B8D7A3"/>
+                </a:solidFill>
+                <a:effectLst/>
+                <a:latin typeface="Consolas" panose="020B0609020204030204" pitchFamily="49" charset="0"/>
+                <a:cs typeface="Consolas" panose="020B0609020204030204" pitchFamily="49" charset="0"/>
+              </a:rPr>
+              <a:t>ProjectionPlane</a:t>
+            </a:r>
+            <a:r>
+              <a:rPr lang="de-AT" sz="1600" dirty="0" err="1" smtClean="0">
+                <a:solidFill>
+                  <a:srgbClr val="B4B4B4"/>
+                </a:solidFill>
+                <a:effectLst/>
+                <a:latin typeface="Consolas" panose="020B0609020204030204" pitchFamily="49" charset="0"/>
+                <a:cs typeface="Consolas" panose="020B0609020204030204" pitchFamily="49" charset="0"/>
+              </a:rPr>
+              <a:t>.</a:t>
+            </a:r>
+            <a:r>
+              <a:rPr lang="de-AT" sz="1600" dirty="0" err="1" smtClean="0">
+                <a:latin typeface="Consolas" panose="020B0609020204030204" pitchFamily="49" charset="0"/>
+                <a:cs typeface="Consolas" panose="020B0609020204030204" pitchFamily="49" charset="0"/>
+              </a:rPr>
+              <a:t>XY_PLANE</a:t>
+            </a:r>
+            <a:r>
+              <a:rPr lang="de-AT" sz="1600" dirty="0" smtClean="0">
+                <a:latin typeface="Consolas" panose="020B0609020204030204" pitchFamily="49" charset="0"/>
+                <a:cs typeface="Consolas" panose="020B0609020204030204" pitchFamily="49" charset="0"/>
+              </a:rPr>
+              <a:t>);</a:t>
+            </a:r>
+            <a:br>
+              <a:rPr lang="de-AT" sz="1600" dirty="0" smtClean="0">
+                <a:latin typeface="Consolas" panose="020B0609020204030204" pitchFamily="49" charset="0"/>
+                <a:cs typeface="Consolas" panose="020B0609020204030204" pitchFamily="49" charset="0"/>
+              </a:rPr>
+            </a:br>
+            <a:r>
+              <a:rPr lang="de-AT" sz="1600" dirty="0" err="1" smtClean="0">
+                <a:solidFill>
+                  <a:srgbClr val="569CD6"/>
+                </a:solidFill>
+                <a:effectLst/>
+                <a:latin typeface="Consolas" panose="020B0609020204030204" pitchFamily="49" charset="0"/>
+                <a:cs typeface="Consolas" panose="020B0609020204030204" pitchFamily="49" charset="0"/>
+              </a:rPr>
+              <a:t>if</a:t>
+            </a:r>
+            <a:r>
+              <a:rPr lang="de-AT" sz="1600" dirty="0" smtClean="0">
+                <a:latin typeface="Consolas" panose="020B0609020204030204" pitchFamily="49" charset="0"/>
+                <a:cs typeface="Consolas" panose="020B0609020204030204" pitchFamily="49" charset="0"/>
+              </a:rPr>
+              <a:t> (</a:t>
+            </a:r>
+            <a:r>
+              <a:rPr lang="de-AT" sz="1600" dirty="0" err="1" smtClean="0">
+                <a:latin typeface="Consolas" panose="020B0609020204030204" pitchFamily="49" charset="0"/>
+                <a:cs typeface="Consolas" panose="020B0609020204030204" pitchFamily="49" charset="0"/>
+              </a:rPr>
+              <a:t>gesturePoints</a:t>
+            </a:r>
+            <a:r>
+              <a:rPr lang="de-AT" sz="1600" dirty="0" err="1" smtClean="0">
+                <a:solidFill>
+                  <a:srgbClr val="B4B4B4"/>
+                </a:solidFill>
+                <a:effectLst/>
+                <a:latin typeface="Consolas" panose="020B0609020204030204" pitchFamily="49" charset="0"/>
+                <a:cs typeface="Consolas" panose="020B0609020204030204" pitchFamily="49" charset="0"/>
+              </a:rPr>
+              <a:t>.</a:t>
+            </a:r>
+            <a:r>
+              <a:rPr lang="de-AT" sz="1600" dirty="0" err="1" smtClean="0">
+                <a:latin typeface="Consolas" panose="020B0609020204030204" pitchFamily="49" charset="0"/>
+                <a:cs typeface="Consolas" panose="020B0609020204030204" pitchFamily="49" charset="0"/>
+              </a:rPr>
+              <a:t>Count</a:t>
+            </a:r>
+            <a:r>
+              <a:rPr lang="de-AT" sz="1600" dirty="0" smtClean="0">
+                <a:latin typeface="Consolas" panose="020B0609020204030204" pitchFamily="49" charset="0"/>
+                <a:cs typeface="Consolas" panose="020B0609020204030204" pitchFamily="49" charset="0"/>
+              </a:rPr>
+              <a:t> </a:t>
+            </a:r>
+            <a:r>
+              <a:rPr lang="de-AT" sz="1600" dirty="0" smtClean="0">
+                <a:solidFill>
+                  <a:srgbClr val="B4B4B4"/>
+                </a:solidFill>
+                <a:effectLst/>
+                <a:latin typeface="Consolas" panose="020B0609020204030204" pitchFamily="49" charset="0"/>
+                <a:cs typeface="Consolas" panose="020B0609020204030204" pitchFamily="49" charset="0"/>
+              </a:rPr>
+              <a:t>&gt;</a:t>
+            </a:r>
+            <a:r>
+              <a:rPr lang="de-AT" sz="1600" dirty="0" smtClean="0">
+                <a:latin typeface="Consolas" panose="020B0609020204030204" pitchFamily="49" charset="0"/>
+                <a:cs typeface="Consolas" panose="020B0609020204030204" pitchFamily="49" charset="0"/>
+              </a:rPr>
+              <a:t> </a:t>
+            </a:r>
+            <a:r>
+              <a:rPr lang="de-AT" sz="1600" dirty="0" smtClean="0">
+                <a:solidFill>
+                  <a:srgbClr val="B5CEA8"/>
+                </a:solidFill>
+                <a:effectLst/>
+                <a:latin typeface="Consolas" panose="020B0609020204030204" pitchFamily="49" charset="0"/>
+                <a:cs typeface="Consolas" panose="020B0609020204030204" pitchFamily="49" charset="0"/>
+              </a:rPr>
+              <a:t>0</a:t>
+            </a:r>
+            <a:r>
+              <a:rPr lang="de-AT" sz="1600" dirty="0" smtClean="0">
+                <a:latin typeface="Consolas" panose="020B0609020204030204" pitchFamily="49" charset="0"/>
+                <a:cs typeface="Consolas" panose="020B0609020204030204" pitchFamily="49" charset="0"/>
+              </a:rPr>
+              <a:t>) {   </a:t>
+            </a:r>
+            <a:br>
+              <a:rPr lang="de-AT" sz="1600" dirty="0" smtClean="0">
+                <a:latin typeface="Consolas" panose="020B0609020204030204" pitchFamily="49" charset="0"/>
+                <a:cs typeface="Consolas" panose="020B0609020204030204" pitchFamily="49" charset="0"/>
+              </a:rPr>
+            </a:br>
+            <a:r>
+              <a:rPr lang="de-AT" sz="1600" dirty="0" smtClean="0">
+                <a:latin typeface="Consolas" panose="020B0609020204030204" pitchFamily="49" charset="0"/>
+                <a:cs typeface="Consolas" panose="020B0609020204030204" pitchFamily="49" charset="0"/>
+              </a:rPr>
+              <a:t>  </a:t>
+            </a:r>
+            <a:r>
+              <a:rPr lang="de-AT" sz="1600" dirty="0" err="1" smtClean="0">
+                <a:solidFill>
+                  <a:srgbClr val="569CD6"/>
+                </a:solidFill>
+                <a:effectLst/>
+                <a:latin typeface="Consolas" panose="020B0609020204030204" pitchFamily="49" charset="0"/>
+                <a:cs typeface="Consolas" panose="020B0609020204030204" pitchFamily="49" charset="0"/>
+              </a:rPr>
+              <a:t>var</a:t>
+            </a:r>
+            <a:r>
+              <a:rPr lang="de-AT" sz="1600" dirty="0" smtClean="0">
+                <a:latin typeface="Consolas" panose="020B0609020204030204" pitchFamily="49" charset="0"/>
+                <a:cs typeface="Consolas" panose="020B0609020204030204" pitchFamily="49" charset="0"/>
+              </a:rPr>
+              <a:t> </a:t>
+            </a:r>
+            <a:r>
+              <a:rPr lang="de-AT" sz="1600" dirty="0" err="1" smtClean="0">
+                <a:latin typeface="Consolas" panose="020B0609020204030204" pitchFamily="49" charset="0"/>
+                <a:cs typeface="Consolas" panose="020B0609020204030204" pitchFamily="49" charset="0"/>
+              </a:rPr>
+              <a:t>result</a:t>
+            </a:r>
+            <a:r>
+              <a:rPr lang="de-AT" sz="1600" dirty="0" smtClean="0">
+                <a:latin typeface="Consolas" panose="020B0609020204030204" pitchFamily="49" charset="0"/>
+                <a:cs typeface="Consolas" panose="020B0609020204030204" pitchFamily="49" charset="0"/>
+              </a:rPr>
+              <a:t> </a:t>
+            </a:r>
+            <a:r>
+              <a:rPr lang="de-AT" sz="1600" dirty="0" smtClean="0">
+                <a:solidFill>
+                  <a:srgbClr val="B4B4B4"/>
+                </a:solidFill>
+                <a:effectLst/>
+                <a:latin typeface="Consolas" panose="020B0609020204030204" pitchFamily="49" charset="0"/>
+                <a:cs typeface="Consolas" panose="020B0609020204030204" pitchFamily="49" charset="0"/>
+              </a:rPr>
+              <a:t>=</a:t>
+            </a:r>
+            <a:r>
+              <a:rPr lang="de-AT" sz="1600" dirty="0" smtClean="0">
+                <a:latin typeface="Consolas" panose="020B0609020204030204" pitchFamily="49" charset="0"/>
+                <a:cs typeface="Consolas" panose="020B0609020204030204" pitchFamily="49" charset="0"/>
+              </a:rPr>
+              <a:t> </a:t>
+            </a:r>
+            <a:r>
+              <a:rPr lang="de-AT" sz="1600" dirty="0" err="1" smtClean="0">
+                <a:latin typeface="Consolas" panose="020B0609020204030204" pitchFamily="49" charset="0"/>
+                <a:cs typeface="Consolas" panose="020B0609020204030204" pitchFamily="49" charset="0"/>
+              </a:rPr>
+              <a:t>kinectDataMgr</a:t>
+            </a:r>
+            <a:r>
+              <a:rPr lang="de-AT" sz="1600" dirty="0" err="1" smtClean="0">
+                <a:solidFill>
+                  <a:srgbClr val="B4B4B4"/>
+                </a:solidFill>
+                <a:effectLst/>
+                <a:latin typeface="Consolas" panose="020B0609020204030204" pitchFamily="49" charset="0"/>
+                <a:cs typeface="Consolas" panose="020B0609020204030204" pitchFamily="49" charset="0"/>
+              </a:rPr>
+              <a:t>.</a:t>
+            </a:r>
+            <a:r>
+              <a:rPr lang="de-AT" sz="1600" dirty="0" err="1" smtClean="0">
+                <a:latin typeface="Consolas" panose="020B0609020204030204" pitchFamily="49" charset="0"/>
+                <a:cs typeface="Consolas" panose="020B0609020204030204" pitchFamily="49" charset="0"/>
+              </a:rPr>
+              <a:t>Recognizer</a:t>
+            </a:r>
+            <a:r>
+              <a:rPr lang="de-AT" sz="1600" dirty="0" err="1" smtClean="0">
+                <a:solidFill>
+                  <a:srgbClr val="B4B4B4"/>
+                </a:solidFill>
+                <a:effectLst/>
+                <a:latin typeface="Consolas" panose="020B0609020204030204" pitchFamily="49" charset="0"/>
+                <a:cs typeface="Consolas" panose="020B0609020204030204" pitchFamily="49" charset="0"/>
+              </a:rPr>
+              <a:t>.</a:t>
+            </a:r>
+            <a:r>
+              <a:rPr lang="de-AT" sz="1600" dirty="0" err="1" smtClean="0">
+                <a:latin typeface="Consolas" panose="020B0609020204030204" pitchFamily="49" charset="0"/>
+                <a:cs typeface="Consolas" panose="020B0609020204030204" pitchFamily="49" charset="0"/>
+              </a:rPr>
+              <a:t>Recognize</a:t>
+            </a:r>
+            <a:r>
+              <a:rPr lang="de-AT" sz="1600" dirty="0" smtClean="0">
+                <a:latin typeface="Consolas" panose="020B0609020204030204" pitchFamily="49" charset="0"/>
+                <a:cs typeface="Consolas" panose="020B0609020204030204" pitchFamily="49" charset="0"/>
+              </a:rPr>
+              <a:t>(</a:t>
+            </a:r>
+            <a:r>
+              <a:rPr lang="de-AT" sz="1600" dirty="0" err="1" smtClean="0">
+                <a:latin typeface="Consolas" panose="020B0609020204030204" pitchFamily="49" charset="0"/>
+                <a:cs typeface="Consolas" panose="020B0609020204030204" pitchFamily="49" charset="0"/>
+              </a:rPr>
+              <a:t>gesturePoints</a:t>
+            </a:r>
+            <a:r>
+              <a:rPr lang="de-AT" sz="1600" dirty="0" smtClean="0">
+                <a:latin typeface="Consolas" panose="020B0609020204030204" pitchFamily="49" charset="0"/>
+                <a:cs typeface="Consolas" panose="020B0609020204030204" pitchFamily="49" charset="0"/>
+              </a:rPr>
+              <a:t>);</a:t>
+            </a:r>
+            <a:br>
+              <a:rPr lang="de-AT" sz="1600" dirty="0" smtClean="0">
+                <a:latin typeface="Consolas" panose="020B0609020204030204" pitchFamily="49" charset="0"/>
+                <a:cs typeface="Consolas" panose="020B0609020204030204" pitchFamily="49" charset="0"/>
+              </a:rPr>
+            </a:br>
+            <a:r>
+              <a:rPr lang="de-AT" sz="1600" dirty="0" smtClean="0">
+                <a:latin typeface="Consolas" panose="020B0609020204030204" pitchFamily="49" charset="0"/>
+                <a:cs typeface="Consolas" panose="020B0609020204030204" pitchFamily="49" charset="0"/>
+              </a:rPr>
+              <a:t>  </a:t>
+            </a:r>
+            <a:r>
+              <a:rPr lang="de-AT" sz="1600" dirty="0" err="1" smtClean="0">
+                <a:latin typeface="Consolas" panose="020B0609020204030204" pitchFamily="49" charset="0"/>
+                <a:cs typeface="Consolas" panose="020B0609020204030204" pitchFamily="49" charset="0"/>
+              </a:rPr>
+              <a:t>kinectDataMgr_GestureRecognized</a:t>
+            </a:r>
+            <a:r>
+              <a:rPr lang="de-AT" sz="1600" dirty="0" smtClean="0">
+                <a:latin typeface="Consolas" panose="020B0609020204030204" pitchFamily="49" charset="0"/>
+                <a:cs typeface="Consolas" panose="020B0609020204030204" pitchFamily="49" charset="0"/>
+              </a:rPr>
+              <a:t>(</a:t>
+            </a:r>
+            <a:r>
+              <a:rPr lang="de-AT" sz="1600" dirty="0" err="1" smtClean="0">
+                <a:latin typeface="Consolas" panose="020B0609020204030204" pitchFamily="49" charset="0"/>
+                <a:cs typeface="Consolas" panose="020B0609020204030204" pitchFamily="49" charset="0"/>
+              </a:rPr>
+              <a:t>result</a:t>
+            </a:r>
+            <a:r>
+              <a:rPr lang="de-AT" sz="1600" dirty="0" smtClean="0">
+                <a:latin typeface="Consolas" panose="020B0609020204030204" pitchFamily="49" charset="0"/>
+                <a:cs typeface="Consolas" panose="020B0609020204030204" pitchFamily="49" charset="0"/>
+              </a:rPr>
+              <a:t>);</a:t>
+            </a:r>
+            <a:br>
+              <a:rPr lang="de-AT" sz="1600" dirty="0" smtClean="0">
+                <a:latin typeface="Consolas" panose="020B0609020204030204" pitchFamily="49" charset="0"/>
+                <a:cs typeface="Consolas" panose="020B0609020204030204" pitchFamily="49" charset="0"/>
+              </a:rPr>
+            </a:br>
+            <a:r>
+              <a:rPr lang="de-AT" sz="1600" dirty="0" smtClean="0">
+                <a:latin typeface="Consolas" panose="020B0609020204030204" pitchFamily="49" charset="0"/>
+                <a:cs typeface="Consolas" panose="020B0609020204030204" pitchFamily="49" charset="0"/>
+              </a:rPr>
+              <a:t>}</a:t>
+            </a:r>
+            <a:endParaRPr lang="de-AT" sz="1600" dirty="0">
+              <a:latin typeface="Consolas" panose="020B0609020204030204" pitchFamily="49" charset="0"/>
+              <a:cs typeface="Consolas" panose="020B0609020204030204" pitchFamily="49" charset="0"/>
+            </a:endParaRPr>
+          </a:p>
+        </p:txBody>
+      </p:sp>
+    </p:spTree>
+    <p:extLst>
+      <p:ext uri="{BB962C8B-B14F-4D97-AF65-F5344CB8AC3E}">
+        <p14:creationId xmlns:p14="http://schemas.microsoft.com/office/powerpoint/2010/main" val="2307411386"/>
+      </p:ext>
+    </p:extLst>
+  </p:cSld>
+  <p:clrMapOvr>
+    <a:masterClrMapping/>
+  </p:clrMapOvr>
+  <p:timing>
+    <p:tnLst>
+      <p:par>
+        <p:cTn id="1" dur="indefinite" restart="never" nodeType="tmRoot"/>
+      </p:par>
+    </p:tnLst>
+  </p:timing>
+</p:sld>
+</file>
+
+<file path=ppt/slides/slide8.xml><?xml version="1.0" encoding="utf-8"?>
+<p:sld xmlns:a="http://schemas.openxmlformats.org/drawingml/2006/main" xmlns:r="http://schemas.openxmlformats.org/officeDocument/2006/relationships" xmlns:p="http://schemas.openxmlformats.org/presentationml/2006/main">
+  <p:cSld>
+    <p:spTree>
+      <p:nvGrpSpPr>
+        <p:cNvPr id="1" name=""/>
+        <p:cNvGrpSpPr/>
+        <p:nvPr/>
+      </p:nvGrpSpPr>
+      <p:grpSpPr>
+        <a:xfrm>
+          <a:off x="0" y="0"/>
+          <a:ext cx="0" cy="0"/>
+          <a:chOff x="0" y="0"/>
+          <a:chExt cx="0" cy="0"/>
+        </a:xfrm>
+      </p:grpSpPr>
+      <p:sp>
+        <p:nvSpPr>
+          <p:cNvPr id="2" name="Titel 1"/>
+          <p:cNvSpPr>
+            <a:spLocks noGrp="1"/>
+          </p:cNvSpPr>
+          <p:nvPr>
+            <p:ph type="title"/>
+          </p:nvPr>
+        </p:nvSpPr>
+        <p:spPr/>
+        <p:txBody>
+          <a:bodyPr/>
+          <a:lstStyle/>
+          <a:p>
+            <a:r>
+              <a:rPr lang="de-DE" spc="0" dirty="0" smtClean="0">
+                <a:ln w="1905"/>
+                <a:solidFill>
+                  <a:schemeClr val="tx1">
+                    <a:lumMod val="95000"/>
+                  </a:schemeClr>
+                </a:solidFill>
+                <a:effectLst>
+                  <a:innerShdw blurRad="69850" dist="43180" dir="5400000">
+                    <a:srgbClr val="000000">
+                      <a:alpha val="65000"/>
+                    </a:srgbClr>
+                  </a:innerShdw>
+                </a:effectLst>
+              </a:rPr>
+              <a:t>Befehle</a:t>
+            </a:r>
+            <a:endParaRPr lang="de-AT" dirty="0">
+              <a:solidFill>
+                <a:schemeClr val="tx1">
+                  <a:lumMod val="95000"/>
+                </a:schemeClr>
+              </a:solidFill>
+            </a:endParaRPr>
+          </a:p>
+        </p:txBody>
+      </p:sp>
+      <p:graphicFrame>
+        <p:nvGraphicFramePr>
+          <p:cNvPr id="4" name="Inhaltsplatzhalter 3"/>
+          <p:cNvGraphicFramePr>
+            <a:graphicFrameLocks noGrp="1"/>
+          </p:cNvGraphicFramePr>
+          <p:nvPr>
+            <p:ph idx="1"/>
+            <p:extLst>
+              <p:ext uri="{D42A27DB-BD31-4B8C-83A1-F6EECF244321}">
+                <p14:modId xmlns:p14="http://schemas.microsoft.com/office/powerpoint/2010/main" val="873688026"/>
+              </p:ext>
+            </p:extLst>
+          </p:nvPr>
+        </p:nvGraphicFramePr>
+        <p:xfrm>
+          <a:off x="539552" y="1988840"/>
+          <a:ext cx="8064896" cy="1854200"/>
+        </p:xfrm>
+        <a:graphic>
+          <a:graphicData uri="http://schemas.openxmlformats.org/drawingml/2006/table">
+            <a:tbl>
+              <a:tblPr firstRow="1" bandRow="1">
+                <a:tableStyleId>{5C22544A-7EE6-4342-B048-85BDC9FD1C3A}</a:tableStyleId>
+              </a:tblPr>
+              <a:tblGrid>
+                <a:gridCol w="4032448"/>
+                <a:gridCol w="4032448"/>
+              </a:tblGrid>
+              <a:tr h="370840">
+                <a:tc>
+                  <a:txBody>
+                    <a:bodyPr/>
+                    <a:lstStyle/>
+                    <a:p>
+                      <a:pPr marL="0" algn="l" defTabSz="914400" rtl="0" eaLnBrk="1" fontAlgn="t" latinLnBrk="0" hangingPunct="1"/>
+                      <a:r>
+                        <a:rPr lang="en-US" sz="1600" b="0" kern="1200" dirty="0" smtClean="0">
+                          <a:solidFill>
+                            <a:schemeClr val="tx1">
+                              <a:lumMod val="95000"/>
+                            </a:schemeClr>
+                          </a:solidFill>
+                          <a:effectLst/>
+                          <a:latin typeface="+mn-lt"/>
+                          <a:ea typeface="+mn-ea"/>
+                          <a:cs typeface="+mn-cs"/>
+                        </a:rPr>
+                        <a:t>GESTURE_CIRCLE_CW   </a:t>
+                      </a:r>
+                      <a:endParaRPr lang="de-AT" sz="1600" b="0" kern="1200" dirty="0">
+                        <a:solidFill>
+                          <a:schemeClr val="tx1">
+                            <a:lumMod val="95000"/>
+                          </a:schemeClr>
+                        </a:solidFill>
+                        <a:effectLst/>
+                        <a:latin typeface="+mn-lt"/>
+                        <a:ea typeface="+mn-ea"/>
+                        <a:cs typeface="+mn-cs"/>
+                      </a:endParaRPr>
+                    </a:p>
+                  </a:txBody>
+                  <a:tcPr>
+                    <a:lnL w="28575" cap="flat" cmpd="sng" algn="ctr">
+                      <a:solidFill>
+                        <a:schemeClr val="accent2"/>
+                      </a:solidFill>
+                      <a:prstDash val="solid"/>
+                      <a:round/>
+                      <a:headEnd type="none" w="med" len="med"/>
+                      <a:tailEnd type="none" w="med" len="med"/>
+                    </a:lnL>
+                    <a:lnR w="12700" cmpd="sng">
+                      <a:noFill/>
+                    </a:lnR>
+                    <a:lnT w="28575" cap="flat" cmpd="sng" algn="ctr">
+                      <a:solidFill>
+                        <a:schemeClr val="accent2"/>
+                      </a:solidFill>
+                      <a:prstDash val="solid"/>
+                      <a:round/>
+                      <a:headEnd type="none" w="med" len="med"/>
+                      <a:tailEnd type="none" w="med" len="med"/>
+                    </a:lnT>
+                    <a:lnB w="12700" cmpd="sng">
+                      <a:noFill/>
+                    </a:lnB>
+                    <a:lnTlToBr w="12700" cmpd="sng">
+                      <a:noFill/>
+                      <a:prstDash val="solid"/>
+                    </a:lnTlToBr>
+                    <a:lnBlToTr w="12700" cmpd="sng">
+                      <a:noFill/>
+                      <a:prstDash val="solid"/>
+                    </a:lnBlToTr>
+                    <a:solidFill>
+                      <a:schemeClr val="bg1">
+                        <a:lumMod val="85000"/>
+                        <a:lumOff val="15000"/>
+                      </a:schemeClr>
+                    </a:solidFill>
+                  </a:tcPr>
+                </a:tc>
+                <a:tc>
+                  <a:txBody>
+                    <a:bodyPr/>
+                    <a:lstStyle/>
+                    <a:p>
+                      <a:pPr marL="0" algn="l" defTabSz="914400" rtl="0" eaLnBrk="1" fontAlgn="t" latinLnBrk="0" hangingPunct="1"/>
+                      <a:endParaRPr lang="de-AT" sz="1600" b="0" kern="1200" dirty="0">
+                        <a:solidFill>
+                          <a:schemeClr val="tx1">
+                            <a:lumMod val="95000"/>
+                          </a:schemeClr>
+                        </a:solidFill>
+                        <a:effectLst/>
+                        <a:latin typeface="+mn-lt"/>
+                        <a:ea typeface="+mn-ea"/>
+                        <a:cs typeface="+mn-cs"/>
+                      </a:endParaRPr>
+                    </a:p>
+                  </a:txBody>
+                  <a:tcPr>
+                    <a:lnL w="12700" cmpd="sng">
+                      <a:noFill/>
+                    </a:lnL>
+                    <a:lnR w="28575" cap="flat" cmpd="sng" algn="ctr">
+                      <a:solidFill>
+                        <a:schemeClr val="accent2"/>
+                      </a:solidFill>
+                      <a:prstDash val="solid"/>
+                      <a:round/>
+                      <a:headEnd type="none" w="med" len="med"/>
+                      <a:tailEnd type="none" w="med" len="med"/>
+                    </a:lnR>
+                    <a:lnT w="28575" cap="flat" cmpd="sng" algn="ctr">
+                      <a:solidFill>
+                        <a:schemeClr val="accent2"/>
+                      </a:solidFill>
+                      <a:prstDash val="solid"/>
+                      <a:round/>
+                      <a:headEnd type="none" w="med" len="med"/>
+                      <a:tailEnd type="none" w="med" len="med"/>
+                    </a:lnT>
+                    <a:lnB w="12700" cmpd="sng">
+                      <a:noFill/>
+                    </a:lnB>
+                    <a:lnTlToBr w="12700" cmpd="sng">
+                      <a:noFill/>
+                      <a:prstDash val="solid"/>
+                    </a:lnTlToBr>
+                    <a:lnBlToTr w="12700" cmpd="sng">
+                      <a:noFill/>
+                      <a:prstDash val="solid"/>
+                    </a:lnBlToTr>
+                    <a:solidFill>
+                      <a:schemeClr val="bg1">
+                        <a:lumMod val="85000"/>
+                        <a:lumOff val="15000"/>
+                      </a:schemeClr>
+                    </a:solidFill>
+                  </a:tcPr>
+                </a:tc>
+              </a:tr>
+              <a:tr h="370840">
+                <a:tc>
+                  <a:txBody>
+                    <a:bodyPr/>
+                    <a:lstStyle/>
+                    <a:p>
+                      <a:pPr marL="0" algn="l" defTabSz="914400" rtl="0" eaLnBrk="1" fontAlgn="t" latinLnBrk="0" hangingPunct="1"/>
+                      <a:r>
+                        <a:rPr lang="en-US" sz="1600" b="0" kern="1200" dirty="0" smtClean="0">
+                          <a:solidFill>
+                            <a:schemeClr val="tx1">
+                              <a:lumMod val="95000"/>
+                            </a:schemeClr>
+                          </a:solidFill>
+                          <a:effectLst/>
+                          <a:latin typeface="+mn-lt"/>
+                          <a:ea typeface="+mn-ea"/>
+                          <a:cs typeface="+mn-cs"/>
+                        </a:rPr>
+                        <a:t>GESTURE_DELETE</a:t>
+                      </a:r>
+                      <a:endParaRPr lang="de-AT" sz="1600" b="0" kern="1200" dirty="0">
+                        <a:solidFill>
+                          <a:schemeClr val="tx1">
+                            <a:lumMod val="95000"/>
+                          </a:schemeClr>
+                        </a:solidFill>
+                        <a:effectLst/>
+                        <a:latin typeface="+mn-lt"/>
+                        <a:ea typeface="+mn-ea"/>
+                        <a:cs typeface="+mn-cs"/>
+                      </a:endParaRPr>
+                    </a:p>
+                  </a:txBody>
+                  <a:tcPr>
+                    <a:lnL w="28575" cap="flat" cmpd="sng" algn="ctr">
+                      <a:solidFill>
+                        <a:schemeClr val="accent2"/>
+                      </a:solidFill>
+                      <a:prstDash val="solid"/>
+                      <a:round/>
+                      <a:headEnd type="none" w="med" len="med"/>
+                      <a:tailEnd type="none" w="med" len="med"/>
+                    </a:lnL>
+                    <a:lnR w="12700" cmpd="sng">
+                      <a:noFill/>
+                    </a:lnR>
+                    <a:lnT w="12700" cmpd="sng">
+                      <a:noFill/>
+                    </a:lnT>
+                    <a:lnB w="12700" cmpd="sng">
+                      <a:noFill/>
+                    </a:lnB>
+                    <a:lnTlToBr w="12700" cmpd="sng">
+                      <a:noFill/>
+                      <a:prstDash val="solid"/>
+                    </a:lnTlToBr>
+                    <a:lnBlToTr w="12700" cmpd="sng">
+                      <a:noFill/>
+                      <a:prstDash val="solid"/>
+                    </a:lnBlToTr>
+                    <a:solidFill>
+                      <a:schemeClr val="bg1">
+                        <a:lumMod val="75000"/>
+                        <a:lumOff val="25000"/>
+                      </a:schemeClr>
+                    </a:solidFill>
+                  </a:tcPr>
+                </a:tc>
+                <a:tc>
+                  <a:txBody>
+                    <a:bodyPr/>
+                    <a:lstStyle/>
+                    <a:p>
+                      <a:pPr marL="0" algn="l" defTabSz="914400" rtl="0" eaLnBrk="1" fontAlgn="t" latinLnBrk="0" hangingPunct="1"/>
+                      <a:endParaRPr lang="de-AT" sz="1600" b="0" kern="1200" dirty="0">
+                        <a:solidFill>
+                          <a:schemeClr val="tx1">
+                            <a:lumMod val="95000"/>
+                          </a:schemeClr>
+                        </a:solidFill>
+                        <a:effectLst/>
+                        <a:latin typeface="+mn-lt"/>
+                        <a:ea typeface="+mn-ea"/>
+                        <a:cs typeface="+mn-cs"/>
+                      </a:endParaRPr>
+                    </a:p>
+                  </a:txBody>
+                  <a:tcPr>
+                    <a:lnL w="12700" cmpd="sng">
+                      <a:noFill/>
+                    </a:lnL>
+                    <a:lnR w="28575" cap="flat" cmpd="sng" algn="ctr">
+                      <a:solidFill>
+                        <a:schemeClr val="accent2"/>
+                      </a:solidFill>
+                      <a:prstDash val="solid"/>
+                      <a:round/>
+                      <a:headEnd type="none" w="med" len="med"/>
+                      <a:tailEnd type="none" w="med" len="med"/>
+                    </a:lnR>
+                    <a:lnT w="12700" cmpd="sng">
+                      <a:noFill/>
+                    </a:lnT>
+                    <a:lnB w="12700" cmpd="sng">
+                      <a:noFill/>
+                    </a:lnB>
+                    <a:lnTlToBr w="12700" cmpd="sng">
+                      <a:noFill/>
+                      <a:prstDash val="solid"/>
+                    </a:lnTlToBr>
+                    <a:lnBlToTr w="12700" cmpd="sng">
+                      <a:noFill/>
+                      <a:prstDash val="solid"/>
+                    </a:lnBlToTr>
+                    <a:solidFill>
+                      <a:schemeClr val="bg1">
+                        <a:lumMod val="75000"/>
+                        <a:lumOff val="25000"/>
+                      </a:schemeClr>
+                    </a:solidFill>
+                  </a:tcPr>
+                </a:tc>
+              </a:tr>
+              <a:tr h="370840">
+                <a:tc>
+                  <a:txBody>
+                    <a:bodyPr/>
+                    <a:lstStyle/>
+                    <a:p>
+                      <a:pPr marL="0" algn="l" defTabSz="914400" rtl="0" eaLnBrk="1" fontAlgn="t" latinLnBrk="0" hangingPunct="1"/>
+                      <a:r>
+                        <a:rPr lang="en-US" sz="1600" b="0" kern="1200" dirty="0" smtClean="0">
+                          <a:solidFill>
+                            <a:schemeClr val="tx1">
+                              <a:lumMod val="95000"/>
+                            </a:schemeClr>
+                          </a:solidFill>
+                          <a:effectLst/>
+                          <a:latin typeface="+mn-lt"/>
+                          <a:ea typeface="+mn-ea"/>
+                          <a:cs typeface="+mn-cs"/>
+                        </a:rPr>
+                        <a:t>GESTURE_LINE</a:t>
+                      </a:r>
+                      <a:endParaRPr lang="de-AT" sz="1600" b="0" kern="1200" dirty="0">
+                        <a:solidFill>
+                          <a:schemeClr val="tx1">
+                            <a:lumMod val="95000"/>
+                          </a:schemeClr>
+                        </a:solidFill>
+                        <a:effectLst/>
+                        <a:latin typeface="+mn-lt"/>
+                        <a:ea typeface="+mn-ea"/>
+                        <a:cs typeface="+mn-cs"/>
+                      </a:endParaRPr>
+                    </a:p>
+                  </a:txBody>
+                  <a:tcPr>
+                    <a:lnL w="28575" cap="flat" cmpd="sng" algn="ctr">
+                      <a:solidFill>
+                        <a:schemeClr val="accent2"/>
+                      </a:solidFill>
+                      <a:prstDash val="solid"/>
+                      <a:round/>
+                      <a:headEnd type="none" w="med" len="med"/>
+                      <a:tailEnd type="none" w="med" len="med"/>
+                    </a:lnL>
+                    <a:lnR w="12700" cmpd="sng">
+                      <a:noFill/>
+                    </a:lnR>
+                    <a:lnT w="12700" cmpd="sng">
+                      <a:noFill/>
+                    </a:lnT>
+                    <a:lnB w="12700" cmpd="sng">
+                      <a:noFill/>
+                    </a:lnB>
+                    <a:lnTlToBr w="12700" cmpd="sng">
+                      <a:noFill/>
+                      <a:prstDash val="solid"/>
+                    </a:lnTlToBr>
+                    <a:lnBlToTr w="12700" cmpd="sng">
+                      <a:noFill/>
+                      <a:prstDash val="solid"/>
+                    </a:lnBlToTr>
+                    <a:solidFill>
+                      <a:schemeClr val="bg1">
+                        <a:lumMod val="85000"/>
+                        <a:lumOff val="15000"/>
+                      </a:schemeClr>
+                    </a:solidFill>
+                  </a:tcPr>
+                </a:tc>
+                <a:tc>
+                  <a:txBody>
+                    <a:bodyPr/>
+                    <a:lstStyle/>
+                    <a:p>
+                      <a:pPr marL="0" algn="l" defTabSz="914400" rtl="0" eaLnBrk="1" fontAlgn="t" latinLnBrk="0" hangingPunct="1"/>
+                      <a:endParaRPr lang="de-AT" sz="1600" b="0" kern="1200" dirty="0">
+                        <a:solidFill>
+                          <a:schemeClr val="tx1">
+                            <a:lumMod val="95000"/>
+                          </a:schemeClr>
+                        </a:solidFill>
+                        <a:effectLst/>
+                        <a:latin typeface="+mn-lt"/>
+                        <a:ea typeface="+mn-ea"/>
+                        <a:cs typeface="+mn-cs"/>
+                      </a:endParaRPr>
+                    </a:p>
+                  </a:txBody>
+                  <a:tcPr>
+                    <a:lnL w="12700" cmpd="sng">
+                      <a:noFill/>
+                    </a:lnL>
+                    <a:lnR w="28575" cap="flat" cmpd="sng" algn="ctr">
+                      <a:solidFill>
+                        <a:schemeClr val="accent2"/>
+                      </a:solidFill>
+                      <a:prstDash val="solid"/>
+                      <a:round/>
+                      <a:headEnd type="none" w="med" len="med"/>
+                      <a:tailEnd type="none" w="med" len="med"/>
+                    </a:lnR>
+                    <a:lnT w="12700" cmpd="sng">
+                      <a:noFill/>
+                    </a:lnT>
+                    <a:lnB w="12700" cmpd="sng">
+                      <a:noFill/>
+                    </a:lnB>
+                    <a:lnTlToBr w="12700" cmpd="sng">
+                      <a:noFill/>
+                      <a:prstDash val="solid"/>
+                    </a:lnTlToBr>
+                    <a:lnBlToTr w="12700" cmpd="sng">
+                      <a:noFill/>
+                      <a:prstDash val="solid"/>
+                    </a:lnBlToTr>
+                    <a:solidFill>
+                      <a:schemeClr val="bg1">
+                        <a:lumMod val="85000"/>
+                        <a:lumOff val="15000"/>
+                      </a:schemeClr>
+                    </a:solidFill>
+                  </a:tcPr>
+                </a:tc>
+              </a:tr>
+              <a:tr h="370840">
+                <a:tc>
+                  <a:txBody>
+                    <a:bodyPr/>
+                    <a:lstStyle/>
+                    <a:p>
+                      <a:pPr marL="0" algn="l" defTabSz="914400" rtl="0" eaLnBrk="1" fontAlgn="t" latinLnBrk="0" hangingPunct="1"/>
+                      <a:r>
+                        <a:rPr lang="en-US" sz="1600" b="0" kern="1200" dirty="0" smtClean="0">
+                          <a:solidFill>
+                            <a:schemeClr val="tx1">
+                              <a:lumMod val="95000"/>
+                            </a:schemeClr>
+                          </a:solidFill>
+                          <a:effectLst/>
+                          <a:latin typeface="+mn-lt"/>
+                          <a:ea typeface="+mn-ea"/>
+                          <a:cs typeface="+mn-cs"/>
+                        </a:rPr>
+                        <a:t>GESTURE_CARET</a:t>
+                      </a:r>
+                      <a:endParaRPr lang="de-AT" sz="1600" b="0" kern="1200" dirty="0">
+                        <a:solidFill>
+                          <a:schemeClr val="tx1">
+                            <a:lumMod val="95000"/>
+                          </a:schemeClr>
+                        </a:solidFill>
+                        <a:effectLst/>
+                        <a:latin typeface="+mn-lt"/>
+                        <a:ea typeface="+mn-ea"/>
+                        <a:cs typeface="+mn-cs"/>
+                      </a:endParaRPr>
+                    </a:p>
+                  </a:txBody>
+                  <a:tcPr>
+                    <a:lnL w="28575" cap="flat" cmpd="sng" algn="ctr">
+                      <a:solidFill>
+                        <a:schemeClr val="accent2"/>
+                      </a:solidFill>
+                      <a:prstDash val="solid"/>
+                      <a:round/>
+                      <a:headEnd type="none" w="med" len="med"/>
+                      <a:tailEnd type="none" w="med" len="med"/>
+                    </a:lnL>
+                    <a:lnR w="12700" cmpd="sng">
+                      <a:noFill/>
+                    </a:lnR>
+                    <a:lnT w="12700" cmpd="sng">
+                      <a:noFill/>
+                    </a:lnT>
+                    <a:lnB w="12700" cmpd="sng">
+                      <a:noFill/>
+                    </a:lnB>
+                    <a:lnTlToBr w="12700" cmpd="sng">
+                      <a:noFill/>
+                      <a:prstDash val="solid"/>
+                    </a:lnTlToBr>
+                    <a:lnBlToTr w="12700" cmpd="sng">
+                      <a:noFill/>
+                      <a:prstDash val="solid"/>
+                    </a:lnBlToTr>
+                    <a:solidFill>
+                      <a:schemeClr val="bg1">
+                        <a:lumMod val="75000"/>
+                        <a:lumOff val="25000"/>
+                      </a:schemeClr>
+                    </a:solidFill>
+                  </a:tcPr>
+                </a:tc>
+                <a:tc>
+                  <a:txBody>
+                    <a:bodyPr/>
+                    <a:lstStyle/>
+                    <a:p>
+                      <a:pPr marL="0" algn="l" defTabSz="914400" rtl="0" eaLnBrk="1" fontAlgn="t" latinLnBrk="0" hangingPunct="1"/>
+                      <a:endParaRPr lang="de-AT" sz="1600" b="0" kern="1200" dirty="0">
+                        <a:solidFill>
+                          <a:schemeClr val="tx1">
+                            <a:lumMod val="95000"/>
+                          </a:schemeClr>
+                        </a:solidFill>
+                        <a:effectLst/>
+                        <a:latin typeface="+mn-lt"/>
+                        <a:ea typeface="+mn-ea"/>
+                        <a:cs typeface="+mn-cs"/>
+                      </a:endParaRPr>
+                    </a:p>
+                  </a:txBody>
+                  <a:tcPr>
+                    <a:lnL w="12700" cmpd="sng">
+                      <a:noFill/>
+                    </a:lnL>
+                    <a:lnR w="28575" cap="flat" cmpd="sng" algn="ctr">
+                      <a:solidFill>
+                        <a:schemeClr val="accent2"/>
+                      </a:solidFill>
+                      <a:prstDash val="solid"/>
+                      <a:round/>
+                      <a:headEnd type="none" w="med" len="med"/>
+                      <a:tailEnd type="none" w="med" len="med"/>
+                    </a:lnR>
+                    <a:lnT w="12700" cmpd="sng">
+                      <a:noFill/>
+                    </a:lnT>
+                    <a:lnB w="12700" cmpd="sng">
+                      <a:noFill/>
+                    </a:lnB>
+                    <a:lnTlToBr w="12700" cmpd="sng">
+                      <a:noFill/>
+                      <a:prstDash val="solid"/>
+                    </a:lnTlToBr>
+                    <a:lnBlToTr w="12700" cmpd="sng">
+                      <a:noFill/>
+                      <a:prstDash val="solid"/>
+                    </a:lnBlToTr>
+                    <a:solidFill>
+                      <a:schemeClr val="bg1">
+                        <a:lumMod val="75000"/>
+                        <a:lumOff val="25000"/>
+                      </a:schemeClr>
+                    </a:solidFill>
+                  </a:tcPr>
+                </a:tc>
+              </a:tr>
+              <a:tr h="370840">
+                <a:tc>
+                  <a:txBody>
+                    <a:bodyPr/>
+                    <a:lstStyle/>
+                    <a:p>
+                      <a:pPr marL="0" algn="l" defTabSz="914400" rtl="0" eaLnBrk="1" fontAlgn="t" latinLnBrk="0" hangingPunct="1"/>
+                      <a:r>
+                        <a:rPr lang="en-US" sz="1600" b="0" kern="1200" dirty="0" smtClean="0">
+                          <a:solidFill>
+                            <a:schemeClr val="tx1">
+                              <a:lumMod val="95000"/>
+                            </a:schemeClr>
+                          </a:solidFill>
+                          <a:effectLst/>
+                          <a:latin typeface="+mn-lt"/>
+                          <a:ea typeface="+mn-ea"/>
+                          <a:cs typeface="+mn-cs"/>
+                        </a:rPr>
+                        <a:t>GESTURE_V</a:t>
+                      </a:r>
+                      <a:endParaRPr lang="de-AT" sz="1600" b="0" kern="1200" dirty="0">
+                        <a:solidFill>
+                          <a:schemeClr val="tx1">
+                            <a:lumMod val="95000"/>
+                          </a:schemeClr>
+                        </a:solidFill>
+                        <a:effectLst/>
+                        <a:latin typeface="+mn-lt"/>
+                        <a:ea typeface="+mn-ea"/>
+                        <a:cs typeface="+mn-cs"/>
+                      </a:endParaRPr>
+                    </a:p>
+                  </a:txBody>
+                  <a:tcPr>
+                    <a:lnL w="28575" cap="flat" cmpd="sng" algn="ctr">
+                      <a:solidFill>
+                        <a:schemeClr val="accent2"/>
+                      </a:solidFill>
+                      <a:prstDash val="solid"/>
+                      <a:round/>
+                      <a:headEnd type="none" w="med" len="med"/>
+                      <a:tailEnd type="none" w="med" len="med"/>
+                    </a:lnL>
+                    <a:lnR w="12700" cmpd="sng">
+                      <a:noFill/>
+                    </a:lnR>
+                    <a:lnT w="12700" cmpd="sng">
+                      <a:noFill/>
+                    </a:lnT>
+                    <a:lnB w="28575" cap="flat" cmpd="sng" algn="ctr">
+                      <a:solidFill>
+                        <a:schemeClr val="accent2"/>
+                      </a:solidFill>
+                      <a:prstDash val="solid"/>
+                      <a:round/>
+                      <a:headEnd type="none" w="med" len="med"/>
+                      <a:tailEnd type="none" w="med" len="med"/>
+                    </a:lnB>
+                    <a:lnTlToBr w="12700" cmpd="sng">
+                      <a:noFill/>
+                      <a:prstDash val="solid"/>
+                    </a:lnTlToBr>
+                    <a:lnBlToTr w="12700" cmpd="sng">
+                      <a:noFill/>
+                      <a:prstDash val="solid"/>
+                    </a:lnBlToTr>
+                    <a:solidFill>
+                      <a:schemeClr val="bg1">
+                        <a:lumMod val="85000"/>
+                        <a:lumOff val="15000"/>
+                      </a:schemeClr>
+                    </a:solidFill>
+                  </a:tcPr>
+                </a:tc>
+                <a:tc>
+                  <a:txBody>
+                    <a:bodyPr/>
+                    <a:lstStyle/>
+                    <a:p>
+                      <a:pPr marL="0" algn="l" defTabSz="914400" rtl="0" eaLnBrk="1" fontAlgn="t" latinLnBrk="0" hangingPunct="1"/>
+                      <a:endParaRPr lang="de-AT" sz="1600" b="0" kern="1200" dirty="0">
+                        <a:solidFill>
+                          <a:schemeClr val="tx1">
+                            <a:lumMod val="95000"/>
+                          </a:schemeClr>
+                        </a:solidFill>
+                        <a:effectLst/>
+                        <a:latin typeface="+mn-lt"/>
+                        <a:ea typeface="+mn-ea"/>
+                        <a:cs typeface="+mn-cs"/>
+                      </a:endParaRPr>
+                    </a:p>
+                  </a:txBody>
+                  <a:tcPr>
+                    <a:lnL w="12700" cmpd="sng">
+                      <a:noFill/>
+                    </a:lnL>
+                    <a:lnR w="28575" cap="flat" cmpd="sng" algn="ctr">
+                      <a:solidFill>
+                        <a:schemeClr val="accent2"/>
+                      </a:solidFill>
+                      <a:prstDash val="solid"/>
+                      <a:round/>
+                      <a:headEnd type="none" w="med" len="med"/>
+                      <a:tailEnd type="none" w="med" len="med"/>
+                    </a:lnR>
+                    <a:lnT w="12700" cmpd="sng">
+                      <a:noFill/>
+                    </a:lnT>
+                    <a:lnB w="28575" cap="flat" cmpd="sng" algn="ctr">
+                      <a:solidFill>
+                        <a:schemeClr val="accent2"/>
+                      </a:solidFill>
+                      <a:prstDash val="solid"/>
+                      <a:round/>
+                      <a:headEnd type="none" w="med" len="med"/>
+                      <a:tailEnd type="none" w="med" len="med"/>
+                    </a:lnB>
+                    <a:lnTlToBr w="12700" cmpd="sng">
+                      <a:noFill/>
+                      <a:prstDash val="solid"/>
+                    </a:lnTlToBr>
+                    <a:lnBlToTr w="12700" cmpd="sng">
+                      <a:noFill/>
+                      <a:prstDash val="solid"/>
+                    </a:lnBlToTr>
+                    <a:solidFill>
+                      <a:schemeClr val="bg1">
+                        <a:lumMod val="85000"/>
+                        <a:lumOff val="15000"/>
+                      </a:schemeClr>
+                    </a:solidFill>
+                  </a:tcPr>
+                </a:tc>
+              </a:tr>
+            </a:tbl>
+          </a:graphicData>
+        </a:graphic>
+      </p:graphicFrame>
+      <p:graphicFrame>
+        <p:nvGraphicFramePr>
+          <p:cNvPr id="5" name="Inhaltsplatzhalter 3"/>
+          <p:cNvGraphicFramePr>
+            <a:graphicFrameLocks/>
+          </p:cNvGraphicFramePr>
+          <p:nvPr>
+            <p:extLst>
+              <p:ext uri="{D42A27DB-BD31-4B8C-83A1-F6EECF244321}">
+                <p14:modId xmlns:p14="http://schemas.microsoft.com/office/powerpoint/2010/main" val="2958271523"/>
+              </p:ext>
+            </p:extLst>
+          </p:nvPr>
+        </p:nvGraphicFramePr>
+        <p:xfrm>
+          <a:off x="539552" y="4221088"/>
+          <a:ext cx="8064896" cy="1483360"/>
+        </p:xfrm>
+        <a:graphic>
+          <a:graphicData uri="http://schemas.openxmlformats.org/drawingml/2006/table">
+            <a:tbl>
+              <a:tblPr firstRow="1" bandRow="1">
+                <a:tableStyleId>{5C22544A-7EE6-4342-B048-85BDC9FD1C3A}</a:tableStyleId>
+              </a:tblPr>
+              <a:tblGrid>
+                <a:gridCol w="4032448"/>
+                <a:gridCol w="4032448"/>
+              </a:tblGrid>
+              <a:tr h="370840">
+                <a:tc>
+                  <a:txBody>
+                    <a:bodyPr/>
+                    <a:lstStyle/>
+                    <a:p>
+                      <a:pPr marL="0" algn="l" defTabSz="914400" rtl="0" eaLnBrk="1" fontAlgn="t" latinLnBrk="0" hangingPunct="1"/>
+                      <a:r>
+                        <a:rPr lang="en-US" sz="1600" b="0" kern="1200" dirty="0" smtClean="0">
+                          <a:solidFill>
+                            <a:schemeClr val="tx1">
+                              <a:lumMod val="95000"/>
+                            </a:schemeClr>
+                          </a:solidFill>
+                          <a:effectLst/>
+                          <a:latin typeface="+mn-lt"/>
+                          <a:ea typeface="+mn-ea"/>
+                          <a:cs typeface="+mn-cs"/>
+                        </a:rPr>
+                        <a:t>“Lamp x color red / green /blue ”  </a:t>
+                      </a:r>
+                      <a:endParaRPr lang="de-AT" sz="1600" b="0" kern="1200" dirty="0">
+                        <a:solidFill>
+                          <a:schemeClr val="tx1">
+                            <a:lumMod val="95000"/>
+                          </a:schemeClr>
+                        </a:solidFill>
+                        <a:effectLst/>
+                        <a:latin typeface="+mn-lt"/>
+                        <a:ea typeface="+mn-ea"/>
+                        <a:cs typeface="+mn-cs"/>
+                      </a:endParaRPr>
+                    </a:p>
+                  </a:txBody>
+                  <a:tcPr>
+                    <a:lnL w="28575" cap="flat" cmpd="sng" algn="ctr">
+                      <a:solidFill>
+                        <a:schemeClr val="accent2"/>
+                      </a:solidFill>
+                      <a:prstDash val="solid"/>
+                      <a:round/>
+                      <a:headEnd type="none" w="med" len="med"/>
+                      <a:tailEnd type="none" w="med" len="med"/>
+                    </a:lnL>
+                    <a:lnR w="12700" cmpd="sng">
+                      <a:noFill/>
+                    </a:lnR>
+                    <a:lnT w="28575" cap="flat" cmpd="sng" algn="ctr">
+                      <a:solidFill>
+                        <a:schemeClr val="accent2"/>
+                      </a:solidFill>
+                      <a:prstDash val="solid"/>
+                      <a:round/>
+                      <a:headEnd type="none" w="med" len="med"/>
+                      <a:tailEnd type="none" w="med" len="med"/>
+                    </a:lnT>
+                    <a:lnB w="12700" cmpd="sng">
+                      <a:noFill/>
+                    </a:lnB>
+                    <a:lnTlToBr w="12700" cmpd="sng">
+                      <a:noFill/>
+                      <a:prstDash val="solid"/>
+                    </a:lnTlToBr>
+                    <a:lnBlToTr w="12700" cmpd="sng">
+                      <a:noFill/>
+                      <a:prstDash val="solid"/>
+                    </a:lnBlToTr>
+                    <a:solidFill>
+                      <a:schemeClr val="bg1">
+                        <a:lumMod val="85000"/>
+                        <a:lumOff val="15000"/>
+                      </a:schemeClr>
+                    </a:solidFill>
+                  </a:tcPr>
+                </a:tc>
+                <a:tc>
+                  <a:txBody>
+                    <a:bodyPr/>
+                    <a:lstStyle/>
+                    <a:p>
+                      <a:pPr marL="0" algn="l" defTabSz="914400" rtl="0" eaLnBrk="1" fontAlgn="t" latinLnBrk="0" hangingPunct="1"/>
+                      <a:endParaRPr lang="de-AT" sz="1600" b="0" kern="1200" dirty="0">
+                        <a:solidFill>
+                          <a:schemeClr val="tx1">
+                            <a:lumMod val="95000"/>
+                          </a:schemeClr>
+                        </a:solidFill>
+                        <a:effectLst/>
+                        <a:latin typeface="+mn-lt"/>
+                        <a:ea typeface="+mn-ea"/>
+                        <a:cs typeface="+mn-cs"/>
+                      </a:endParaRPr>
+                    </a:p>
+                  </a:txBody>
+                  <a:tcPr>
+                    <a:lnL w="12700" cmpd="sng">
+                      <a:noFill/>
+                    </a:lnL>
+                    <a:lnR w="28575" cap="flat" cmpd="sng" algn="ctr">
+                      <a:solidFill>
+                        <a:schemeClr val="accent2"/>
+                      </a:solidFill>
+                      <a:prstDash val="solid"/>
+                      <a:round/>
+                      <a:headEnd type="none" w="med" len="med"/>
+                      <a:tailEnd type="none" w="med" len="med"/>
+                    </a:lnR>
+                    <a:lnT w="28575" cap="flat" cmpd="sng" algn="ctr">
+                      <a:solidFill>
+                        <a:schemeClr val="accent2"/>
+                      </a:solidFill>
+                      <a:prstDash val="solid"/>
+                      <a:round/>
+                      <a:headEnd type="none" w="med" len="med"/>
+                      <a:tailEnd type="none" w="med" len="med"/>
+                    </a:lnT>
+                    <a:lnB w="12700" cmpd="sng">
+                      <a:noFill/>
+                    </a:lnB>
+                    <a:lnTlToBr w="12700" cmpd="sng">
+                      <a:noFill/>
+                      <a:prstDash val="solid"/>
+                    </a:lnTlToBr>
+                    <a:lnBlToTr w="12700" cmpd="sng">
+                      <a:noFill/>
+                      <a:prstDash val="solid"/>
+                    </a:lnBlToTr>
+                    <a:solidFill>
+                      <a:schemeClr val="bg1">
+                        <a:lumMod val="85000"/>
+                        <a:lumOff val="15000"/>
+                      </a:schemeClr>
+                    </a:solidFill>
+                  </a:tcPr>
+                </a:tc>
+              </a:tr>
+              <a:tr h="370840">
+                <a:tc>
+                  <a:txBody>
+                    <a:bodyPr/>
+                    <a:lstStyle/>
+                    <a:p>
+                      <a:pPr marL="0" marR="0" indent="0" algn="l" defTabSz="914400" rtl="0" eaLnBrk="1" fontAlgn="t" latinLnBrk="0" hangingPunct="1">
+                        <a:lnSpc>
+                          <a:spcPct val="100000"/>
+                        </a:lnSpc>
+                        <a:spcBef>
+                          <a:spcPts val="0"/>
+                        </a:spcBef>
+                        <a:spcAft>
+                          <a:spcPts val="0"/>
+                        </a:spcAft>
+                        <a:buClrTx/>
+                        <a:buSzTx/>
+                        <a:buFontTx/>
+                        <a:buNone/>
+                        <a:tabLst/>
+                        <a:defRPr/>
+                      </a:pPr>
+                      <a:r>
+                        <a:rPr lang="en-US" sz="1600" b="0" kern="1200" dirty="0" smtClean="0">
+                          <a:solidFill>
+                            <a:schemeClr val="tx1">
+                              <a:lumMod val="95000"/>
+                            </a:schemeClr>
+                          </a:solidFill>
+                          <a:effectLst/>
+                          <a:latin typeface="+mn-lt"/>
+                          <a:ea typeface="+mn-ea"/>
+                          <a:cs typeface="+mn-cs"/>
+                        </a:rPr>
+                        <a:t>“Lamp x on / off”  </a:t>
+                      </a:r>
+                      <a:endParaRPr lang="de-AT" sz="1600" b="0" kern="1200" dirty="0" smtClean="0">
+                        <a:solidFill>
+                          <a:schemeClr val="tx1">
+                            <a:lumMod val="95000"/>
+                          </a:schemeClr>
+                        </a:solidFill>
+                        <a:effectLst/>
+                        <a:latin typeface="+mn-lt"/>
+                        <a:ea typeface="+mn-ea"/>
+                        <a:cs typeface="+mn-cs"/>
+                      </a:endParaRPr>
+                    </a:p>
+                  </a:txBody>
+                  <a:tcPr>
+                    <a:lnL w="28575" cap="flat" cmpd="sng" algn="ctr">
+                      <a:solidFill>
+                        <a:schemeClr val="accent2"/>
+                      </a:solidFill>
+                      <a:prstDash val="solid"/>
+                      <a:round/>
+                      <a:headEnd type="none" w="med" len="med"/>
+                      <a:tailEnd type="none" w="med" len="med"/>
+                    </a:lnL>
+                    <a:lnR w="12700" cmpd="sng">
+                      <a:noFill/>
+                    </a:lnR>
+                    <a:lnT w="12700" cmpd="sng">
+                      <a:noFill/>
+                    </a:lnT>
+                    <a:lnB w="12700" cmpd="sng">
+                      <a:noFill/>
+                    </a:lnB>
+                    <a:lnTlToBr w="12700" cmpd="sng">
+                      <a:noFill/>
+                      <a:prstDash val="solid"/>
+                    </a:lnTlToBr>
+                    <a:lnBlToTr w="12700" cmpd="sng">
+                      <a:noFill/>
+                      <a:prstDash val="solid"/>
+                    </a:lnBlToTr>
+                    <a:solidFill>
+                      <a:schemeClr val="bg1">
+                        <a:lumMod val="75000"/>
+                        <a:lumOff val="25000"/>
+                      </a:schemeClr>
+                    </a:solidFill>
+                  </a:tcPr>
+                </a:tc>
+                <a:tc>
+                  <a:txBody>
+                    <a:bodyPr/>
+                    <a:lstStyle/>
+                    <a:p>
+                      <a:pPr marL="0" algn="l" defTabSz="914400" rtl="0" eaLnBrk="1" fontAlgn="t" latinLnBrk="0" hangingPunct="1"/>
+                      <a:endParaRPr lang="de-AT" sz="1600" b="0" kern="1200" dirty="0">
+                        <a:solidFill>
+                          <a:schemeClr val="tx1">
+                            <a:lumMod val="95000"/>
+                          </a:schemeClr>
+                        </a:solidFill>
+                        <a:effectLst/>
+                        <a:latin typeface="+mn-lt"/>
+                        <a:ea typeface="+mn-ea"/>
+                        <a:cs typeface="+mn-cs"/>
+                      </a:endParaRPr>
+                    </a:p>
+                  </a:txBody>
+                  <a:tcPr>
+                    <a:lnL w="12700" cmpd="sng">
+                      <a:noFill/>
+                    </a:lnL>
+                    <a:lnR w="28575" cap="flat" cmpd="sng" algn="ctr">
+                      <a:solidFill>
+                        <a:schemeClr val="accent2"/>
+                      </a:solidFill>
+                      <a:prstDash val="solid"/>
+                      <a:round/>
+                      <a:headEnd type="none" w="med" len="med"/>
+                      <a:tailEnd type="none" w="med" len="med"/>
+                    </a:lnR>
+                    <a:lnT w="12700" cmpd="sng">
+                      <a:noFill/>
+                    </a:lnT>
+                    <a:lnB w="12700" cmpd="sng">
+                      <a:noFill/>
+                    </a:lnB>
+                    <a:lnTlToBr w="12700" cmpd="sng">
+                      <a:noFill/>
+                      <a:prstDash val="solid"/>
+                    </a:lnTlToBr>
+                    <a:lnBlToTr w="12700" cmpd="sng">
+                      <a:noFill/>
+                      <a:prstDash val="solid"/>
+                    </a:lnBlToTr>
+                    <a:solidFill>
+                      <a:schemeClr val="bg1">
+                        <a:lumMod val="75000"/>
+                        <a:lumOff val="25000"/>
+                      </a:schemeClr>
+                    </a:solidFill>
+                  </a:tcPr>
+                </a:tc>
+              </a:tr>
+              <a:tr h="370840">
+                <a:tc>
+                  <a:txBody>
+                    <a:bodyPr/>
+                    <a:lstStyle/>
+                    <a:p>
+                      <a:pPr marL="0" marR="0" indent="0" algn="l" defTabSz="914400" rtl="0" eaLnBrk="1" fontAlgn="t" latinLnBrk="0" hangingPunct="1">
+                        <a:lnSpc>
+                          <a:spcPct val="100000"/>
+                        </a:lnSpc>
+                        <a:spcBef>
+                          <a:spcPts val="0"/>
+                        </a:spcBef>
+                        <a:spcAft>
+                          <a:spcPts val="0"/>
+                        </a:spcAft>
+                        <a:buClrTx/>
+                        <a:buSzTx/>
+                        <a:buFontTx/>
+                        <a:buNone/>
+                        <a:tabLst/>
+                        <a:defRPr/>
+                      </a:pPr>
+                      <a:r>
+                        <a:rPr lang="en-US" sz="1600" b="0" kern="1200" dirty="0" smtClean="0">
+                          <a:solidFill>
+                            <a:schemeClr val="tx1">
+                              <a:lumMod val="95000"/>
+                            </a:schemeClr>
+                          </a:solidFill>
+                          <a:effectLst/>
+                          <a:latin typeface="+mn-lt"/>
+                          <a:ea typeface="+mn-ea"/>
+                          <a:cs typeface="+mn-cs"/>
+                        </a:rPr>
+                        <a:t>“color red / green /blue ”  </a:t>
+                      </a:r>
+                      <a:endParaRPr lang="de-AT" sz="1600" b="0" kern="1200" dirty="0" smtClean="0">
+                        <a:solidFill>
+                          <a:schemeClr val="tx1">
+                            <a:lumMod val="95000"/>
+                          </a:schemeClr>
+                        </a:solidFill>
+                        <a:effectLst/>
+                        <a:latin typeface="+mn-lt"/>
+                        <a:ea typeface="+mn-ea"/>
+                        <a:cs typeface="+mn-cs"/>
+                      </a:endParaRPr>
+                    </a:p>
+                  </a:txBody>
+                  <a:tcPr>
+                    <a:lnL w="28575" cap="flat" cmpd="sng" algn="ctr">
+                      <a:solidFill>
+                        <a:schemeClr val="accent2"/>
+                      </a:solidFill>
+                      <a:prstDash val="solid"/>
+                      <a:round/>
+                      <a:headEnd type="none" w="med" len="med"/>
+                      <a:tailEnd type="none" w="med" len="med"/>
+                    </a:lnL>
+                    <a:lnR w="12700" cmpd="sng">
+                      <a:noFill/>
+                    </a:lnR>
+                    <a:lnT w="12700" cmpd="sng">
+                      <a:noFill/>
+                    </a:lnT>
+                    <a:lnB w="12700" cmpd="sng">
+                      <a:noFill/>
+                    </a:lnB>
+                    <a:lnTlToBr w="12700" cmpd="sng">
+                      <a:noFill/>
+                      <a:prstDash val="solid"/>
+                    </a:lnTlToBr>
+                    <a:lnBlToTr w="12700" cmpd="sng">
+                      <a:noFill/>
+                      <a:prstDash val="solid"/>
+                    </a:lnBlToTr>
+                    <a:solidFill>
+                      <a:schemeClr val="bg1">
+                        <a:lumMod val="85000"/>
+                        <a:lumOff val="15000"/>
+                      </a:schemeClr>
+                    </a:solidFill>
+                  </a:tcPr>
+                </a:tc>
+                <a:tc>
+                  <a:txBody>
+                    <a:bodyPr/>
+                    <a:lstStyle/>
+                    <a:p>
+                      <a:pPr marL="0" algn="l" defTabSz="914400" rtl="0" eaLnBrk="1" fontAlgn="t" latinLnBrk="0" hangingPunct="1"/>
+                      <a:endParaRPr lang="de-AT" sz="1600" b="0" kern="1200" dirty="0">
+                        <a:solidFill>
+                          <a:schemeClr val="tx1">
+                            <a:lumMod val="95000"/>
+                          </a:schemeClr>
+                        </a:solidFill>
+                        <a:effectLst/>
+                        <a:latin typeface="+mn-lt"/>
+                        <a:ea typeface="+mn-ea"/>
+                        <a:cs typeface="+mn-cs"/>
+                      </a:endParaRPr>
+                    </a:p>
+                  </a:txBody>
+                  <a:tcPr>
+                    <a:lnL w="12700" cmpd="sng">
+                      <a:noFill/>
+                    </a:lnL>
+                    <a:lnR w="28575" cap="flat" cmpd="sng" algn="ctr">
+                      <a:solidFill>
+                        <a:schemeClr val="accent2"/>
+                      </a:solidFill>
+                      <a:prstDash val="solid"/>
+                      <a:round/>
+                      <a:headEnd type="none" w="med" len="med"/>
+                      <a:tailEnd type="none" w="med" len="med"/>
+                    </a:lnR>
+                    <a:lnT w="12700" cmpd="sng">
+                      <a:noFill/>
+                    </a:lnT>
+                    <a:lnB w="12700" cmpd="sng">
+                      <a:noFill/>
+                    </a:lnB>
+                    <a:lnTlToBr w="12700" cmpd="sng">
+                      <a:noFill/>
+                      <a:prstDash val="solid"/>
+                    </a:lnTlToBr>
+                    <a:lnBlToTr w="12700" cmpd="sng">
+                      <a:noFill/>
+                      <a:prstDash val="solid"/>
+                    </a:lnBlToTr>
+                    <a:solidFill>
+                      <a:schemeClr val="bg1">
+                        <a:lumMod val="85000"/>
+                        <a:lumOff val="15000"/>
+                      </a:schemeClr>
+                    </a:solidFill>
+                  </a:tcPr>
+                </a:tc>
+              </a:tr>
+              <a:tr h="370840">
+                <a:tc>
+                  <a:txBody>
+                    <a:bodyPr/>
+                    <a:lstStyle/>
+                    <a:p>
+                      <a:pPr marL="0" marR="0" indent="0" algn="l" defTabSz="914400" rtl="0" eaLnBrk="1" fontAlgn="t" latinLnBrk="0" hangingPunct="1">
+                        <a:lnSpc>
+                          <a:spcPct val="100000"/>
+                        </a:lnSpc>
+                        <a:spcBef>
+                          <a:spcPts val="0"/>
+                        </a:spcBef>
+                        <a:spcAft>
+                          <a:spcPts val="0"/>
+                        </a:spcAft>
+                        <a:buClrTx/>
+                        <a:buSzTx/>
+                        <a:buFontTx/>
+                        <a:buNone/>
+                        <a:tabLst/>
+                        <a:defRPr/>
+                      </a:pPr>
+                      <a:r>
+                        <a:rPr lang="en-US" sz="1600" b="0" kern="1200" dirty="0" smtClean="0">
+                          <a:solidFill>
+                            <a:schemeClr val="tx1">
+                              <a:lumMod val="95000"/>
+                            </a:schemeClr>
+                          </a:solidFill>
+                          <a:effectLst/>
+                          <a:latin typeface="+mn-lt"/>
+                          <a:ea typeface="+mn-ea"/>
+                          <a:cs typeface="+mn-cs"/>
+                        </a:rPr>
+                        <a:t>“on</a:t>
+                      </a:r>
+                      <a:r>
+                        <a:rPr lang="en-US" sz="1600" b="0" kern="1200" baseline="0" dirty="0" smtClean="0">
+                          <a:solidFill>
+                            <a:schemeClr val="tx1">
+                              <a:lumMod val="95000"/>
+                            </a:schemeClr>
+                          </a:solidFill>
+                          <a:effectLst/>
+                          <a:latin typeface="+mn-lt"/>
+                          <a:ea typeface="+mn-ea"/>
+                          <a:cs typeface="+mn-cs"/>
+                        </a:rPr>
+                        <a:t> / off</a:t>
+                      </a:r>
+                      <a:r>
+                        <a:rPr lang="en-US" sz="1600" b="0" kern="1200" dirty="0" smtClean="0">
+                          <a:solidFill>
+                            <a:schemeClr val="tx1">
+                              <a:lumMod val="95000"/>
+                            </a:schemeClr>
+                          </a:solidFill>
+                          <a:effectLst/>
+                          <a:latin typeface="+mn-lt"/>
+                          <a:ea typeface="+mn-ea"/>
+                          <a:cs typeface="+mn-cs"/>
+                        </a:rPr>
+                        <a:t>”  </a:t>
+                      </a:r>
+                      <a:endParaRPr lang="de-AT" sz="1600" b="0" kern="1200" dirty="0" smtClean="0">
+                        <a:solidFill>
+                          <a:schemeClr val="tx1">
+                            <a:lumMod val="95000"/>
+                          </a:schemeClr>
+                        </a:solidFill>
+                        <a:effectLst/>
+                        <a:latin typeface="+mn-lt"/>
+                        <a:ea typeface="+mn-ea"/>
+                        <a:cs typeface="+mn-cs"/>
+                      </a:endParaRPr>
+                    </a:p>
+                  </a:txBody>
+                  <a:tcPr>
+                    <a:lnL w="28575" cap="flat" cmpd="sng" algn="ctr">
+                      <a:solidFill>
+                        <a:schemeClr val="accent2"/>
+                      </a:solidFill>
+                      <a:prstDash val="solid"/>
+                      <a:round/>
+                      <a:headEnd type="none" w="med" len="med"/>
+                      <a:tailEnd type="none" w="med" len="med"/>
+                    </a:lnL>
+                    <a:lnR w="12700" cmpd="sng">
+                      <a:noFill/>
+                    </a:lnR>
+                    <a:lnT w="12700" cmpd="sng">
+                      <a:noFill/>
+                    </a:lnT>
+                    <a:lnB w="28575" cap="flat" cmpd="sng" algn="ctr">
+                      <a:solidFill>
+                        <a:schemeClr val="accent2"/>
+                      </a:solidFill>
+                      <a:prstDash val="solid"/>
+                      <a:round/>
+                      <a:headEnd type="none" w="med" len="med"/>
+                      <a:tailEnd type="none" w="med" len="med"/>
+                    </a:lnB>
+                    <a:lnTlToBr w="12700" cmpd="sng">
+                      <a:noFill/>
+                      <a:prstDash val="solid"/>
+                    </a:lnTlToBr>
+                    <a:lnBlToTr w="12700" cmpd="sng">
+                      <a:noFill/>
+                      <a:prstDash val="solid"/>
+                    </a:lnBlToTr>
+                    <a:solidFill>
+                      <a:schemeClr val="bg1">
+                        <a:lumMod val="75000"/>
+                        <a:lumOff val="25000"/>
+                      </a:schemeClr>
+                    </a:solidFill>
+                  </a:tcPr>
+                </a:tc>
+                <a:tc>
+                  <a:txBody>
+                    <a:bodyPr/>
+                    <a:lstStyle/>
+                    <a:p>
+                      <a:pPr marL="0" algn="l" defTabSz="914400" rtl="0" eaLnBrk="1" fontAlgn="t" latinLnBrk="0" hangingPunct="1"/>
+                      <a:endParaRPr lang="de-AT" sz="1600" b="0" kern="1200" dirty="0">
+                        <a:solidFill>
+                          <a:schemeClr val="tx1">
+                            <a:lumMod val="95000"/>
+                          </a:schemeClr>
+                        </a:solidFill>
+                        <a:effectLst/>
+                        <a:latin typeface="+mn-lt"/>
+                        <a:ea typeface="+mn-ea"/>
+                        <a:cs typeface="+mn-cs"/>
+                      </a:endParaRPr>
+                    </a:p>
+                  </a:txBody>
+                  <a:tcPr>
+                    <a:lnL w="12700" cmpd="sng">
+                      <a:noFill/>
+                    </a:lnL>
+                    <a:lnR w="28575" cap="flat" cmpd="sng" algn="ctr">
+                      <a:solidFill>
+                        <a:schemeClr val="accent2"/>
+                      </a:solidFill>
+                      <a:prstDash val="solid"/>
+                      <a:round/>
+                      <a:headEnd type="none" w="med" len="med"/>
+                      <a:tailEnd type="none" w="med" len="med"/>
+                    </a:lnR>
+                    <a:lnT w="12700" cmpd="sng">
+                      <a:noFill/>
+                    </a:lnT>
+                    <a:lnB w="28575" cap="flat" cmpd="sng" algn="ctr">
+                      <a:solidFill>
+                        <a:schemeClr val="accent2"/>
+                      </a:solidFill>
+                      <a:prstDash val="solid"/>
+                      <a:round/>
+                      <a:headEnd type="none" w="med" len="med"/>
+                      <a:tailEnd type="none" w="med" len="med"/>
+                    </a:lnB>
+                    <a:lnTlToBr w="12700" cmpd="sng">
+                      <a:noFill/>
+                      <a:prstDash val="solid"/>
+                    </a:lnTlToBr>
+                    <a:lnBlToTr w="12700" cmpd="sng">
+                      <a:noFill/>
+                      <a:prstDash val="solid"/>
+                    </a:lnBlToTr>
+                    <a:solidFill>
+                      <a:schemeClr val="bg1">
+                        <a:lumMod val="75000"/>
+                        <a:lumOff val="25000"/>
+                      </a:schemeClr>
+                    </a:solidFill>
+                  </a:tcPr>
+                </a:tc>
+              </a:tr>
+            </a:tbl>
+          </a:graphicData>
+        </a:graphic>
+      </p:graphicFrame>
+    </p:spTree>
+    <p:extLst>
+      <p:ext uri="{BB962C8B-B14F-4D97-AF65-F5344CB8AC3E}">
+        <p14:creationId xmlns:p14="http://schemas.microsoft.com/office/powerpoint/2010/main" val="2994587766"/>
+      </p:ext>
+    </p:extLst>
+  </p:cSld>
+  <p:clrMapOvr>
+    <a:masterClrMapping/>
+  </p:clrMapOvr>
+  <p:timing>
+    <p:tnLst>
+      <p:par>
+        <p:cTn id="1" dur="indefinite" restart="never" nodeType="tmRoot"/>
+      </p:par>
+    </p:tnLst>
+  </p:timing>
+</p:sld>
+</file>
+
+<file path=ppt/slides/slide9.xml><?xml version="1.0" encoding="utf-8"?>
 <p:sld xmlns:a="http://schemas.openxmlformats.org/drawingml/2006/main" xmlns:r="http://schemas.openxmlformats.org/officeDocument/2006/relationships" xmlns:p="http://schemas.openxmlformats.org/presentationml/2006/main">
   <p:cSld>
     <p:spTree>

--- a/doc/Gesture Control for Philips Hue.pptx
+++ b/doc/Gesture Control for Philips Hue.pptx
@@ -8,11 +8,11 @@
     <p:sldId id="256" r:id="rId2"/>
     <p:sldId id="257" r:id="rId3"/>
     <p:sldId id="258" r:id="rId4"/>
-    <p:sldId id="260" r:id="rId5"/>
-    <p:sldId id="261" r:id="rId6"/>
-    <p:sldId id="262" r:id="rId7"/>
-    <p:sldId id="263" r:id="rId8"/>
-    <p:sldId id="264" r:id="rId9"/>
+    <p:sldId id="264" r:id="rId5"/>
+    <p:sldId id="260" r:id="rId6"/>
+    <p:sldId id="261" r:id="rId7"/>
+    <p:sldId id="262" r:id="rId8"/>
+    <p:sldId id="263" r:id="rId9"/>
     <p:sldId id="259" r:id="rId10"/>
   </p:sldIdLst>
   <p:sldSz cx="9144000" cy="6858000" type="screen4x3"/>
@@ -9623,6 +9623,9 @@
   <p:clrMapOvr>
     <a:masterClrMapping/>
   </p:clrMapOvr>
+  <p:transition spd="slow">
+    <p:push dir="u"/>
+  </p:transition>
   <p:timing>
     <p:tnLst>
       <p:par>
@@ -9756,7 +9759,7 @@
             </a:r>
             <a:r>
               <a:rPr lang="de-AT" dirty="0"/>
-              <a:t>werden mehrere Lampen im Raum (z.B. auf einen Tisch) </a:t>
+              <a:t>werden mehrere Lampen im Raum </a:t>
             </a:r>
             <a:r>
               <a:rPr lang="de-AT" dirty="0" smtClean="0"/>
@@ -9771,15 +9774,18 @@
             </a:pPr>
             <a:r>
               <a:rPr lang="de-AT" dirty="0" smtClean="0"/>
-              <a:t>Über Gesten und Sprachkommandos können Farbe und Helligkeit </a:t>
-            </a:r>
-            <a:r>
-              <a:rPr lang="de-AT" dirty="0"/>
-              <a:t>einer oder </a:t>
-            </a:r>
-            <a:r>
-              <a:rPr lang="de-AT" dirty="0" smtClean="0"/>
-              <a:t>mehrerer Lampen eingestellt werden.</a:t>
+              <a:t>Gestenerkennung erfolgt über Kinect</a:t>
+            </a:r>
+          </a:p>
+          <a:p>
+            <a:pPr>
+              <a:lnSpc>
+                <a:spcPct val="150000"/>
+              </a:lnSpc>
+            </a:pPr>
+            <a:r>
+              <a:rPr lang="de-DE" dirty="0" smtClean="0"/>
+              <a:t>Spracherkennung über Mikrofon</a:t>
             </a:r>
             <a:endParaRPr lang="de-AT" dirty="0"/>
           </a:p>
@@ -9798,6 +9804,9 @@
   <p:clrMapOvr>
     <a:masterClrMapping/>
   </p:clrMapOvr>
+  <p:transition spd="slow">
+    <p:push dir="u"/>
+  </p:transition>
   <p:timing>
     <p:tnLst>
       <p:par>
@@ -10130,6 +10139,9 @@
   <p:clrMapOvr>
     <a:masterClrMapping/>
   </p:clrMapOvr>
+  <p:transition spd="slow">
+    <p:push dir="u"/>
+  </p:transition>
   <p:timing>
     <p:tnLst>
       <p:par>
@@ -10688,6 +10700,1702 @@
       </p:grpSpPr>
       <p:sp>
         <p:nvSpPr>
+          <p:cNvPr id="6" name="Inhaltsplatzhalter 2"/>
+          <p:cNvSpPr txBox="1">
+            <a:spLocks/>
+          </p:cNvSpPr>
+          <p:nvPr/>
+        </p:nvSpPr>
+        <p:spPr>
+          <a:xfrm>
+            <a:off x="457200" y="1495325"/>
+            <a:ext cx="6923112" cy="4525963"/>
+          </a:xfrm>
+          <a:prstGeom prst="rect">
+            <a:avLst/>
+          </a:prstGeom>
+        </p:spPr>
+        <p:txBody>
+          <a:bodyPr vert="horz" lIns="91440" tIns="45720" rIns="91440" bIns="45720" rtlCol="0">
+            <a:normAutofit/>
+          </a:bodyPr>
+          <a:lstStyle>
+            <a:lvl1pPr marL="274320" indent="-274320" algn="l" defTabSz="914400" rtl="0" eaLnBrk="1" latinLnBrk="0" hangingPunct="1">
+              <a:spcBef>
+                <a:spcPct val="20000"/>
+              </a:spcBef>
+              <a:buClr>
+                <a:schemeClr val="accent1">
+                  <a:lumMod val="60000"/>
+                  <a:lumOff val="40000"/>
+                </a:schemeClr>
+              </a:buClr>
+              <a:buFont typeface="Arial" pitchFamily="34" charset="0"/>
+              <a:buChar char="•"/>
+              <a:defRPr sz="2400" kern="1200">
+                <a:solidFill>
+                  <a:schemeClr val="tx2"/>
+                </a:solidFill>
+                <a:latin typeface="+mn-lt"/>
+                <a:ea typeface="+mn-ea"/>
+                <a:cs typeface="+mn-cs"/>
+              </a:defRPr>
+            </a:lvl1pPr>
+            <a:lvl2pPr marL="548640" indent="-182880" algn="l" defTabSz="914400" rtl="0" eaLnBrk="1" latinLnBrk="0" hangingPunct="1">
+              <a:spcBef>
+                <a:spcPct val="20000"/>
+              </a:spcBef>
+              <a:buClr>
+                <a:schemeClr val="accent1">
+                  <a:lumMod val="60000"/>
+                  <a:lumOff val="40000"/>
+                </a:schemeClr>
+              </a:buClr>
+              <a:buFont typeface="Arial" pitchFamily="34" charset="0"/>
+              <a:buChar char="•"/>
+              <a:defRPr sz="2000" kern="1200">
+                <a:solidFill>
+                  <a:schemeClr val="tx1"/>
+                </a:solidFill>
+                <a:latin typeface="+mn-lt"/>
+                <a:ea typeface="+mn-ea"/>
+                <a:cs typeface="+mn-cs"/>
+              </a:defRPr>
+            </a:lvl2pPr>
+            <a:lvl3pPr marL="914400" indent="-228600" algn="l" defTabSz="914400" rtl="0" eaLnBrk="1" latinLnBrk="0" hangingPunct="1">
+              <a:spcBef>
+                <a:spcPct val="20000"/>
+              </a:spcBef>
+              <a:buClr>
+                <a:schemeClr val="accent2"/>
+              </a:buClr>
+              <a:buFont typeface="Arial" pitchFamily="34" charset="0"/>
+              <a:buChar char="•"/>
+              <a:defRPr sz="2000" kern="1200">
+                <a:solidFill>
+                  <a:schemeClr val="tx2"/>
+                </a:solidFill>
+                <a:latin typeface="+mn-lt"/>
+                <a:ea typeface="+mn-ea"/>
+                <a:cs typeface="+mn-cs"/>
+              </a:defRPr>
+            </a:lvl3pPr>
+            <a:lvl4pPr marL="1188720" indent="-228600" algn="l" defTabSz="914400" rtl="0" eaLnBrk="1" latinLnBrk="0" hangingPunct="1">
+              <a:spcBef>
+                <a:spcPct val="20000"/>
+              </a:spcBef>
+              <a:buClr>
+                <a:schemeClr val="accent3"/>
+              </a:buClr>
+              <a:buFont typeface="Arial" pitchFamily="34" charset="0"/>
+              <a:buChar char="•"/>
+              <a:defRPr sz="1800" kern="1200">
+                <a:solidFill>
+                  <a:schemeClr val="tx1"/>
+                </a:solidFill>
+                <a:latin typeface="+mn-lt"/>
+                <a:ea typeface="+mn-ea"/>
+                <a:cs typeface="+mn-cs"/>
+              </a:defRPr>
+            </a:lvl4pPr>
+            <a:lvl5pPr marL="1463040" indent="-228600" algn="l" defTabSz="914400" rtl="0" eaLnBrk="1" latinLnBrk="0" hangingPunct="1">
+              <a:spcBef>
+                <a:spcPct val="20000"/>
+              </a:spcBef>
+              <a:buClr>
+                <a:schemeClr val="accent4"/>
+              </a:buClr>
+              <a:buFont typeface="Arial" pitchFamily="34" charset="0"/>
+              <a:buChar char="•"/>
+              <a:defRPr sz="1600" kern="1200" baseline="0">
+                <a:solidFill>
+                  <a:schemeClr val="tx2"/>
+                </a:solidFill>
+                <a:latin typeface="+mn-lt"/>
+                <a:ea typeface="+mn-ea"/>
+                <a:cs typeface="+mn-cs"/>
+              </a:defRPr>
+            </a:lvl5pPr>
+            <a:lvl6pPr marL="1691640" indent="-182880" algn="l" defTabSz="914400" rtl="0" eaLnBrk="1" latinLnBrk="0" hangingPunct="1">
+              <a:spcBef>
+                <a:spcPct val="20000"/>
+              </a:spcBef>
+              <a:buClr>
+                <a:schemeClr val="accent5"/>
+              </a:buClr>
+              <a:buFont typeface="Arial" pitchFamily="34" charset="0"/>
+              <a:buChar char="•"/>
+              <a:defRPr sz="1600" kern="1200">
+                <a:solidFill>
+                  <a:schemeClr val="tx1"/>
+                </a:solidFill>
+                <a:latin typeface="+mn-lt"/>
+                <a:ea typeface="+mn-ea"/>
+                <a:cs typeface="+mn-cs"/>
+              </a:defRPr>
+            </a:lvl6pPr>
+            <a:lvl7pPr marL="1920240" indent="-182880" algn="l" defTabSz="914400" rtl="0" eaLnBrk="1" latinLnBrk="0" hangingPunct="1">
+              <a:spcBef>
+                <a:spcPct val="20000"/>
+              </a:spcBef>
+              <a:buClr>
+                <a:schemeClr val="accent6"/>
+              </a:buClr>
+              <a:buFont typeface="Arial" pitchFamily="34" charset="0"/>
+              <a:buChar char="•"/>
+              <a:defRPr sz="1600" kern="1200">
+                <a:solidFill>
+                  <a:schemeClr val="tx1"/>
+                </a:solidFill>
+                <a:latin typeface="+mn-lt"/>
+                <a:ea typeface="+mn-ea"/>
+                <a:cs typeface="+mn-cs"/>
+              </a:defRPr>
+            </a:lvl7pPr>
+            <a:lvl8pPr marL="2148840" indent="-182880" algn="l" defTabSz="914400" rtl="0" eaLnBrk="1" latinLnBrk="0" hangingPunct="1">
+              <a:spcBef>
+                <a:spcPct val="20000"/>
+              </a:spcBef>
+              <a:buClr>
+                <a:schemeClr val="accent3"/>
+              </a:buClr>
+              <a:buFont typeface="Arial" pitchFamily="34" charset="0"/>
+              <a:buChar char="•"/>
+              <a:defRPr sz="1600" kern="1200">
+                <a:solidFill>
+                  <a:schemeClr val="tx1"/>
+                </a:solidFill>
+                <a:latin typeface="+mn-lt"/>
+                <a:ea typeface="+mn-ea"/>
+                <a:cs typeface="+mn-cs"/>
+              </a:defRPr>
+            </a:lvl8pPr>
+            <a:lvl9pPr marL="2377440" indent="-182880" algn="l" defTabSz="914400" rtl="0" eaLnBrk="1" latinLnBrk="0" hangingPunct="1">
+              <a:spcBef>
+                <a:spcPct val="20000"/>
+              </a:spcBef>
+              <a:buClr>
+                <a:schemeClr val="accent6"/>
+              </a:buClr>
+              <a:buFont typeface="Arial" pitchFamily="34" charset="0"/>
+              <a:buChar char="•"/>
+              <a:defRPr sz="1600" kern="1200">
+                <a:solidFill>
+                  <a:schemeClr val="tx1"/>
+                </a:solidFill>
+                <a:latin typeface="+mn-lt"/>
+                <a:ea typeface="+mn-ea"/>
+                <a:cs typeface="+mn-cs"/>
+              </a:defRPr>
+            </a:lvl9pPr>
+          </a:lstStyle>
+          <a:p>
+            <a:r>
+              <a:rPr lang="de-DE" dirty="0" smtClean="0"/>
+              <a:t>Verfügbare Gesten:</a:t>
+            </a:r>
+            <a:br>
+              <a:rPr lang="de-DE" dirty="0" smtClean="0"/>
+            </a:br>
+            <a:r>
+              <a:rPr lang="de-DE" dirty="0" smtClean="0"/>
+              <a:t/>
+            </a:r>
+            <a:br>
+              <a:rPr lang="de-DE" dirty="0" smtClean="0"/>
+            </a:br>
+            <a:r>
+              <a:rPr lang="de-DE" dirty="0" smtClean="0"/>
+              <a:t/>
+            </a:r>
+            <a:br>
+              <a:rPr lang="de-DE" dirty="0" smtClean="0"/>
+            </a:br>
+            <a:endParaRPr lang="de-DE" dirty="0" smtClean="0"/>
+          </a:p>
+          <a:p>
+            <a:pPr marL="0" indent="0">
+              <a:buFont typeface="Arial" pitchFamily="34" charset="0"/>
+              <a:buNone/>
+            </a:pPr>
+            <a:r>
+              <a:rPr lang="de-DE" dirty="0" smtClean="0"/>
+              <a:t/>
+            </a:r>
+            <a:br>
+              <a:rPr lang="de-DE" dirty="0" smtClean="0"/>
+            </a:br>
+            <a:endParaRPr lang="de-DE" dirty="0" smtClean="0"/>
+          </a:p>
+          <a:p>
+            <a:r>
+              <a:rPr lang="de-DE" dirty="0" smtClean="0"/>
+              <a:t>Verfügbare </a:t>
+            </a:r>
+            <a:r>
+              <a:rPr lang="de-DE" dirty="0" err="1" smtClean="0"/>
+              <a:t>Sprachkommndos</a:t>
+            </a:r>
+            <a:r>
+              <a:rPr lang="de-DE" dirty="0" smtClean="0"/>
+              <a:t>:</a:t>
+            </a:r>
+          </a:p>
+          <a:p>
+            <a:endParaRPr lang="de-AT" dirty="0"/>
+          </a:p>
+        </p:txBody>
+      </p:sp>
+      <p:sp>
+        <p:nvSpPr>
+          <p:cNvPr id="2" name="Titel 1"/>
+          <p:cNvSpPr>
+            <a:spLocks noGrp="1"/>
+          </p:cNvSpPr>
+          <p:nvPr>
+            <p:ph type="title"/>
+          </p:nvPr>
+        </p:nvSpPr>
+        <p:spPr/>
+        <p:txBody>
+          <a:bodyPr/>
+          <a:lstStyle/>
+          <a:p>
+            <a:r>
+              <a:rPr lang="de-DE" spc="0" dirty="0" smtClean="0">
+                <a:ln w="1905"/>
+                <a:solidFill>
+                  <a:schemeClr val="tx1">
+                    <a:lumMod val="95000"/>
+                  </a:schemeClr>
+                </a:solidFill>
+                <a:effectLst>
+                  <a:innerShdw blurRad="69850" dist="43180" dir="5400000">
+                    <a:srgbClr val="000000">
+                      <a:alpha val="65000"/>
+                    </a:srgbClr>
+                  </a:innerShdw>
+                </a:effectLst>
+              </a:rPr>
+              <a:t>Befehle</a:t>
+            </a:r>
+            <a:endParaRPr lang="de-AT" dirty="0">
+              <a:solidFill>
+                <a:schemeClr val="tx1">
+                  <a:lumMod val="95000"/>
+                </a:schemeClr>
+              </a:solidFill>
+            </a:endParaRPr>
+          </a:p>
+        </p:txBody>
+      </p:sp>
+      <p:graphicFrame>
+        <p:nvGraphicFramePr>
+          <p:cNvPr id="4" name="Inhaltsplatzhalter 3"/>
+          <p:cNvGraphicFramePr>
+            <a:graphicFrameLocks noGrp="1"/>
+          </p:cNvGraphicFramePr>
+          <p:nvPr>
+            <p:ph idx="1"/>
+            <p:extLst>
+              <p:ext uri="{D42A27DB-BD31-4B8C-83A1-F6EECF244321}">
+                <p14:modId xmlns:p14="http://schemas.microsoft.com/office/powerpoint/2010/main" val="311505501"/>
+              </p:ext>
+            </p:extLst>
+          </p:nvPr>
+        </p:nvGraphicFramePr>
+        <p:xfrm>
+          <a:off x="827584" y="2161664"/>
+          <a:ext cx="7488832" cy="1483360"/>
+        </p:xfrm>
+        <a:graphic>
+          <a:graphicData uri="http://schemas.openxmlformats.org/drawingml/2006/table">
+            <a:tbl>
+              <a:tblPr firstRow="1" bandRow="1">
+                <a:tableStyleId>{5C22544A-7EE6-4342-B048-85BDC9FD1C3A}</a:tableStyleId>
+              </a:tblPr>
+              <a:tblGrid>
+                <a:gridCol w="3744416"/>
+                <a:gridCol w="3744416"/>
+              </a:tblGrid>
+              <a:tr h="370840">
+                <a:tc>
+                  <a:txBody>
+                    <a:bodyPr/>
+                    <a:lstStyle/>
+                    <a:p>
+                      <a:pPr marL="0" algn="l" defTabSz="914400" rtl="0" eaLnBrk="1" fontAlgn="t" latinLnBrk="0" hangingPunct="1"/>
+                      <a:r>
+                        <a:rPr lang="en-US" sz="1600" b="0" kern="1200" dirty="0" smtClean="0">
+                          <a:solidFill>
+                            <a:schemeClr val="tx1">
+                              <a:lumMod val="95000"/>
+                            </a:schemeClr>
+                          </a:solidFill>
+                          <a:effectLst/>
+                          <a:latin typeface="+mn-lt"/>
+                          <a:ea typeface="+mn-ea"/>
+                          <a:cs typeface="+mn-cs"/>
+                        </a:rPr>
+                        <a:t>Delete</a:t>
+                      </a:r>
+                      <a:endParaRPr lang="de-AT" sz="1600" b="0" kern="1200" dirty="0">
+                        <a:solidFill>
+                          <a:schemeClr val="tx1">
+                            <a:lumMod val="95000"/>
+                          </a:schemeClr>
+                        </a:solidFill>
+                        <a:effectLst/>
+                        <a:latin typeface="+mn-lt"/>
+                        <a:ea typeface="+mn-ea"/>
+                        <a:cs typeface="+mn-cs"/>
+                      </a:endParaRPr>
+                    </a:p>
+                  </a:txBody>
+                  <a:tcPr>
+                    <a:lnL w="28575" cap="flat" cmpd="sng" algn="ctr">
+                      <a:solidFill>
+                        <a:schemeClr val="accent2"/>
+                      </a:solidFill>
+                      <a:prstDash val="solid"/>
+                      <a:round/>
+                      <a:headEnd type="none" w="med" len="med"/>
+                      <a:tailEnd type="none" w="med" len="med"/>
+                    </a:lnL>
+                    <a:lnR w="12700" cmpd="sng">
+                      <a:noFill/>
+                    </a:lnR>
+                    <a:lnT w="28575" cap="flat" cmpd="sng" algn="ctr">
+                      <a:solidFill>
+                        <a:schemeClr val="accent2"/>
+                      </a:solidFill>
+                      <a:prstDash val="solid"/>
+                      <a:round/>
+                      <a:headEnd type="none" w="med" len="med"/>
+                      <a:tailEnd type="none" w="med" len="med"/>
+                    </a:lnT>
+                    <a:lnB w="12700" cmpd="sng">
+                      <a:noFill/>
+                    </a:lnB>
+                    <a:lnTlToBr w="12700" cmpd="sng">
+                      <a:noFill/>
+                      <a:prstDash val="solid"/>
+                    </a:lnTlToBr>
+                    <a:lnBlToTr w="12700" cmpd="sng">
+                      <a:noFill/>
+                      <a:prstDash val="solid"/>
+                    </a:lnBlToTr>
+                    <a:solidFill>
+                      <a:schemeClr val="bg1">
+                        <a:lumMod val="75000"/>
+                        <a:lumOff val="25000"/>
+                      </a:schemeClr>
+                    </a:solidFill>
+                  </a:tcPr>
+                </a:tc>
+                <a:tc>
+                  <a:txBody>
+                    <a:bodyPr/>
+                    <a:lstStyle/>
+                    <a:p>
+                      <a:pPr marL="0" marR="0" indent="0" algn="l" defTabSz="914400" rtl="0" eaLnBrk="1" fontAlgn="t" latinLnBrk="0" hangingPunct="1">
+                        <a:lnSpc>
+                          <a:spcPct val="100000"/>
+                        </a:lnSpc>
+                        <a:spcBef>
+                          <a:spcPts val="0"/>
+                        </a:spcBef>
+                        <a:spcAft>
+                          <a:spcPts val="0"/>
+                        </a:spcAft>
+                        <a:buClrTx/>
+                        <a:buSzTx/>
+                        <a:buFontTx/>
+                        <a:buNone/>
+                        <a:tabLst/>
+                        <a:defRPr/>
+                      </a:pPr>
+                      <a:r>
+                        <a:rPr lang="de-DE" sz="1600" b="0" kern="1200" dirty="0" smtClean="0">
+                          <a:solidFill>
+                            <a:schemeClr val="tx1">
+                              <a:lumMod val="95000"/>
+                            </a:schemeClr>
+                          </a:solidFill>
+                          <a:effectLst/>
+                          <a:latin typeface="+mn-lt"/>
+                          <a:ea typeface="+mn-ea"/>
+                          <a:cs typeface="+mn-cs"/>
+                        </a:rPr>
+                        <a:t>Effekt ein/ausschalten</a:t>
+                      </a:r>
+                      <a:endParaRPr lang="de-AT" sz="1600" b="0" kern="1200" dirty="0" smtClean="0">
+                        <a:solidFill>
+                          <a:schemeClr val="tx1">
+                            <a:lumMod val="95000"/>
+                          </a:schemeClr>
+                        </a:solidFill>
+                        <a:effectLst/>
+                        <a:latin typeface="+mn-lt"/>
+                        <a:ea typeface="+mn-ea"/>
+                        <a:cs typeface="+mn-cs"/>
+                      </a:endParaRPr>
+                    </a:p>
+                  </a:txBody>
+                  <a:tcPr>
+                    <a:lnL w="12700" cmpd="sng">
+                      <a:noFill/>
+                    </a:lnL>
+                    <a:lnR w="28575" cap="flat" cmpd="sng" algn="ctr">
+                      <a:solidFill>
+                        <a:schemeClr val="accent2"/>
+                      </a:solidFill>
+                      <a:prstDash val="solid"/>
+                      <a:round/>
+                      <a:headEnd type="none" w="med" len="med"/>
+                      <a:tailEnd type="none" w="med" len="med"/>
+                    </a:lnR>
+                    <a:lnT w="28575" cap="flat" cmpd="sng" algn="ctr">
+                      <a:solidFill>
+                        <a:schemeClr val="accent2"/>
+                      </a:solidFill>
+                      <a:prstDash val="solid"/>
+                      <a:round/>
+                      <a:headEnd type="none" w="med" len="med"/>
+                      <a:tailEnd type="none" w="med" len="med"/>
+                    </a:lnT>
+                    <a:lnB w="12700" cmpd="sng">
+                      <a:noFill/>
+                    </a:lnB>
+                    <a:lnTlToBr w="12700" cmpd="sng">
+                      <a:noFill/>
+                      <a:prstDash val="solid"/>
+                    </a:lnTlToBr>
+                    <a:lnBlToTr w="12700" cmpd="sng">
+                      <a:noFill/>
+                      <a:prstDash val="solid"/>
+                    </a:lnBlToTr>
+                    <a:solidFill>
+                      <a:schemeClr val="bg1">
+                        <a:lumMod val="75000"/>
+                        <a:lumOff val="25000"/>
+                      </a:schemeClr>
+                    </a:solidFill>
+                  </a:tcPr>
+                </a:tc>
+              </a:tr>
+              <a:tr h="370840">
+                <a:tc>
+                  <a:txBody>
+                    <a:bodyPr/>
+                    <a:lstStyle/>
+                    <a:p>
+                      <a:pPr marL="0" algn="l" defTabSz="914400" rtl="0" eaLnBrk="1" fontAlgn="t" latinLnBrk="0" hangingPunct="1"/>
+                      <a:r>
+                        <a:rPr lang="en-US" sz="1600" b="0" kern="1200" dirty="0" smtClean="0">
+                          <a:solidFill>
+                            <a:schemeClr val="tx1">
+                              <a:lumMod val="95000"/>
+                            </a:schemeClr>
+                          </a:solidFill>
+                          <a:effectLst/>
+                          <a:latin typeface="+mn-lt"/>
+                          <a:ea typeface="+mn-ea"/>
+                          <a:cs typeface="+mn-cs"/>
+                        </a:rPr>
+                        <a:t>Line</a:t>
+                      </a:r>
+                      <a:endParaRPr lang="de-AT" sz="1600" b="0" kern="1200" dirty="0">
+                        <a:solidFill>
+                          <a:schemeClr val="tx1">
+                            <a:lumMod val="95000"/>
+                          </a:schemeClr>
+                        </a:solidFill>
+                        <a:effectLst/>
+                        <a:latin typeface="+mn-lt"/>
+                        <a:ea typeface="+mn-ea"/>
+                        <a:cs typeface="+mn-cs"/>
+                      </a:endParaRPr>
+                    </a:p>
+                  </a:txBody>
+                  <a:tcPr>
+                    <a:lnL w="28575" cap="flat" cmpd="sng" algn="ctr">
+                      <a:solidFill>
+                        <a:schemeClr val="accent2"/>
+                      </a:solidFill>
+                      <a:prstDash val="solid"/>
+                      <a:round/>
+                      <a:headEnd type="none" w="med" len="med"/>
+                      <a:tailEnd type="none" w="med" len="med"/>
+                    </a:lnL>
+                    <a:lnR w="12700" cmpd="sng">
+                      <a:noFill/>
+                    </a:lnR>
+                    <a:lnT w="12700" cmpd="sng">
+                      <a:noFill/>
+                    </a:lnT>
+                    <a:lnB w="12700" cmpd="sng">
+                      <a:noFill/>
+                    </a:lnB>
+                    <a:lnTlToBr w="12700" cmpd="sng">
+                      <a:noFill/>
+                      <a:prstDash val="solid"/>
+                    </a:lnTlToBr>
+                    <a:lnBlToTr w="12700" cmpd="sng">
+                      <a:noFill/>
+                      <a:prstDash val="solid"/>
+                    </a:lnBlToTr>
+                    <a:solidFill>
+                      <a:schemeClr val="bg1">
+                        <a:lumMod val="85000"/>
+                        <a:lumOff val="15000"/>
+                      </a:schemeClr>
+                    </a:solidFill>
+                  </a:tcPr>
+                </a:tc>
+                <a:tc>
+                  <a:txBody>
+                    <a:bodyPr/>
+                    <a:lstStyle/>
+                    <a:p>
+                      <a:pPr marL="0" algn="l" defTabSz="914400" rtl="0" eaLnBrk="1" fontAlgn="t" latinLnBrk="0" hangingPunct="1"/>
+                      <a:r>
+                        <a:rPr lang="de-DE" sz="1600" b="0" kern="1200" dirty="0" smtClean="0">
+                          <a:solidFill>
+                            <a:schemeClr val="tx1">
+                              <a:lumMod val="95000"/>
+                            </a:schemeClr>
+                          </a:solidFill>
+                          <a:effectLst/>
+                          <a:latin typeface="+mn-lt"/>
+                          <a:ea typeface="+mn-ea"/>
+                          <a:cs typeface="+mn-cs"/>
+                        </a:rPr>
+                        <a:t>Alarm ein/ausschalten</a:t>
+                      </a:r>
+                      <a:endParaRPr lang="de-AT" sz="1600" b="0" kern="1200" dirty="0">
+                        <a:solidFill>
+                          <a:schemeClr val="tx1">
+                            <a:lumMod val="95000"/>
+                          </a:schemeClr>
+                        </a:solidFill>
+                        <a:effectLst/>
+                        <a:latin typeface="+mn-lt"/>
+                        <a:ea typeface="+mn-ea"/>
+                        <a:cs typeface="+mn-cs"/>
+                      </a:endParaRPr>
+                    </a:p>
+                  </a:txBody>
+                  <a:tcPr>
+                    <a:lnL w="12700" cmpd="sng">
+                      <a:noFill/>
+                    </a:lnL>
+                    <a:lnR w="28575" cap="flat" cmpd="sng" algn="ctr">
+                      <a:solidFill>
+                        <a:schemeClr val="accent2"/>
+                      </a:solidFill>
+                      <a:prstDash val="solid"/>
+                      <a:round/>
+                      <a:headEnd type="none" w="med" len="med"/>
+                      <a:tailEnd type="none" w="med" len="med"/>
+                    </a:lnR>
+                    <a:lnT w="12700" cmpd="sng">
+                      <a:noFill/>
+                    </a:lnT>
+                    <a:lnB w="12700" cmpd="sng">
+                      <a:noFill/>
+                    </a:lnB>
+                    <a:lnTlToBr w="12700" cmpd="sng">
+                      <a:noFill/>
+                      <a:prstDash val="solid"/>
+                    </a:lnTlToBr>
+                    <a:lnBlToTr w="12700" cmpd="sng">
+                      <a:noFill/>
+                      <a:prstDash val="solid"/>
+                    </a:lnBlToTr>
+                    <a:solidFill>
+                      <a:schemeClr val="bg1">
+                        <a:lumMod val="85000"/>
+                        <a:lumOff val="15000"/>
+                      </a:schemeClr>
+                    </a:solidFill>
+                  </a:tcPr>
+                </a:tc>
+              </a:tr>
+              <a:tr h="370840">
+                <a:tc>
+                  <a:txBody>
+                    <a:bodyPr/>
+                    <a:lstStyle/>
+                    <a:p>
+                      <a:pPr marL="0" algn="l" defTabSz="914400" rtl="0" eaLnBrk="1" fontAlgn="t" latinLnBrk="0" hangingPunct="1"/>
+                      <a:r>
+                        <a:rPr lang="en-US" sz="1600" b="0" kern="1200" dirty="0" smtClean="0">
+                          <a:solidFill>
+                            <a:schemeClr val="tx1">
+                              <a:lumMod val="95000"/>
+                            </a:schemeClr>
+                          </a:solidFill>
+                          <a:effectLst/>
+                          <a:latin typeface="+mn-lt"/>
+                          <a:ea typeface="+mn-ea"/>
+                          <a:cs typeface="+mn-cs"/>
+                        </a:rPr>
+                        <a:t>Caret</a:t>
+                      </a:r>
+                      <a:endParaRPr lang="de-AT" sz="1600" b="0" kern="1200" dirty="0">
+                        <a:solidFill>
+                          <a:schemeClr val="tx1">
+                            <a:lumMod val="95000"/>
+                          </a:schemeClr>
+                        </a:solidFill>
+                        <a:effectLst/>
+                        <a:latin typeface="+mn-lt"/>
+                        <a:ea typeface="+mn-ea"/>
+                        <a:cs typeface="+mn-cs"/>
+                      </a:endParaRPr>
+                    </a:p>
+                  </a:txBody>
+                  <a:tcPr>
+                    <a:lnL w="28575" cap="flat" cmpd="sng" algn="ctr">
+                      <a:solidFill>
+                        <a:schemeClr val="accent2"/>
+                      </a:solidFill>
+                      <a:prstDash val="solid"/>
+                      <a:round/>
+                      <a:headEnd type="none" w="med" len="med"/>
+                      <a:tailEnd type="none" w="med" len="med"/>
+                    </a:lnL>
+                    <a:lnR w="12700" cmpd="sng">
+                      <a:noFill/>
+                    </a:lnR>
+                    <a:lnT w="12700" cmpd="sng">
+                      <a:noFill/>
+                    </a:lnT>
+                    <a:lnB w="12700" cmpd="sng">
+                      <a:noFill/>
+                    </a:lnB>
+                    <a:lnTlToBr w="12700" cmpd="sng">
+                      <a:noFill/>
+                      <a:prstDash val="solid"/>
+                    </a:lnTlToBr>
+                    <a:lnBlToTr w="12700" cmpd="sng">
+                      <a:noFill/>
+                      <a:prstDash val="solid"/>
+                    </a:lnBlToTr>
+                    <a:solidFill>
+                      <a:schemeClr val="bg1">
+                        <a:lumMod val="75000"/>
+                        <a:lumOff val="25000"/>
+                      </a:schemeClr>
+                    </a:solidFill>
+                  </a:tcPr>
+                </a:tc>
+                <a:tc>
+                  <a:txBody>
+                    <a:bodyPr/>
+                    <a:lstStyle/>
+                    <a:p>
+                      <a:pPr marL="0" algn="l" defTabSz="914400" rtl="0" eaLnBrk="1" fontAlgn="t" latinLnBrk="0" hangingPunct="1"/>
+                      <a:r>
+                        <a:rPr lang="de-DE" sz="1600" b="0" kern="1200" dirty="0" smtClean="0">
+                          <a:solidFill>
+                            <a:schemeClr val="tx1">
+                              <a:lumMod val="95000"/>
+                            </a:schemeClr>
+                          </a:solidFill>
+                          <a:effectLst/>
+                          <a:latin typeface="+mn-lt"/>
+                          <a:ea typeface="+mn-ea"/>
+                          <a:cs typeface="+mn-cs"/>
+                        </a:rPr>
+                        <a:t>Alle Lampen heller </a:t>
+                      </a:r>
+                      <a:endParaRPr lang="de-AT" sz="1600" b="0" kern="1200" dirty="0">
+                        <a:solidFill>
+                          <a:schemeClr val="tx1">
+                            <a:lumMod val="95000"/>
+                          </a:schemeClr>
+                        </a:solidFill>
+                        <a:effectLst/>
+                        <a:latin typeface="+mn-lt"/>
+                        <a:ea typeface="+mn-ea"/>
+                        <a:cs typeface="+mn-cs"/>
+                      </a:endParaRPr>
+                    </a:p>
+                  </a:txBody>
+                  <a:tcPr>
+                    <a:lnL w="12700" cmpd="sng">
+                      <a:noFill/>
+                    </a:lnL>
+                    <a:lnR w="28575" cap="flat" cmpd="sng" algn="ctr">
+                      <a:solidFill>
+                        <a:schemeClr val="accent2"/>
+                      </a:solidFill>
+                      <a:prstDash val="solid"/>
+                      <a:round/>
+                      <a:headEnd type="none" w="med" len="med"/>
+                      <a:tailEnd type="none" w="med" len="med"/>
+                    </a:lnR>
+                    <a:lnT w="12700" cmpd="sng">
+                      <a:noFill/>
+                    </a:lnT>
+                    <a:lnB w="12700" cmpd="sng">
+                      <a:noFill/>
+                    </a:lnB>
+                    <a:lnTlToBr w="12700" cmpd="sng">
+                      <a:noFill/>
+                      <a:prstDash val="solid"/>
+                    </a:lnTlToBr>
+                    <a:lnBlToTr w="12700" cmpd="sng">
+                      <a:noFill/>
+                      <a:prstDash val="solid"/>
+                    </a:lnBlToTr>
+                    <a:solidFill>
+                      <a:schemeClr val="bg1">
+                        <a:lumMod val="75000"/>
+                        <a:lumOff val="25000"/>
+                      </a:schemeClr>
+                    </a:solidFill>
+                  </a:tcPr>
+                </a:tc>
+              </a:tr>
+              <a:tr h="370840">
+                <a:tc>
+                  <a:txBody>
+                    <a:bodyPr/>
+                    <a:lstStyle/>
+                    <a:p>
+                      <a:pPr marL="0" algn="l" defTabSz="914400" rtl="0" eaLnBrk="1" fontAlgn="t" latinLnBrk="0" hangingPunct="1"/>
+                      <a:r>
+                        <a:rPr lang="en-US" sz="1600" b="0" kern="1200" dirty="0" smtClean="0">
+                          <a:solidFill>
+                            <a:schemeClr val="tx1">
+                              <a:lumMod val="95000"/>
+                            </a:schemeClr>
+                          </a:solidFill>
+                          <a:effectLst/>
+                          <a:latin typeface="+mn-lt"/>
+                          <a:ea typeface="+mn-ea"/>
+                          <a:cs typeface="+mn-cs"/>
+                        </a:rPr>
+                        <a:t>V</a:t>
+                      </a:r>
+                      <a:endParaRPr lang="de-AT" sz="1600" b="0" kern="1200" dirty="0">
+                        <a:solidFill>
+                          <a:schemeClr val="tx1">
+                            <a:lumMod val="95000"/>
+                          </a:schemeClr>
+                        </a:solidFill>
+                        <a:effectLst/>
+                        <a:latin typeface="+mn-lt"/>
+                        <a:ea typeface="+mn-ea"/>
+                        <a:cs typeface="+mn-cs"/>
+                      </a:endParaRPr>
+                    </a:p>
+                  </a:txBody>
+                  <a:tcPr>
+                    <a:lnL w="28575" cap="flat" cmpd="sng" algn="ctr">
+                      <a:solidFill>
+                        <a:schemeClr val="accent2"/>
+                      </a:solidFill>
+                      <a:prstDash val="solid"/>
+                      <a:round/>
+                      <a:headEnd type="none" w="med" len="med"/>
+                      <a:tailEnd type="none" w="med" len="med"/>
+                    </a:lnL>
+                    <a:lnR w="12700" cmpd="sng">
+                      <a:noFill/>
+                    </a:lnR>
+                    <a:lnT w="12700" cmpd="sng">
+                      <a:noFill/>
+                    </a:lnT>
+                    <a:lnB w="28575" cap="flat" cmpd="sng" algn="ctr">
+                      <a:solidFill>
+                        <a:schemeClr val="accent2"/>
+                      </a:solidFill>
+                      <a:prstDash val="solid"/>
+                      <a:round/>
+                      <a:headEnd type="none" w="med" len="med"/>
+                      <a:tailEnd type="none" w="med" len="med"/>
+                    </a:lnB>
+                    <a:lnTlToBr w="12700" cmpd="sng">
+                      <a:noFill/>
+                      <a:prstDash val="solid"/>
+                    </a:lnTlToBr>
+                    <a:lnBlToTr w="12700" cmpd="sng">
+                      <a:noFill/>
+                      <a:prstDash val="solid"/>
+                    </a:lnBlToTr>
+                    <a:solidFill>
+                      <a:schemeClr val="bg1">
+                        <a:lumMod val="85000"/>
+                        <a:lumOff val="15000"/>
+                      </a:schemeClr>
+                    </a:solidFill>
+                  </a:tcPr>
+                </a:tc>
+                <a:tc>
+                  <a:txBody>
+                    <a:bodyPr/>
+                    <a:lstStyle/>
+                    <a:p>
+                      <a:pPr marL="0" algn="l" defTabSz="914400" rtl="0" eaLnBrk="1" fontAlgn="t" latinLnBrk="0" hangingPunct="1"/>
+                      <a:r>
+                        <a:rPr lang="de-DE" sz="1600" b="0" kern="1200" dirty="0" smtClean="0">
+                          <a:solidFill>
+                            <a:schemeClr val="tx1">
+                              <a:lumMod val="95000"/>
+                            </a:schemeClr>
+                          </a:solidFill>
+                          <a:effectLst/>
+                          <a:latin typeface="+mn-lt"/>
+                          <a:ea typeface="+mn-ea"/>
+                          <a:cs typeface="+mn-cs"/>
+                        </a:rPr>
+                        <a:t>Alle Lampen dunkler</a:t>
+                      </a:r>
+                      <a:endParaRPr lang="de-AT" sz="1600" b="0" kern="1200" dirty="0">
+                        <a:solidFill>
+                          <a:schemeClr val="tx1">
+                            <a:lumMod val="95000"/>
+                          </a:schemeClr>
+                        </a:solidFill>
+                        <a:effectLst/>
+                        <a:latin typeface="+mn-lt"/>
+                        <a:ea typeface="+mn-ea"/>
+                        <a:cs typeface="+mn-cs"/>
+                      </a:endParaRPr>
+                    </a:p>
+                  </a:txBody>
+                  <a:tcPr>
+                    <a:lnL w="12700" cmpd="sng">
+                      <a:noFill/>
+                    </a:lnL>
+                    <a:lnR w="28575" cap="flat" cmpd="sng" algn="ctr">
+                      <a:solidFill>
+                        <a:schemeClr val="accent2"/>
+                      </a:solidFill>
+                      <a:prstDash val="solid"/>
+                      <a:round/>
+                      <a:headEnd type="none" w="med" len="med"/>
+                      <a:tailEnd type="none" w="med" len="med"/>
+                    </a:lnR>
+                    <a:lnT w="12700" cmpd="sng">
+                      <a:noFill/>
+                    </a:lnT>
+                    <a:lnB w="28575" cap="flat" cmpd="sng" algn="ctr">
+                      <a:solidFill>
+                        <a:schemeClr val="accent2"/>
+                      </a:solidFill>
+                      <a:prstDash val="solid"/>
+                      <a:round/>
+                      <a:headEnd type="none" w="med" len="med"/>
+                      <a:tailEnd type="none" w="med" len="med"/>
+                    </a:lnB>
+                    <a:lnTlToBr w="12700" cmpd="sng">
+                      <a:noFill/>
+                      <a:prstDash val="solid"/>
+                    </a:lnTlToBr>
+                    <a:lnBlToTr w="12700" cmpd="sng">
+                      <a:noFill/>
+                      <a:prstDash val="solid"/>
+                    </a:lnBlToTr>
+                    <a:solidFill>
+                      <a:schemeClr val="bg1">
+                        <a:lumMod val="85000"/>
+                        <a:lumOff val="15000"/>
+                      </a:schemeClr>
+                    </a:solidFill>
+                  </a:tcPr>
+                </a:tc>
+              </a:tr>
+            </a:tbl>
+          </a:graphicData>
+        </a:graphic>
+      </p:graphicFrame>
+      <p:graphicFrame>
+        <p:nvGraphicFramePr>
+          <p:cNvPr id="5" name="Inhaltsplatzhalter 3"/>
+          <p:cNvGraphicFramePr>
+            <a:graphicFrameLocks/>
+          </p:cNvGraphicFramePr>
+          <p:nvPr>
+            <p:extLst>
+              <p:ext uri="{D42A27DB-BD31-4B8C-83A1-F6EECF244321}">
+                <p14:modId xmlns:p14="http://schemas.microsoft.com/office/powerpoint/2010/main" val="3213676760"/>
+              </p:ext>
+            </p:extLst>
+          </p:nvPr>
+        </p:nvGraphicFramePr>
+        <p:xfrm>
+          <a:off x="827584" y="4476720"/>
+          <a:ext cx="7488832" cy="1112520"/>
+        </p:xfrm>
+        <a:graphic>
+          <a:graphicData uri="http://schemas.openxmlformats.org/drawingml/2006/table">
+            <a:tbl>
+              <a:tblPr firstRow="1" bandRow="1">
+                <a:tableStyleId>{5C22544A-7EE6-4342-B048-85BDC9FD1C3A}</a:tableStyleId>
+              </a:tblPr>
+              <a:tblGrid>
+                <a:gridCol w="3744416"/>
+                <a:gridCol w="3744416"/>
+              </a:tblGrid>
+              <a:tr h="370840">
+                <a:tc>
+                  <a:txBody>
+                    <a:bodyPr/>
+                    <a:lstStyle/>
+                    <a:p>
+                      <a:pPr marL="0" algn="l" defTabSz="914400" rtl="0" eaLnBrk="1" fontAlgn="t" latinLnBrk="0" hangingPunct="1"/>
+                      <a:r>
+                        <a:rPr lang="en-US" sz="1600" b="0" kern="1200" dirty="0" smtClean="0">
+                          <a:solidFill>
+                            <a:schemeClr val="tx1">
+                              <a:lumMod val="95000"/>
+                            </a:schemeClr>
+                          </a:solidFill>
+                          <a:effectLst/>
+                          <a:latin typeface="+mn-lt"/>
+                          <a:ea typeface="+mn-ea"/>
+                          <a:cs typeface="+mn-cs"/>
+                        </a:rPr>
+                        <a:t>“Lamp one / two / three”  </a:t>
+                      </a:r>
+                      <a:endParaRPr lang="de-AT" sz="1600" b="0" kern="1200" dirty="0">
+                        <a:solidFill>
+                          <a:schemeClr val="tx1">
+                            <a:lumMod val="95000"/>
+                          </a:schemeClr>
+                        </a:solidFill>
+                        <a:effectLst/>
+                        <a:latin typeface="+mn-lt"/>
+                        <a:ea typeface="+mn-ea"/>
+                        <a:cs typeface="+mn-cs"/>
+                      </a:endParaRPr>
+                    </a:p>
+                  </a:txBody>
+                  <a:tcPr>
+                    <a:lnL w="28575" cap="flat" cmpd="sng" algn="ctr">
+                      <a:solidFill>
+                        <a:schemeClr val="accent2"/>
+                      </a:solidFill>
+                      <a:prstDash val="solid"/>
+                      <a:round/>
+                      <a:headEnd type="none" w="med" len="med"/>
+                      <a:tailEnd type="none" w="med" len="med"/>
+                    </a:lnL>
+                    <a:lnR w="12700" cmpd="sng">
+                      <a:noFill/>
+                    </a:lnR>
+                    <a:lnT w="28575" cap="flat" cmpd="sng" algn="ctr">
+                      <a:solidFill>
+                        <a:schemeClr val="accent2"/>
+                      </a:solidFill>
+                      <a:prstDash val="solid"/>
+                      <a:round/>
+                      <a:headEnd type="none" w="med" len="med"/>
+                      <a:tailEnd type="none" w="med" len="med"/>
+                    </a:lnT>
+                    <a:lnB w="12700" cmpd="sng">
+                      <a:noFill/>
+                    </a:lnB>
+                    <a:lnTlToBr w="12700" cmpd="sng">
+                      <a:noFill/>
+                      <a:prstDash val="solid"/>
+                    </a:lnTlToBr>
+                    <a:lnBlToTr w="12700" cmpd="sng">
+                      <a:noFill/>
+                      <a:prstDash val="solid"/>
+                    </a:lnBlToTr>
+                    <a:solidFill>
+                      <a:schemeClr val="bg1">
+                        <a:lumMod val="85000"/>
+                        <a:lumOff val="15000"/>
+                      </a:schemeClr>
+                    </a:solidFill>
+                  </a:tcPr>
+                </a:tc>
+                <a:tc>
+                  <a:txBody>
+                    <a:bodyPr/>
+                    <a:lstStyle/>
+                    <a:p>
+                      <a:pPr marL="0" algn="l" defTabSz="914400" rtl="0" eaLnBrk="1" fontAlgn="t" latinLnBrk="0" hangingPunct="1"/>
+                      <a:r>
+                        <a:rPr lang="de-AT" sz="1600" b="0" kern="1200" dirty="0" smtClean="0">
+                          <a:solidFill>
+                            <a:schemeClr val="tx1">
+                              <a:lumMod val="95000"/>
+                            </a:schemeClr>
+                          </a:solidFill>
+                          <a:effectLst/>
+                          <a:latin typeface="+mn-lt"/>
+                          <a:ea typeface="+mn-ea"/>
+                          <a:cs typeface="+mn-cs"/>
+                        </a:rPr>
+                        <a:t>Setzt die jeweilige Lampe auf rot</a:t>
+                      </a:r>
+                      <a:endParaRPr lang="de-AT" sz="1600" b="0" kern="1200" dirty="0">
+                        <a:solidFill>
+                          <a:schemeClr val="tx1">
+                            <a:lumMod val="95000"/>
+                          </a:schemeClr>
+                        </a:solidFill>
+                        <a:effectLst/>
+                        <a:latin typeface="+mn-lt"/>
+                        <a:ea typeface="+mn-ea"/>
+                        <a:cs typeface="+mn-cs"/>
+                      </a:endParaRPr>
+                    </a:p>
+                  </a:txBody>
+                  <a:tcPr>
+                    <a:lnL w="12700" cmpd="sng">
+                      <a:noFill/>
+                    </a:lnL>
+                    <a:lnR w="28575" cap="flat" cmpd="sng" algn="ctr">
+                      <a:solidFill>
+                        <a:schemeClr val="accent2"/>
+                      </a:solidFill>
+                      <a:prstDash val="solid"/>
+                      <a:round/>
+                      <a:headEnd type="none" w="med" len="med"/>
+                      <a:tailEnd type="none" w="med" len="med"/>
+                    </a:lnR>
+                    <a:lnT w="28575" cap="flat" cmpd="sng" algn="ctr">
+                      <a:solidFill>
+                        <a:schemeClr val="accent2"/>
+                      </a:solidFill>
+                      <a:prstDash val="solid"/>
+                      <a:round/>
+                      <a:headEnd type="none" w="med" len="med"/>
+                      <a:tailEnd type="none" w="med" len="med"/>
+                    </a:lnT>
+                    <a:lnB w="12700" cmpd="sng">
+                      <a:noFill/>
+                    </a:lnB>
+                    <a:lnTlToBr w="12700" cmpd="sng">
+                      <a:noFill/>
+                      <a:prstDash val="solid"/>
+                    </a:lnTlToBr>
+                    <a:lnBlToTr w="12700" cmpd="sng">
+                      <a:noFill/>
+                      <a:prstDash val="solid"/>
+                    </a:lnBlToTr>
+                    <a:solidFill>
+                      <a:schemeClr val="bg1">
+                        <a:lumMod val="85000"/>
+                        <a:lumOff val="15000"/>
+                      </a:schemeClr>
+                    </a:solidFill>
+                  </a:tcPr>
+                </a:tc>
+              </a:tr>
+              <a:tr h="370840">
+                <a:tc>
+                  <a:txBody>
+                    <a:bodyPr/>
+                    <a:lstStyle/>
+                    <a:p>
+                      <a:pPr marL="0" marR="0" indent="0" algn="l" defTabSz="914400" rtl="0" eaLnBrk="1" fontAlgn="t" latinLnBrk="0" hangingPunct="1">
+                        <a:lnSpc>
+                          <a:spcPct val="100000"/>
+                        </a:lnSpc>
+                        <a:spcBef>
+                          <a:spcPts val="0"/>
+                        </a:spcBef>
+                        <a:spcAft>
+                          <a:spcPts val="0"/>
+                        </a:spcAft>
+                        <a:buClrTx/>
+                        <a:buSzTx/>
+                        <a:buFontTx/>
+                        <a:buNone/>
+                        <a:tabLst/>
+                        <a:defRPr/>
+                      </a:pPr>
+                      <a:r>
+                        <a:rPr lang="en-US" sz="1600" b="0" kern="1200" dirty="0" smtClean="0">
+                          <a:solidFill>
+                            <a:schemeClr val="tx1">
+                              <a:lumMod val="95000"/>
+                            </a:schemeClr>
+                          </a:solidFill>
+                          <a:effectLst/>
+                          <a:latin typeface="+mn-lt"/>
+                          <a:ea typeface="+mn-ea"/>
+                          <a:cs typeface="+mn-cs"/>
+                        </a:rPr>
+                        <a:t>“on</a:t>
+                      </a:r>
+                      <a:r>
+                        <a:rPr lang="en-US" sz="1600" b="0" kern="1200" baseline="0" dirty="0" smtClean="0">
+                          <a:solidFill>
+                            <a:schemeClr val="tx1">
+                              <a:lumMod val="95000"/>
+                            </a:schemeClr>
+                          </a:solidFill>
+                          <a:effectLst/>
+                          <a:latin typeface="+mn-lt"/>
+                          <a:ea typeface="+mn-ea"/>
+                          <a:cs typeface="+mn-cs"/>
+                        </a:rPr>
+                        <a:t> / off</a:t>
+                      </a:r>
+                      <a:r>
+                        <a:rPr lang="en-US" sz="1600" b="0" kern="1200" dirty="0" smtClean="0">
+                          <a:solidFill>
+                            <a:schemeClr val="tx1">
+                              <a:lumMod val="95000"/>
+                            </a:schemeClr>
+                          </a:solidFill>
+                          <a:effectLst/>
+                          <a:latin typeface="+mn-lt"/>
+                          <a:ea typeface="+mn-ea"/>
+                          <a:cs typeface="+mn-cs"/>
+                        </a:rPr>
+                        <a:t>”  </a:t>
+                      </a:r>
+                      <a:endParaRPr lang="de-AT" sz="1600" b="0" kern="1200" dirty="0" smtClean="0">
+                        <a:solidFill>
+                          <a:schemeClr val="tx1">
+                            <a:lumMod val="95000"/>
+                          </a:schemeClr>
+                        </a:solidFill>
+                        <a:effectLst/>
+                        <a:latin typeface="+mn-lt"/>
+                        <a:ea typeface="+mn-ea"/>
+                        <a:cs typeface="+mn-cs"/>
+                      </a:endParaRPr>
+                    </a:p>
+                  </a:txBody>
+                  <a:tcPr>
+                    <a:lnL w="28575" cap="flat" cmpd="sng" algn="ctr">
+                      <a:solidFill>
+                        <a:schemeClr val="accent2"/>
+                      </a:solidFill>
+                      <a:prstDash val="solid"/>
+                      <a:round/>
+                      <a:headEnd type="none" w="med" len="med"/>
+                      <a:tailEnd type="none" w="med" len="med"/>
+                    </a:lnL>
+                    <a:lnR w="12700" cmpd="sng">
+                      <a:noFill/>
+                    </a:lnR>
+                    <a:lnT w="12700" cmpd="sng">
+                      <a:noFill/>
+                    </a:lnT>
+                    <a:lnB w="12700" cmpd="sng">
+                      <a:noFill/>
+                    </a:lnB>
+                    <a:lnTlToBr w="12700" cmpd="sng">
+                      <a:noFill/>
+                      <a:prstDash val="solid"/>
+                    </a:lnTlToBr>
+                    <a:lnBlToTr w="12700" cmpd="sng">
+                      <a:noFill/>
+                      <a:prstDash val="solid"/>
+                    </a:lnBlToTr>
+                    <a:solidFill>
+                      <a:schemeClr val="bg1">
+                        <a:lumMod val="75000"/>
+                        <a:lumOff val="25000"/>
+                      </a:schemeClr>
+                    </a:solidFill>
+                  </a:tcPr>
+                </a:tc>
+                <a:tc>
+                  <a:txBody>
+                    <a:bodyPr/>
+                    <a:lstStyle/>
+                    <a:p>
+                      <a:pPr marL="0" algn="l" defTabSz="914400" rtl="0" eaLnBrk="1" fontAlgn="t" latinLnBrk="0" hangingPunct="1"/>
+                      <a:r>
+                        <a:rPr lang="de-DE" sz="1600" b="0" kern="1200" dirty="0" smtClean="0">
+                          <a:solidFill>
+                            <a:schemeClr val="tx1">
+                              <a:lumMod val="95000"/>
+                            </a:schemeClr>
+                          </a:solidFill>
+                          <a:effectLst/>
+                          <a:latin typeface="+mn-lt"/>
+                          <a:ea typeface="+mn-ea"/>
+                          <a:cs typeface="+mn-cs"/>
+                        </a:rPr>
+                        <a:t>Alle Lampen ein/ausschalten</a:t>
+                      </a:r>
+                      <a:endParaRPr lang="de-AT" sz="1600" b="0" kern="1200" dirty="0">
+                        <a:solidFill>
+                          <a:schemeClr val="tx1">
+                            <a:lumMod val="95000"/>
+                          </a:schemeClr>
+                        </a:solidFill>
+                        <a:effectLst/>
+                        <a:latin typeface="+mn-lt"/>
+                        <a:ea typeface="+mn-ea"/>
+                        <a:cs typeface="+mn-cs"/>
+                      </a:endParaRPr>
+                    </a:p>
+                  </a:txBody>
+                  <a:tcPr>
+                    <a:lnL w="12700" cmpd="sng">
+                      <a:noFill/>
+                    </a:lnL>
+                    <a:lnR w="28575" cap="flat" cmpd="sng" algn="ctr">
+                      <a:solidFill>
+                        <a:schemeClr val="accent2"/>
+                      </a:solidFill>
+                      <a:prstDash val="solid"/>
+                      <a:round/>
+                      <a:headEnd type="none" w="med" len="med"/>
+                      <a:tailEnd type="none" w="med" len="med"/>
+                    </a:lnR>
+                    <a:lnT w="12700" cmpd="sng">
+                      <a:noFill/>
+                    </a:lnT>
+                    <a:lnB w="12700" cmpd="sng">
+                      <a:noFill/>
+                    </a:lnB>
+                    <a:lnTlToBr w="12700" cmpd="sng">
+                      <a:noFill/>
+                      <a:prstDash val="solid"/>
+                    </a:lnTlToBr>
+                    <a:lnBlToTr w="12700" cmpd="sng">
+                      <a:noFill/>
+                      <a:prstDash val="solid"/>
+                    </a:lnBlToTr>
+                    <a:solidFill>
+                      <a:schemeClr val="bg1">
+                        <a:lumMod val="75000"/>
+                        <a:lumOff val="25000"/>
+                      </a:schemeClr>
+                    </a:solidFill>
+                  </a:tcPr>
+                </a:tc>
+              </a:tr>
+              <a:tr h="370840">
+                <a:tc>
+                  <a:txBody>
+                    <a:bodyPr/>
+                    <a:lstStyle/>
+                    <a:p>
+                      <a:pPr marL="0" marR="0" indent="0" algn="l" defTabSz="914400" rtl="0" eaLnBrk="1" fontAlgn="t" latinLnBrk="0" hangingPunct="1">
+                        <a:lnSpc>
+                          <a:spcPct val="100000"/>
+                        </a:lnSpc>
+                        <a:spcBef>
+                          <a:spcPts val="0"/>
+                        </a:spcBef>
+                        <a:spcAft>
+                          <a:spcPts val="0"/>
+                        </a:spcAft>
+                        <a:buClrTx/>
+                        <a:buSzTx/>
+                        <a:buFontTx/>
+                        <a:buNone/>
+                        <a:tabLst/>
+                        <a:defRPr/>
+                      </a:pPr>
+                      <a:r>
+                        <a:rPr lang="en-US" sz="1600" b="0" kern="1200" dirty="0" smtClean="0">
+                          <a:solidFill>
+                            <a:schemeClr val="tx1">
+                              <a:lumMod val="95000"/>
+                            </a:schemeClr>
+                          </a:solidFill>
+                          <a:effectLst/>
+                          <a:latin typeface="+mn-lt"/>
+                          <a:ea typeface="+mn-ea"/>
+                          <a:cs typeface="+mn-cs"/>
+                        </a:rPr>
+                        <a:t>“red / green /blue ”  </a:t>
+                      </a:r>
+                      <a:endParaRPr lang="de-AT" sz="1600" b="0" kern="1200" dirty="0" smtClean="0">
+                        <a:solidFill>
+                          <a:schemeClr val="tx1">
+                            <a:lumMod val="95000"/>
+                          </a:schemeClr>
+                        </a:solidFill>
+                        <a:effectLst/>
+                        <a:latin typeface="+mn-lt"/>
+                        <a:ea typeface="+mn-ea"/>
+                        <a:cs typeface="+mn-cs"/>
+                      </a:endParaRPr>
+                    </a:p>
+                  </a:txBody>
+                  <a:tcPr>
+                    <a:lnL w="28575" cap="flat" cmpd="sng" algn="ctr">
+                      <a:solidFill>
+                        <a:schemeClr val="accent2"/>
+                      </a:solidFill>
+                      <a:prstDash val="solid"/>
+                      <a:round/>
+                      <a:headEnd type="none" w="med" len="med"/>
+                      <a:tailEnd type="none" w="med" len="med"/>
+                    </a:lnL>
+                    <a:lnR w="12700" cmpd="sng">
+                      <a:noFill/>
+                    </a:lnR>
+                    <a:lnT w="12700" cmpd="sng">
+                      <a:noFill/>
+                    </a:lnT>
+                    <a:lnB w="28575" cap="flat" cmpd="sng" algn="ctr">
+                      <a:solidFill>
+                        <a:schemeClr val="accent2"/>
+                      </a:solidFill>
+                      <a:prstDash val="solid"/>
+                      <a:round/>
+                      <a:headEnd type="none" w="med" len="med"/>
+                      <a:tailEnd type="none" w="med" len="med"/>
+                    </a:lnB>
+                    <a:lnTlToBr w="12700" cmpd="sng">
+                      <a:noFill/>
+                      <a:prstDash val="solid"/>
+                    </a:lnTlToBr>
+                    <a:lnBlToTr w="12700" cmpd="sng">
+                      <a:noFill/>
+                      <a:prstDash val="solid"/>
+                    </a:lnBlToTr>
+                    <a:solidFill>
+                      <a:schemeClr val="bg1">
+                        <a:lumMod val="85000"/>
+                        <a:lumOff val="15000"/>
+                      </a:schemeClr>
+                    </a:solidFill>
+                  </a:tcPr>
+                </a:tc>
+                <a:tc>
+                  <a:txBody>
+                    <a:bodyPr/>
+                    <a:lstStyle/>
+                    <a:p>
+                      <a:pPr marL="0" algn="l" defTabSz="914400" rtl="0" eaLnBrk="1" fontAlgn="t" latinLnBrk="0" hangingPunct="1"/>
+                      <a:r>
+                        <a:rPr lang="de-DE" sz="1600" b="0" kern="1200" dirty="0" smtClean="0">
+                          <a:solidFill>
+                            <a:schemeClr val="tx1">
+                              <a:lumMod val="95000"/>
+                            </a:schemeClr>
+                          </a:solidFill>
+                          <a:effectLst/>
+                          <a:latin typeface="+mn-lt"/>
+                          <a:ea typeface="+mn-ea"/>
+                          <a:cs typeface="+mn-cs"/>
+                        </a:rPr>
+                        <a:t>Farbe aller Lampen setzen</a:t>
+                      </a:r>
+                      <a:endParaRPr lang="de-AT" sz="1600" b="0" kern="1200" dirty="0">
+                        <a:solidFill>
+                          <a:schemeClr val="tx1">
+                            <a:lumMod val="95000"/>
+                          </a:schemeClr>
+                        </a:solidFill>
+                        <a:effectLst/>
+                        <a:latin typeface="+mn-lt"/>
+                        <a:ea typeface="+mn-ea"/>
+                        <a:cs typeface="+mn-cs"/>
+                      </a:endParaRPr>
+                    </a:p>
+                  </a:txBody>
+                  <a:tcPr>
+                    <a:lnL w="12700" cmpd="sng">
+                      <a:noFill/>
+                    </a:lnL>
+                    <a:lnR w="28575" cap="flat" cmpd="sng" algn="ctr">
+                      <a:solidFill>
+                        <a:schemeClr val="accent2"/>
+                      </a:solidFill>
+                      <a:prstDash val="solid"/>
+                      <a:round/>
+                      <a:headEnd type="none" w="med" len="med"/>
+                      <a:tailEnd type="none" w="med" len="med"/>
+                    </a:lnR>
+                    <a:lnT w="12700" cmpd="sng">
+                      <a:noFill/>
+                    </a:lnT>
+                    <a:lnB w="28575" cap="flat" cmpd="sng" algn="ctr">
+                      <a:solidFill>
+                        <a:schemeClr val="accent2"/>
+                      </a:solidFill>
+                      <a:prstDash val="solid"/>
+                      <a:round/>
+                      <a:headEnd type="none" w="med" len="med"/>
+                      <a:tailEnd type="none" w="med" len="med"/>
+                    </a:lnB>
+                    <a:lnTlToBr w="12700" cmpd="sng">
+                      <a:noFill/>
+                      <a:prstDash val="solid"/>
+                    </a:lnTlToBr>
+                    <a:lnBlToTr w="12700" cmpd="sng">
+                      <a:noFill/>
+                      <a:prstDash val="solid"/>
+                    </a:lnBlToTr>
+                    <a:solidFill>
+                      <a:schemeClr val="bg1">
+                        <a:lumMod val="85000"/>
+                        <a:lumOff val="15000"/>
+                      </a:schemeClr>
+                    </a:solidFill>
+                  </a:tcPr>
+                </a:tc>
+              </a:tr>
+            </a:tbl>
+          </a:graphicData>
+        </a:graphic>
+      </p:graphicFrame>
+    </p:spTree>
+    <p:extLst>
+      <p:ext uri="{BB962C8B-B14F-4D97-AF65-F5344CB8AC3E}">
+        <p14:creationId xmlns:p14="http://schemas.microsoft.com/office/powerpoint/2010/main" val="2994587766"/>
+      </p:ext>
+    </p:extLst>
+  </p:cSld>
+  <p:clrMapOvr>
+    <a:masterClrMapping/>
+  </p:clrMapOvr>
+  <p:transition spd="slow">
+    <p:push dir="u"/>
+  </p:transition>
+  <p:timing>
+    <p:tnLst>
+      <p:par>
+        <p:cTn id="1" dur="indefinite" restart="never" nodeType="tmRoot">
+          <p:childTnLst>
+            <p:seq concurrent="1" nextAc="seek">
+              <p:cTn id="2" dur="indefinite" nodeType="mainSeq">
+                <p:childTnLst>
+                  <p:par>
+                    <p:cTn id="3" fill="hold">
+                      <p:stCondLst>
+                        <p:cond delay="indefinite"/>
+                      </p:stCondLst>
+                      <p:childTnLst>
+                        <p:par>
+                          <p:cTn id="4" fill="hold">
+                            <p:stCondLst>
+                              <p:cond delay="0"/>
+                            </p:stCondLst>
+                            <p:childTnLst>
+                              <p:par>
+                                <p:cTn id="5" presetID="10" presetClass="entr" presetSubtype="0" fill="hold" grpId="0" nodeType="clickEffect">
+                                  <p:stCondLst>
+                                    <p:cond delay="0"/>
+                                  </p:stCondLst>
+                                  <p:childTnLst>
+                                    <p:set>
+                                      <p:cBhvr>
+                                        <p:cTn id="6" dur="1" fill="hold">
+                                          <p:stCondLst>
+                                            <p:cond delay="0"/>
+                                          </p:stCondLst>
+                                        </p:cTn>
+                                        <p:tgtEl>
+                                          <p:spTgt spid="6"/>
+                                        </p:tgtEl>
+                                        <p:attrNameLst>
+                                          <p:attrName>style.visibility</p:attrName>
+                                        </p:attrNameLst>
+                                      </p:cBhvr>
+                                      <p:to>
+                                        <p:strVal val="visible"/>
+                                      </p:to>
+                                    </p:set>
+                                    <p:animEffect transition="in" filter="fade">
+                                      <p:cBhvr>
+                                        <p:cTn id="7" dur="500"/>
+                                        <p:tgtEl>
+                                          <p:spTgt spid="6"/>
+                                        </p:tgtEl>
+                                      </p:cBhvr>
+                                    </p:animEffect>
+                                  </p:childTnLst>
+                                </p:cTn>
+                              </p:par>
+                              <p:par>
+                                <p:cTn id="8" presetID="10" presetClass="entr" presetSubtype="0" fill="hold" nodeType="withEffect">
+                                  <p:stCondLst>
+                                    <p:cond delay="0"/>
+                                  </p:stCondLst>
+                                  <p:childTnLst>
+                                    <p:set>
+                                      <p:cBhvr>
+                                        <p:cTn id="9" dur="1" fill="hold">
+                                          <p:stCondLst>
+                                            <p:cond delay="0"/>
+                                          </p:stCondLst>
+                                        </p:cTn>
+                                        <p:tgtEl>
+                                          <p:spTgt spid="4"/>
+                                        </p:tgtEl>
+                                        <p:attrNameLst>
+                                          <p:attrName>style.visibility</p:attrName>
+                                        </p:attrNameLst>
+                                      </p:cBhvr>
+                                      <p:to>
+                                        <p:strVal val="visible"/>
+                                      </p:to>
+                                    </p:set>
+                                    <p:animEffect transition="in" filter="fade">
+                                      <p:cBhvr>
+                                        <p:cTn id="10" dur="500"/>
+                                        <p:tgtEl>
+                                          <p:spTgt spid="4"/>
+                                        </p:tgtEl>
+                                      </p:cBhvr>
+                                    </p:animEffect>
+                                  </p:childTnLst>
+                                </p:cTn>
+                              </p:par>
+                            </p:childTnLst>
+                          </p:cTn>
+                        </p:par>
+                      </p:childTnLst>
+                    </p:cTn>
+                  </p:par>
+                  <p:par>
+                    <p:cTn id="11" fill="hold">
+                      <p:stCondLst>
+                        <p:cond delay="indefinite"/>
+                      </p:stCondLst>
+                      <p:childTnLst>
+                        <p:par>
+                          <p:cTn id="12" fill="hold">
+                            <p:stCondLst>
+                              <p:cond delay="0"/>
+                            </p:stCondLst>
+                            <p:childTnLst>
+                              <p:par>
+                                <p:cTn id="13" presetID="10" presetClass="entr" presetSubtype="0" fill="hold" nodeType="clickEffect">
+                                  <p:stCondLst>
+                                    <p:cond delay="0"/>
+                                  </p:stCondLst>
+                                  <p:childTnLst>
+                                    <p:set>
+                                      <p:cBhvr>
+                                        <p:cTn id="14" dur="1" fill="hold">
+                                          <p:stCondLst>
+                                            <p:cond delay="0"/>
+                                          </p:stCondLst>
+                                        </p:cTn>
+                                        <p:tgtEl>
+                                          <p:spTgt spid="6">
+                                            <p:txEl>
+                                              <p:pRg st="2" end="2"/>
+                                            </p:txEl>
+                                          </p:spTgt>
+                                        </p:tgtEl>
+                                        <p:attrNameLst>
+                                          <p:attrName>style.visibility</p:attrName>
+                                        </p:attrNameLst>
+                                      </p:cBhvr>
+                                      <p:to>
+                                        <p:strVal val="visible"/>
+                                      </p:to>
+                                    </p:set>
+                                    <p:animEffect transition="in" filter="fade">
+                                      <p:cBhvr>
+                                        <p:cTn id="15" dur="500"/>
+                                        <p:tgtEl>
+                                          <p:spTgt spid="6">
+                                            <p:txEl>
+                                              <p:pRg st="2" end="2"/>
+                                            </p:txEl>
+                                          </p:spTgt>
+                                        </p:tgtEl>
+                                      </p:cBhvr>
+                                    </p:animEffect>
+                                  </p:childTnLst>
+                                </p:cTn>
+                              </p:par>
+                              <p:par>
+                                <p:cTn id="16" presetID="10" presetClass="entr" presetSubtype="0" fill="hold" nodeType="withEffect">
+                                  <p:stCondLst>
+                                    <p:cond delay="0"/>
+                                  </p:stCondLst>
+                                  <p:childTnLst>
+                                    <p:set>
+                                      <p:cBhvr>
+                                        <p:cTn id="17" dur="1" fill="hold">
+                                          <p:stCondLst>
+                                            <p:cond delay="0"/>
+                                          </p:stCondLst>
+                                        </p:cTn>
+                                        <p:tgtEl>
+                                          <p:spTgt spid="5"/>
+                                        </p:tgtEl>
+                                        <p:attrNameLst>
+                                          <p:attrName>style.visibility</p:attrName>
+                                        </p:attrNameLst>
+                                      </p:cBhvr>
+                                      <p:to>
+                                        <p:strVal val="visible"/>
+                                      </p:to>
+                                    </p:set>
+                                    <p:animEffect transition="in" filter="fade">
+                                      <p:cBhvr>
+                                        <p:cTn id="18" dur="500"/>
+                                        <p:tgtEl>
+                                          <p:spTgt spid="5"/>
+                                        </p:tgtEl>
+                                      </p:cBhvr>
+                                    </p:animEffect>
+                                  </p:childTnLst>
+                                </p:cTn>
+                              </p:par>
+                            </p:childTnLst>
+                          </p:cTn>
+                        </p:par>
+                      </p:childTnLst>
+                    </p:cTn>
+                  </p:par>
+                </p:childTnLst>
+              </p:cTn>
+              <p:prevCondLst>
+                <p:cond evt="onPrev" delay="0">
+                  <p:tgtEl>
+                    <p:sldTgt/>
+                  </p:tgtEl>
+                </p:cond>
+              </p:prevCondLst>
+              <p:nextCondLst>
+                <p:cond evt="onNext" delay="0">
+                  <p:tgtEl>
+                    <p:sldTgt/>
+                  </p:tgtEl>
+                </p:cond>
+              </p:nextCondLst>
+            </p:seq>
+          </p:childTnLst>
+        </p:cTn>
+      </p:par>
+    </p:tnLst>
+    <p:bldLst>
+      <p:bldP spid="6" grpId="0"/>
+    </p:bldLst>
+  </p:timing>
+</p:sld>
+</file>
+
+<file path=ppt/slides/slide5.xml><?xml version="1.0" encoding="utf-8"?>
+<p:sld xmlns:a="http://schemas.openxmlformats.org/drawingml/2006/main" xmlns:r="http://schemas.openxmlformats.org/officeDocument/2006/relationships" xmlns:p="http://schemas.openxmlformats.org/presentationml/2006/main">
+  <p:cSld>
+    <p:spTree>
+      <p:nvGrpSpPr>
+        <p:cNvPr id="1" name=""/>
+        <p:cNvGrpSpPr/>
+        <p:nvPr/>
+      </p:nvGrpSpPr>
+      <p:grpSpPr>
+        <a:xfrm>
+          <a:off x="0" y="0"/>
+          <a:ext cx="0" cy="0"/>
+          <a:chOff x="0" y="0"/>
+          <a:chExt cx="0" cy="0"/>
+        </a:xfrm>
+      </p:grpSpPr>
+      <p:sp>
+        <p:nvSpPr>
           <p:cNvPr id="2" name="Titel 1"/>
           <p:cNvSpPr>
             <a:spLocks noGrp="1"/>
@@ -11675,6 +13383,9 @@
   <p:clrMapOvr>
     <a:masterClrMapping/>
   </p:clrMapOvr>
+  <p:transition spd="slow">
+    <p:push dir="u"/>
+  </p:transition>
   <p:timing>
     <p:tnLst>
       <p:par>
@@ -11685,7 +13396,7 @@
 </p:sld>
 </file>
 
-<file path=ppt/slides/slide5.xml><?xml version="1.0" encoding="utf-8"?>
+<file path=ppt/slides/slide6.xml><?xml version="1.0" encoding="utf-8"?>
 <p:sld xmlns:a="http://schemas.openxmlformats.org/drawingml/2006/main" xmlns:r="http://schemas.openxmlformats.org/officeDocument/2006/relationships" xmlns:p="http://schemas.openxmlformats.org/presentationml/2006/main">
   <p:cSld>
     <p:spTree>
@@ -13016,6 +14727,9 @@
   <p:clrMapOvr>
     <a:masterClrMapping/>
   </p:clrMapOvr>
+  <p:transition spd="slow">
+    <p:push dir="u"/>
+  </p:transition>
   <p:timing>
     <p:tnLst>
       <p:par>
@@ -13026,7 +14740,7 @@
 </p:sld>
 </file>
 
-<file path=ppt/slides/slide6.xml><?xml version="1.0" encoding="utf-8"?>
+<file path=ppt/slides/slide7.xml><?xml version="1.0" encoding="utf-8"?>
 <p:sld xmlns:a="http://schemas.openxmlformats.org/drawingml/2006/main" xmlns:r="http://schemas.openxmlformats.org/officeDocument/2006/relationships" xmlns:p="http://schemas.openxmlformats.org/presentationml/2006/main">
   <p:cSld>
     <p:spTree>
@@ -13906,6 +15620,9 @@
   <p:clrMapOvr>
     <a:masterClrMapping/>
   </p:clrMapOvr>
+  <p:transition spd="slow">
+    <p:push dir="u"/>
+  </p:transition>
   <p:timing>
     <p:tnLst>
       <p:par>
@@ -13916,7 +15633,7 @@
 </p:sld>
 </file>
 
-<file path=ppt/slides/slide7.xml><?xml version="1.0" encoding="utf-8"?>
+<file path=ppt/slides/slide8.xml><?xml version="1.0" encoding="utf-8"?>
 <p:sld xmlns:a="http://schemas.openxmlformats.org/drawingml/2006/main" xmlns:r="http://schemas.openxmlformats.org/officeDocument/2006/relationships" xmlns:p="http://schemas.openxmlformats.org/presentationml/2006/main">
   <p:cSld>
     <p:spTree>
@@ -14778,7 +16495,7 @@
                 <a:latin typeface="Consolas" panose="020B0609020204030204" pitchFamily="49" charset="0"/>
                 <a:cs typeface="Consolas" panose="020B0609020204030204" pitchFamily="49" charset="0"/>
               </a:rPr>
-              <a:t> GESTURE_CIRCLE_CW: {</a:t>
+              <a:t> GESTURE_DELETE: {</a:t>
             </a:r>
             <a:br>
               <a:rPr kumimoji="0" lang="de-DE" sz="1600" b="0" i="0" u="none" strike="noStrike" cap="none" normalizeH="0" baseline="0" dirty="0" smtClean="0">
@@ -15425,1391 +17142,9 @@
   <p:clrMapOvr>
     <a:masterClrMapping/>
   </p:clrMapOvr>
-  <p:timing>
-    <p:tnLst>
-      <p:par>
-        <p:cTn id="1" dur="indefinite" restart="never" nodeType="tmRoot"/>
-      </p:par>
-    </p:tnLst>
-  </p:timing>
-</p:sld>
-</file>
-
-<file path=ppt/slides/slide8.xml><?xml version="1.0" encoding="utf-8"?>
-<p:sld xmlns:a="http://schemas.openxmlformats.org/drawingml/2006/main" xmlns:r="http://schemas.openxmlformats.org/officeDocument/2006/relationships" xmlns:p="http://schemas.openxmlformats.org/presentationml/2006/main">
-  <p:cSld>
-    <p:spTree>
-      <p:nvGrpSpPr>
-        <p:cNvPr id="1" name=""/>
-        <p:cNvGrpSpPr/>
-        <p:nvPr/>
-      </p:nvGrpSpPr>
-      <p:grpSpPr>
-        <a:xfrm>
-          <a:off x="0" y="0"/>
-          <a:ext cx="0" cy="0"/>
-          <a:chOff x="0" y="0"/>
-          <a:chExt cx="0" cy="0"/>
-        </a:xfrm>
-      </p:grpSpPr>
-      <p:sp>
-        <p:nvSpPr>
-          <p:cNvPr id="2" name="Titel 1"/>
-          <p:cNvSpPr>
-            <a:spLocks noGrp="1"/>
-          </p:cNvSpPr>
-          <p:nvPr>
-            <p:ph type="title"/>
-          </p:nvPr>
-        </p:nvSpPr>
-        <p:spPr/>
-        <p:txBody>
-          <a:bodyPr/>
-          <a:lstStyle/>
-          <a:p>
-            <a:r>
-              <a:rPr lang="de-DE" spc="0" dirty="0" smtClean="0">
-                <a:ln w="1905"/>
-                <a:solidFill>
-                  <a:schemeClr val="tx1">
-                    <a:lumMod val="95000"/>
-                  </a:schemeClr>
-                </a:solidFill>
-                <a:effectLst>
-                  <a:innerShdw blurRad="69850" dist="43180" dir="5400000">
-                    <a:srgbClr val="000000">
-                      <a:alpha val="65000"/>
-                    </a:srgbClr>
-                  </a:innerShdw>
-                </a:effectLst>
-              </a:rPr>
-              <a:t>Befehle</a:t>
-            </a:r>
-            <a:endParaRPr lang="de-AT" dirty="0">
-              <a:solidFill>
-                <a:schemeClr val="tx1">
-                  <a:lumMod val="95000"/>
-                </a:schemeClr>
-              </a:solidFill>
-            </a:endParaRPr>
-          </a:p>
-        </p:txBody>
-      </p:sp>
-      <p:graphicFrame>
-        <p:nvGraphicFramePr>
-          <p:cNvPr id="4" name="Inhaltsplatzhalter 3"/>
-          <p:cNvGraphicFramePr>
-            <a:graphicFrameLocks noGrp="1"/>
-          </p:cNvGraphicFramePr>
-          <p:nvPr>
-            <p:ph idx="1"/>
-            <p:extLst>
-              <p:ext uri="{D42A27DB-BD31-4B8C-83A1-F6EECF244321}">
-                <p14:modId xmlns:p14="http://schemas.microsoft.com/office/powerpoint/2010/main" val="873688026"/>
-              </p:ext>
-            </p:extLst>
-          </p:nvPr>
-        </p:nvGraphicFramePr>
-        <p:xfrm>
-          <a:off x="539552" y="1988840"/>
-          <a:ext cx="8064896" cy="1854200"/>
-        </p:xfrm>
-        <a:graphic>
-          <a:graphicData uri="http://schemas.openxmlformats.org/drawingml/2006/table">
-            <a:tbl>
-              <a:tblPr firstRow="1" bandRow="1">
-                <a:tableStyleId>{5C22544A-7EE6-4342-B048-85BDC9FD1C3A}</a:tableStyleId>
-              </a:tblPr>
-              <a:tblGrid>
-                <a:gridCol w="4032448"/>
-                <a:gridCol w="4032448"/>
-              </a:tblGrid>
-              <a:tr h="370840">
-                <a:tc>
-                  <a:txBody>
-                    <a:bodyPr/>
-                    <a:lstStyle/>
-                    <a:p>
-                      <a:pPr marL="0" algn="l" defTabSz="914400" rtl="0" eaLnBrk="1" fontAlgn="t" latinLnBrk="0" hangingPunct="1"/>
-                      <a:r>
-                        <a:rPr lang="en-US" sz="1600" b="0" kern="1200" dirty="0" smtClean="0">
-                          <a:solidFill>
-                            <a:schemeClr val="tx1">
-                              <a:lumMod val="95000"/>
-                            </a:schemeClr>
-                          </a:solidFill>
-                          <a:effectLst/>
-                          <a:latin typeface="+mn-lt"/>
-                          <a:ea typeface="+mn-ea"/>
-                          <a:cs typeface="+mn-cs"/>
-                        </a:rPr>
-                        <a:t>GESTURE_CIRCLE_CW   </a:t>
-                      </a:r>
-                      <a:endParaRPr lang="de-AT" sz="1600" b="0" kern="1200" dirty="0">
-                        <a:solidFill>
-                          <a:schemeClr val="tx1">
-                            <a:lumMod val="95000"/>
-                          </a:schemeClr>
-                        </a:solidFill>
-                        <a:effectLst/>
-                        <a:latin typeface="+mn-lt"/>
-                        <a:ea typeface="+mn-ea"/>
-                        <a:cs typeface="+mn-cs"/>
-                      </a:endParaRPr>
-                    </a:p>
-                  </a:txBody>
-                  <a:tcPr>
-                    <a:lnL w="28575" cap="flat" cmpd="sng" algn="ctr">
-                      <a:solidFill>
-                        <a:schemeClr val="accent2"/>
-                      </a:solidFill>
-                      <a:prstDash val="solid"/>
-                      <a:round/>
-                      <a:headEnd type="none" w="med" len="med"/>
-                      <a:tailEnd type="none" w="med" len="med"/>
-                    </a:lnL>
-                    <a:lnR w="12700" cmpd="sng">
-                      <a:noFill/>
-                    </a:lnR>
-                    <a:lnT w="28575" cap="flat" cmpd="sng" algn="ctr">
-                      <a:solidFill>
-                        <a:schemeClr val="accent2"/>
-                      </a:solidFill>
-                      <a:prstDash val="solid"/>
-                      <a:round/>
-                      <a:headEnd type="none" w="med" len="med"/>
-                      <a:tailEnd type="none" w="med" len="med"/>
-                    </a:lnT>
-                    <a:lnB w="12700" cmpd="sng">
-                      <a:noFill/>
-                    </a:lnB>
-                    <a:lnTlToBr w="12700" cmpd="sng">
-                      <a:noFill/>
-                      <a:prstDash val="solid"/>
-                    </a:lnTlToBr>
-                    <a:lnBlToTr w="12700" cmpd="sng">
-                      <a:noFill/>
-                      <a:prstDash val="solid"/>
-                    </a:lnBlToTr>
-                    <a:solidFill>
-                      <a:schemeClr val="bg1">
-                        <a:lumMod val="85000"/>
-                        <a:lumOff val="15000"/>
-                      </a:schemeClr>
-                    </a:solidFill>
-                  </a:tcPr>
-                </a:tc>
-                <a:tc>
-                  <a:txBody>
-                    <a:bodyPr/>
-                    <a:lstStyle/>
-                    <a:p>
-                      <a:pPr marL="0" algn="l" defTabSz="914400" rtl="0" eaLnBrk="1" fontAlgn="t" latinLnBrk="0" hangingPunct="1"/>
-                      <a:endParaRPr lang="de-AT" sz="1600" b="0" kern="1200" dirty="0">
-                        <a:solidFill>
-                          <a:schemeClr val="tx1">
-                            <a:lumMod val="95000"/>
-                          </a:schemeClr>
-                        </a:solidFill>
-                        <a:effectLst/>
-                        <a:latin typeface="+mn-lt"/>
-                        <a:ea typeface="+mn-ea"/>
-                        <a:cs typeface="+mn-cs"/>
-                      </a:endParaRPr>
-                    </a:p>
-                  </a:txBody>
-                  <a:tcPr>
-                    <a:lnL w="12700" cmpd="sng">
-                      <a:noFill/>
-                    </a:lnL>
-                    <a:lnR w="28575" cap="flat" cmpd="sng" algn="ctr">
-                      <a:solidFill>
-                        <a:schemeClr val="accent2"/>
-                      </a:solidFill>
-                      <a:prstDash val="solid"/>
-                      <a:round/>
-                      <a:headEnd type="none" w="med" len="med"/>
-                      <a:tailEnd type="none" w="med" len="med"/>
-                    </a:lnR>
-                    <a:lnT w="28575" cap="flat" cmpd="sng" algn="ctr">
-                      <a:solidFill>
-                        <a:schemeClr val="accent2"/>
-                      </a:solidFill>
-                      <a:prstDash val="solid"/>
-                      <a:round/>
-                      <a:headEnd type="none" w="med" len="med"/>
-                      <a:tailEnd type="none" w="med" len="med"/>
-                    </a:lnT>
-                    <a:lnB w="12700" cmpd="sng">
-                      <a:noFill/>
-                    </a:lnB>
-                    <a:lnTlToBr w="12700" cmpd="sng">
-                      <a:noFill/>
-                      <a:prstDash val="solid"/>
-                    </a:lnTlToBr>
-                    <a:lnBlToTr w="12700" cmpd="sng">
-                      <a:noFill/>
-                      <a:prstDash val="solid"/>
-                    </a:lnBlToTr>
-                    <a:solidFill>
-                      <a:schemeClr val="bg1">
-                        <a:lumMod val="85000"/>
-                        <a:lumOff val="15000"/>
-                      </a:schemeClr>
-                    </a:solidFill>
-                  </a:tcPr>
-                </a:tc>
-              </a:tr>
-              <a:tr h="370840">
-                <a:tc>
-                  <a:txBody>
-                    <a:bodyPr/>
-                    <a:lstStyle/>
-                    <a:p>
-                      <a:pPr marL="0" algn="l" defTabSz="914400" rtl="0" eaLnBrk="1" fontAlgn="t" latinLnBrk="0" hangingPunct="1"/>
-                      <a:r>
-                        <a:rPr lang="en-US" sz="1600" b="0" kern="1200" dirty="0" smtClean="0">
-                          <a:solidFill>
-                            <a:schemeClr val="tx1">
-                              <a:lumMod val="95000"/>
-                            </a:schemeClr>
-                          </a:solidFill>
-                          <a:effectLst/>
-                          <a:latin typeface="+mn-lt"/>
-                          <a:ea typeface="+mn-ea"/>
-                          <a:cs typeface="+mn-cs"/>
-                        </a:rPr>
-                        <a:t>GESTURE_DELETE</a:t>
-                      </a:r>
-                      <a:endParaRPr lang="de-AT" sz="1600" b="0" kern="1200" dirty="0">
-                        <a:solidFill>
-                          <a:schemeClr val="tx1">
-                            <a:lumMod val="95000"/>
-                          </a:schemeClr>
-                        </a:solidFill>
-                        <a:effectLst/>
-                        <a:latin typeface="+mn-lt"/>
-                        <a:ea typeface="+mn-ea"/>
-                        <a:cs typeface="+mn-cs"/>
-                      </a:endParaRPr>
-                    </a:p>
-                  </a:txBody>
-                  <a:tcPr>
-                    <a:lnL w="28575" cap="flat" cmpd="sng" algn="ctr">
-                      <a:solidFill>
-                        <a:schemeClr val="accent2"/>
-                      </a:solidFill>
-                      <a:prstDash val="solid"/>
-                      <a:round/>
-                      <a:headEnd type="none" w="med" len="med"/>
-                      <a:tailEnd type="none" w="med" len="med"/>
-                    </a:lnL>
-                    <a:lnR w="12700" cmpd="sng">
-                      <a:noFill/>
-                    </a:lnR>
-                    <a:lnT w="12700" cmpd="sng">
-                      <a:noFill/>
-                    </a:lnT>
-                    <a:lnB w="12700" cmpd="sng">
-                      <a:noFill/>
-                    </a:lnB>
-                    <a:lnTlToBr w="12700" cmpd="sng">
-                      <a:noFill/>
-                      <a:prstDash val="solid"/>
-                    </a:lnTlToBr>
-                    <a:lnBlToTr w="12700" cmpd="sng">
-                      <a:noFill/>
-                      <a:prstDash val="solid"/>
-                    </a:lnBlToTr>
-                    <a:solidFill>
-                      <a:schemeClr val="bg1">
-                        <a:lumMod val="75000"/>
-                        <a:lumOff val="25000"/>
-                      </a:schemeClr>
-                    </a:solidFill>
-                  </a:tcPr>
-                </a:tc>
-                <a:tc>
-                  <a:txBody>
-                    <a:bodyPr/>
-                    <a:lstStyle/>
-                    <a:p>
-                      <a:pPr marL="0" algn="l" defTabSz="914400" rtl="0" eaLnBrk="1" fontAlgn="t" latinLnBrk="0" hangingPunct="1"/>
-                      <a:endParaRPr lang="de-AT" sz="1600" b="0" kern="1200" dirty="0">
-                        <a:solidFill>
-                          <a:schemeClr val="tx1">
-                            <a:lumMod val="95000"/>
-                          </a:schemeClr>
-                        </a:solidFill>
-                        <a:effectLst/>
-                        <a:latin typeface="+mn-lt"/>
-                        <a:ea typeface="+mn-ea"/>
-                        <a:cs typeface="+mn-cs"/>
-                      </a:endParaRPr>
-                    </a:p>
-                  </a:txBody>
-                  <a:tcPr>
-                    <a:lnL w="12700" cmpd="sng">
-                      <a:noFill/>
-                    </a:lnL>
-                    <a:lnR w="28575" cap="flat" cmpd="sng" algn="ctr">
-                      <a:solidFill>
-                        <a:schemeClr val="accent2"/>
-                      </a:solidFill>
-                      <a:prstDash val="solid"/>
-                      <a:round/>
-                      <a:headEnd type="none" w="med" len="med"/>
-                      <a:tailEnd type="none" w="med" len="med"/>
-                    </a:lnR>
-                    <a:lnT w="12700" cmpd="sng">
-                      <a:noFill/>
-                    </a:lnT>
-                    <a:lnB w="12700" cmpd="sng">
-                      <a:noFill/>
-                    </a:lnB>
-                    <a:lnTlToBr w="12700" cmpd="sng">
-                      <a:noFill/>
-                      <a:prstDash val="solid"/>
-                    </a:lnTlToBr>
-                    <a:lnBlToTr w="12700" cmpd="sng">
-                      <a:noFill/>
-                      <a:prstDash val="solid"/>
-                    </a:lnBlToTr>
-                    <a:solidFill>
-                      <a:schemeClr val="bg1">
-                        <a:lumMod val="75000"/>
-                        <a:lumOff val="25000"/>
-                      </a:schemeClr>
-                    </a:solidFill>
-                  </a:tcPr>
-                </a:tc>
-              </a:tr>
-              <a:tr h="370840">
-                <a:tc>
-                  <a:txBody>
-                    <a:bodyPr/>
-                    <a:lstStyle/>
-                    <a:p>
-                      <a:pPr marL="0" algn="l" defTabSz="914400" rtl="0" eaLnBrk="1" fontAlgn="t" latinLnBrk="0" hangingPunct="1"/>
-                      <a:r>
-                        <a:rPr lang="en-US" sz="1600" b="0" kern="1200" dirty="0" smtClean="0">
-                          <a:solidFill>
-                            <a:schemeClr val="tx1">
-                              <a:lumMod val="95000"/>
-                            </a:schemeClr>
-                          </a:solidFill>
-                          <a:effectLst/>
-                          <a:latin typeface="+mn-lt"/>
-                          <a:ea typeface="+mn-ea"/>
-                          <a:cs typeface="+mn-cs"/>
-                        </a:rPr>
-                        <a:t>GESTURE_LINE</a:t>
-                      </a:r>
-                      <a:endParaRPr lang="de-AT" sz="1600" b="0" kern="1200" dirty="0">
-                        <a:solidFill>
-                          <a:schemeClr val="tx1">
-                            <a:lumMod val="95000"/>
-                          </a:schemeClr>
-                        </a:solidFill>
-                        <a:effectLst/>
-                        <a:latin typeface="+mn-lt"/>
-                        <a:ea typeface="+mn-ea"/>
-                        <a:cs typeface="+mn-cs"/>
-                      </a:endParaRPr>
-                    </a:p>
-                  </a:txBody>
-                  <a:tcPr>
-                    <a:lnL w="28575" cap="flat" cmpd="sng" algn="ctr">
-                      <a:solidFill>
-                        <a:schemeClr val="accent2"/>
-                      </a:solidFill>
-                      <a:prstDash val="solid"/>
-                      <a:round/>
-                      <a:headEnd type="none" w="med" len="med"/>
-                      <a:tailEnd type="none" w="med" len="med"/>
-                    </a:lnL>
-                    <a:lnR w="12700" cmpd="sng">
-                      <a:noFill/>
-                    </a:lnR>
-                    <a:lnT w="12700" cmpd="sng">
-                      <a:noFill/>
-                    </a:lnT>
-                    <a:lnB w="12700" cmpd="sng">
-                      <a:noFill/>
-                    </a:lnB>
-                    <a:lnTlToBr w="12700" cmpd="sng">
-                      <a:noFill/>
-                      <a:prstDash val="solid"/>
-                    </a:lnTlToBr>
-                    <a:lnBlToTr w="12700" cmpd="sng">
-                      <a:noFill/>
-                      <a:prstDash val="solid"/>
-                    </a:lnBlToTr>
-                    <a:solidFill>
-                      <a:schemeClr val="bg1">
-                        <a:lumMod val="85000"/>
-                        <a:lumOff val="15000"/>
-                      </a:schemeClr>
-                    </a:solidFill>
-                  </a:tcPr>
-                </a:tc>
-                <a:tc>
-                  <a:txBody>
-                    <a:bodyPr/>
-                    <a:lstStyle/>
-                    <a:p>
-                      <a:pPr marL="0" algn="l" defTabSz="914400" rtl="0" eaLnBrk="1" fontAlgn="t" latinLnBrk="0" hangingPunct="1"/>
-                      <a:endParaRPr lang="de-AT" sz="1600" b="0" kern="1200" dirty="0">
-                        <a:solidFill>
-                          <a:schemeClr val="tx1">
-                            <a:lumMod val="95000"/>
-                          </a:schemeClr>
-                        </a:solidFill>
-                        <a:effectLst/>
-                        <a:latin typeface="+mn-lt"/>
-                        <a:ea typeface="+mn-ea"/>
-                        <a:cs typeface="+mn-cs"/>
-                      </a:endParaRPr>
-                    </a:p>
-                  </a:txBody>
-                  <a:tcPr>
-                    <a:lnL w="12700" cmpd="sng">
-                      <a:noFill/>
-                    </a:lnL>
-                    <a:lnR w="28575" cap="flat" cmpd="sng" algn="ctr">
-                      <a:solidFill>
-                        <a:schemeClr val="accent2"/>
-                      </a:solidFill>
-                      <a:prstDash val="solid"/>
-                      <a:round/>
-                      <a:headEnd type="none" w="med" len="med"/>
-                      <a:tailEnd type="none" w="med" len="med"/>
-                    </a:lnR>
-                    <a:lnT w="12700" cmpd="sng">
-                      <a:noFill/>
-                    </a:lnT>
-                    <a:lnB w="12700" cmpd="sng">
-                      <a:noFill/>
-                    </a:lnB>
-                    <a:lnTlToBr w="12700" cmpd="sng">
-                      <a:noFill/>
-                      <a:prstDash val="solid"/>
-                    </a:lnTlToBr>
-                    <a:lnBlToTr w="12700" cmpd="sng">
-                      <a:noFill/>
-                      <a:prstDash val="solid"/>
-                    </a:lnBlToTr>
-                    <a:solidFill>
-                      <a:schemeClr val="bg1">
-                        <a:lumMod val="85000"/>
-                        <a:lumOff val="15000"/>
-                      </a:schemeClr>
-                    </a:solidFill>
-                  </a:tcPr>
-                </a:tc>
-              </a:tr>
-              <a:tr h="370840">
-                <a:tc>
-                  <a:txBody>
-                    <a:bodyPr/>
-                    <a:lstStyle/>
-                    <a:p>
-                      <a:pPr marL="0" algn="l" defTabSz="914400" rtl="0" eaLnBrk="1" fontAlgn="t" latinLnBrk="0" hangingPunct="1"/>
-                      <a:r>
-                        <a:rPr lang="en-US" sz="1600" b="0" kern="1200" dirty="0" smtClean="0">
-                          <a:solidFill>
-                            <a:schemeClr val="tx1">
-                              <a:lumMod val="95000"/>
-                            </a:schemeClr>
-                          </a:solidFill>
-                          <a:effectLst/>
-                          <a:latin typeface="+mn-lt"/>
-                          <a:ea typeface="+mn-ea"/>
-                          <a:cs typeface="+mn-cs"/>
-                        </a:rPr>
-                        <a:t>GESTURE_CARET</a:t>
-                      </a:r>
-                      <a:endParaRPr lang="de-AT" sz="1600" b="0" kern="1200" dirty="0">
-                        <a:solidFill>
-                          <a:schemeClr val="tx1">
-                            <a:lumMod val="95000"/>
-                          </a:schemeClr>
-                        </a:solidFill>
-                        <a:effectLst/>
-                        <a:latin typeface="+mn-lt"/>
-                        <a:ea typeface="+mn-ea"/>
-                        <a:cs typeface="+mn-cs"/>
-                      </a:endParaRPr>
-                    </a:p>
-                  </a:txBody>
-                  <a:tcPr>
-                    <a:lnL w="28575" cap="flat" cmpd="sng" algn="ctr">
-                      <a:solidFill>
-                        <a:schemeClr val="accent2"/>
-                      </a:solidFill>
-                      <a:prstDash val="solid"/>
-                      <a:round/>
-                      <a:headEnd type="none" w="med" len="med"/>
-                      <a:tailEnd type="none" w="med" len="med"/>
-                    </a:lnL>
-                    <a:lnR w="12700" cmpd="sng">
-                      <a:noFill/>
-                    </a:lnR>
-                    <a:lnT w="12700" cmpd="sng">
-                      <a:noFill/>
-                    </a:lnT>
-                    <a:lnB w="12700" cmpd="sng">
-                      <a:noFill/>
-                    </a:lnB>
-                    <a:lnTlToBr w="12700" cmpd="sng">
-                      <a:noFill/>
-                      <a:prstDash val="solid"/>
-                    </a:lnTlToBr>
-                    <a:lnBlToTr w="12700" cmpd="sng">
-                      <a:noFill/>
-                      <a:prstDash val="solid"/>
-                    </a:lnBlToTr>
-                    <a:solidFill>
-                      <a:schemeClr val="bg1">
-                        <a:lumMod val="75000"/>
-                        <a:lumOff val="25000"/>
-                      </a:schemeClr>
-                    </a:solidFill>
-                  </a:tcPr>
-                </a:tc>
-                <a:tc>
-                  <a:txBody>
-                    <a:bodyPr/>
-                    <a:lstStyle/>
-                    <a:p>
-                      <a:pPr marL="0" algn="l" defTabSz="914400" rtl="0" eaLnBrk="1" fontAlgn="t" latinLnBrk="0" hangingPunct="1"/>
-                      <a:endParaRPr lang="de-AT" sz="1600" b="0" kern="1200" dirty="0">
-                        <a:solidFill>
-                          <a:schemeClr val="tx1">
-                            <a:lumMod val="95000"/>
-                          </a:schemeClr>
-                        </a:solidFill>
-                        <a:effectLst/>
-                        <a:latin typeface="+mn-lt"/>
-                        <a:ea typeface="+mn-ea"/>
-                        <a:cs typeface="+mn-cs"/>
-                      </a:endParaRPr>
-                    </a:p>
-                  </a:txBody>
-                  <a:tcPr>
-                    <a:lnL w="12700" cmpd="sng">
-                      <a:noFill/>
-                    </a:lnL>
-                    <a:lnR w="28575" cap="flat" cmpd="sng" algn="ctr">
-                      <a:solidFill>
-                        <a:schemeClr val="accent2"/>
-                      </a:solidFill>
-                      <a:prstDash val="solid"/>
-                      <a:round/>
-                      <a:headEnd type="none" w="med" len="med"/>
-                      <a:tailEnd type="none" w="med" len="med"/>
-                    </a:lnR>
-                    <a:lnT w="12700" cmpd="sng">
-                      <a:noFill/>
-                    </a:lnT>
-                    <a:lnB w="12700" cmpd="sng">
-                      <a:noFill/>
-                    </a:lnB>
-                    <a:lnTlToBr w="12700" cmpd="sng">
-                      <a:noFill/>
-                      <a:prstDash val="solid"/>
-                    </a:lnTlToBr>
-                    <a:lnBlToTr w="12700" cmpd="sng">
-                      <a:noFill/>
-                      <a:prstDash val="solid"/>
-                    </a:lnBlToTr>
-                    <a:solidFill>
-                      <a:schemeClr val="bg1">
-                        <a:lumMod val="75000"/>
-                        <a:lumOff val="25000"/>
-                      </a:schemeClr>
-                    </a:solidFill>
-                  </a:tcPr>
-                </a:tc>
-              </a:tr>
-              <a:tr h="370840">
-                <a:tc>
-                  <a:txBody>
-                    <a:bodyPr/>
-                    <a:lstStyle/>
-                    <a:p>
-                      <a:pPr marL="0" algn="l" defTabSz="914400" rtl="0" eaLnBrk="1" fontAlgn="t" latinLnBrk="0" hangingPunct="1"/>
-                      <a:r>
-                        <a:rPr lang="en-US" sz="1600" b="0" kern="1200" dirty="0" smtClean="0">
-                          <a:solidFill>
-                            <a:schemeClr val="tx1">
-                              <a:lumMod val="95000"/>
-                            </a:schemeClr>
-                          </a:solidFill>
-                          <a:effectLst/>
-                          <a:latin typeface="+mn-lt"/>
-                          <a:ea typeface="+mn-ea"/>
-                          <a:cs typeface="+mn-cs"/>
-                        </a:rPr>
-                        <a:t>GESTURE_V</a:t>
-                      </a:r>
-                      <a:endParaRPr lang="de-AT" sz="1600" b="0" kern="1200" dirty="0">
-                        <a:solidFill>
-                          <a:schemeClr val="tx1">
-                            <a:lumMod val="95000"/>
-                          </a:schemeClr>
-                        </a:solidFill>
-                        <a:effectLst/>
-                        <a:latin typeface="+mn-lt"/>
-                        <a:ea typeface="+mn-ea"/>
-                        <a:cs typeface="+mn-cs"/>
-                      </a:endParaRPr>
-                    </a:p>
-                  </a:txBody>
-                  <a:tcPr>
-                    <a:lnL w="28575" cap="flat" cmpd="sng" algn="ctr">
-                      <a:solidFill>
-                        <a:schemeClr val="accent2"/>
-                      </a:solidFill>
-                      <a:prstDash val="solid"/>
-                      <a:round/>
-                      <a:headEnd type="none" w="med" len="med"/>
-                      <a:tailEnd type="none" w="med" len="med"/>
-                    </a:lnL>
-                    <a:lnR w="12700" cmpd="sng">
-                      <a:noFill/>
-                    </a:lnR>
-                    <a:lnT w="12700" cmpd="sng">
-                      <a:noFill/>
-                    </a:lnT>
-                    <a:lnB w="28575" cap="flat" cmpd="sng" algn="ctr">
-                      <a:solidFill>
-                        <a:schemeClr val="accent2"/>
-                      </a:solidFill>
-                      <a:prstDash val="solid"/>
-                      <a:round/>
-                      <a:headEnd type="none" w="med" len="med"/>
-                      <a:tailEnd type="none" w="med" len="med"/>
-                    </a:lnB>
-                    <a:lnTlToBr w="12700" cmpd="sng">
-                      <a:noFill/>
-                      <a:prstDash val="solid"/>
-                    </a:lnTlToBr>
-                    <a:lnBlToTr w="12700" cmpd="sng">
-                      <a:noFill/>
-                      <a:prstDash val="solid"/>
-                    </a:lnBlToTr>
-                    <a:solidFill>
-                      <a:schemeClr val="bg1">
-                        <a:lumMod val="85000"/>
-                        <a:lumOff val="15000"/>
-                      </a:schemeClr>
-                    </a:solidFill>
-                  </a:tcPr>
-                </a:tc>
-                <a:tc>
-                  <a:txBody>
-                    <a:bodyPr/>
-                    <a:lstStyle/>
-                    <a:p>
-                      <a:pPr marL="0" algn="l" defTabSz="914400" rtl="0" eaLnBrk="1" fontAlgn="t" latinLnBrk="0" hangingPunct="1"/>
-                      <a:endParaRPr lang="de-AT" sz="1600" b="0" kern="1200" dirty="0">
-                        <a:solidFill>
-                          <a:schemeClr val="tx1">
-                            <a:lumMod val="95000"/>
-                          </a:schemeClr>
-                        </a:solidFill>
-                        <a:effectLst/>
-                        <a:latin typeface="+mn-lt"/>
-                        <a:ea typeface="+mn-ea"/>
-                        <a:cs typeface="+mn-cs"/>
-                      </a:endParaRPr>
-                    </a:p>
-                  </a:txBody>
-                  <a:tcPr>
-                    <a:lnL w="12700" cmpd="sng">
-                      <a:noFill/>
-                    </a:lnL>
-                    <a:lnR w="28575" cap="flat" cmpd="sng" algn="ctr">
-                      <a:solidFill>
-                        <a:schemeClr val="accent2"/>
-                      </a:solidFill>
-                      <a:prstDash val="solid"/>
-                      <a:round/>
-                      <a:headEnd type="none" w="med" len="med"/>
-                      <a:tailEnd type="none" w="med" len="med"/>
-                    </a:lnR>
-                    <a:lnT w="12700" cmpd="sng">
-                      <a:noFill/>
-                    </a:lnT>
-                    <a:lnB w="28575" cap="flat" cmpd="sng" algn="ctr">
-                      <a:solidFill>
-                        <a:schemeClr val="accent2"/>
-                      </a:solidFill>
-                      <a:prstDash val="solid"/>
-                      <a:round/>
-                      <a:headEnd type="none" w="med" len="med"/>
-                      <a:tailEnd type="none" w="med" len="med"/>
-                    </a:lnB>
-                    <a:lnTlToBr w="12700" cmpd="sng">
-                      <a:noFill/>
-                      <a:prstDash val="solid"/>
-                    </a:lnTlToBr>
-                    <a:lnBlToTr w="12700" cmpd="sng">
-                      <a:noFill/>
-                      <a:prstDash val="solid"/>
-                    </a:lnBlToTr>
-                    <a:solidFill>
-                      <a:schemeClr val="bg1">
-                        <a:lumMod val="85000"/>
-                        <a:lumOff val="15000"/>
-                      </a:schemeClr>
-                    </a:solidFill>
-                  </a:tcPr>
-                </a:tc>
-              </a:tr>
-            </a:tbl>
-          </a:graphicData>
-        </a:graphic>
-      </p:graphicFrame>
-      <p:graphicFrame>
-        <p:nvGraphicFramePr>
-          <p:cNvPr id="5" name="Inhaltsplatzhalter 3"/>
-          <p:cNvGraphicFramePr>
-            <a:graphicFrameLocks/>
-          </p:cNvGraphicFramePr>
-          <p:nvPr>
-            <p:extLst>
-              <p:ext uri="{D42A27DB-BD31-4B8C-83A1-F6EECF244321}">
-                <p14:modId xmlns:p14="http://schemas.microsoft.com/office/powerpoint/2010/main" val="2958271523"/>
-              </p:ext>
-            </p:extLst>
-          </p:nvPr>
-        </p:nvGraphicFramePr>
-        <p:xfrm>
-          <a:off x="539552" y="4221088"/>
-          <a:ext cx="8064896" cy="1483360"/>
-        </p:xfrm>
-        <a:graphic>
-          <a:graphicData uri="http://schemas.openxmlformats.org/drawingml/2006/table">
-            <a:tbl>
-              <a:tblPr firstRow="1" bandRow="1">
-                <a:tableStyleId>{5C22544A-7EE6-4342-B048-85BDC9FD1C3A}</a:tableStyleId>
-              </a:tblPr>
-              <a:tblGrid>
-                <a:gridCol w="4032448"/>
-                <a:gridCol w="4032448"/>
-              </a:tblGrid>
-              <a:tr h="370840">
-                <a:tc>
-                  <a:txBody>
-                    <a:bodyPr/>
-                    <a:lstStyle/>
-                    <a:p>
-                      <a:pPr marL="0" algn="l" defTabSz="914400" rtl="0" eaLnBrk="1" fontAlgn="t" latinLnBrk="0" hangingPunct="1"/>
-                      <a:r>
-                        <a:rPr lang="en-US" sz="1600" b="0" kern="1200" dirty="0" smtClean="0">
-                          <a:solidFill>
-                            <a:schemeClr val="tx1">
-                              <a:lumMod val="95000"/>
-                            </a:schemeClr>
-                          </a:solidFill>
-                          <a:effectLst/>
-                          <a:latin typeface="+mn-lt"/>
-                          <a:ea typeface="+mn-ea"/>
-                          <a:cs typeface="+mn-cs"/>
-                        </a:rPr>
-                        <a:t>“Lamp x color red / green /blue ”  </a:t>
-                      </a:r>
-                      <a:endParaRPr lang="de-AT" sz="1600" b="0" kern="1200" dirty="0">
-                        <a:solidFill>
-                          <a:schemeClr val="tx1">
-                            <a:lumMod val="95000"/>
-                          </a:schemeClr>
-                        </a:solidFill>
-                        <a:effectLst/>
-                        <a:latin typeface="+mn-lt"/>
-                        <a:ea typeface="+mn-ea"/>
-                        <a:cs typeface="+mn-cs"/>
-                      </a:endParaRPr>
-                    </a:p>
-                  </a:txBody>
-                  <a:tcPr>
-                    <a:lnL w="28575" cap="flat" cmpd="sng" algn="ctr">
-                      <a:solidFill>
-                        <a:schemeClr val="accent2"/>
-                      </a:solidFill>
-                      <a:prstDash val="solid"/>
-                      <a:round/>
-                      <a:headEnd type="none" w="med" len="med"/>
-                      <a:tailEnd type="none" w="med" len="med"/>
-                    </a:lnL>
-                    <a:lnR w="12700" cmpd="sng">
-                      <a:noFill/>
-                    </a:lnR>
-                    <a:lnT w="28575" cap="flat" cmpd="sng" algn="ctr">
-                      <a:solidFill>
-                        <a:schemeClr val="accent2"/>
-                      </a:solidFill>
-                      <a:prstDash val="solid"/>
-                      <a:round/>
-                      <a:headEnd type="none" w="med" len="med"/>
-                      <a:tailEnd type="none" w="med" len="med"/>
-                    </a:lnT>
-                    <a:lnB w="12700" cmpd="sng">
-                      <a:noFill/>
-                    </a:lnB>
-                    <a:lnTlToBr w="12700" cmpd="sng">
-                      <a:noFill/>
-                      <a:prstDash val="solid"/>
-                    </a:lnTlToBr>
-                    <a:lnBlToTr w="12700" cmpd="sng">
-                      <a:noFill/>
-                      <a:prstDash val="solid"/>
-                    </a:lnBlToTr>
-                    <a:solidFill>
-                      <a:schemeClr val="bg1">
-                        <a:lumMod val="85000"/>
-                        <a:lumOff val="15000"/>
-                      </a:schemeClr>
-                    </a:solidFill>
-                  </a:tcPr>
-                </a:tc>
-                <a:tc>
-                  <a:txBody>
-                    <a:bodyPr/>
-                    <a:lstStyle/>
-                    <a:p>
-                      <a:pPr marL="0" algn="l" defTabSz="914400" rtl="0" eaLnBrk="1" fontAlgn="t" latinLnBrk="0" hangingPunct="1"/>
-                      <a:endParaRPr lang="de-AT" sz="1600" b="0" kern="1200" dirty="0">
-                        <a:solidFill>
-                          <a:schemeClr val="tx1">
-                            <a:lumMod val="95000"/>
-                          </a:schemeClr>
-                        </a:solidFill>
-                        <a:effectLst/>
-                        <a:latin typeface="+mn-lt"/>
-                        <a:ea typeface="+mn-ea"/>
-                        <a:cs typeface="+mn-cs"/>
-                      </a:endParaRPr>
-                    </a:p>
-                  </a:txBody>
-                  <a:tcPr>
-                    <a:lnL w="12700" cmpd="sng">
-                      <a:noFill/>
-                    </a:lnL>
-                    <a:lnR w="28575" cap="flat" cmpd="sng" algn="ctr">
-                      <a:solidFill>
-                        <a:schemeClr val="accent2"/>
-                      </a:solidFill>
-                      <a:prstDash val="solid"/>
-                      <a:round/>
-                      <a:headEnd type="none" w="med" len="med"/>
-                      <a:tailEnd type="none" w="med" len="med"/>
-                    </a:lnR>
-                    <a:lnT w="28575" cap="flat" cmpd="sng" algn="ctr">
-                      <a:solidFill>
-                        <a:schemeClr val="accent2"/>
-                      </a:solidFill>
-                      <a:prstDash val="solid"/>
-                      <a:round/>
-                      <a:headEnd type="none" w="med" len="med"/>
-                      <a:tailEnd type="none" w="med" len="med"/>
-                    </a:lnT>
-                    <a:lnB w="12700" cmpd="sng">
-                      <a:noFill/>
-                    </a:lnB>
-                    <a:lnTlToBr w="12700" cmpd="sng">
-                      <a:noFill/>
-                      <a:prstDash val="solid"/>
-                    </a:lnTlToBr>
-                    <a:lnBlToTr w="12700" cmpd="sng">
-                      <a:noFill/>
-                      <a:prstDash val="solid"/>
-                    </a:lnBlToTr>
-                    <a:solidFill>
-                      <a:schemeClr val="bg1">
-                        <a:lumMod val="85000"/>
-                        <a:lumOff val="15000"/>
-                      </a:schemeClr>
-                    </a:solidFill>
-                  </a:tcPr>
-                </a:tc>
-              </a:tr>
-              <a:tr h="370840">
-                <a:tc>
-                  <a:txBody>
-                    <a:bodyPr/>
-                    <a:lstStyle/>
-                    <a:p>
-                      <a:pPr marL="0" marR="0" indent="0" algn="l" defTabSz="914400" rtl="0" eaLnBrk="1" fontAlgn="t" latinLnBrk="0" hangingPunct="1">
-                        <a:lnSpc>
-                          <a:spcPct val="100000"/>
-                        </a:lnSpc>
-                        <a:spcBef>
-                          <a:spcPts val="0"/>
-                        </a:spcBef>
-                        <a:spcAft>
-                          <a:spcPts val="0"/>
-                        </a:spcAft>
-                        <a:buClrTx/>
-                        <a:buSzTx/>
-                        <a:buFontTx/>
-                        <a:buNone/>
-                        <a:tabLst/>
-                        <a:defRPr/>
-                      </a:pPr>
-                      <a:r>
-                        <a:rPr lang="en-US" sz="1600" b="0" kern="1200" dirty="0" smtClean="0">
-                          <a:solidFill>
-                            <a:schemeClr val="tx1">
-                              <a:lumMod val="95000"/>
-                            </a:schemeClr>
-                          </a:solidFill>
-                          <a:effectLst/>
-                          <a:latin typeface="+mn-lt"/>
-                          <a:ea typeface="+mn-ea"/>
-                          <a:cs typeface="+mn-cs"/>
-                        </a:rPr>
-                        <a:t>“Lamp x on / off”  </a:t>
-                      </a:r>
-                      <a:endParaRPr lang="de-AT" sz="1600" b="0" kern="1200" dirty="0" smtClean="0">
-                        <a:solidFill>
-                          <a:schemeClr val="tx1">
-                            <a:lumMod val="95000"/>
-                          </a:schemeClr>
-                        </a:solidFill>
-                        <a:effectLst/>
-                        <a:latin typeface="+mn-lt"/>
-                        <a:ea typeface="+mn-ea"/>
-                        <a:cs typeface="+mn-cs"/>
-                      </a:endParaRPr>
-                    </a:p>
-                  </a:txBody>
-                  <a:tcPr>
-                    <a:lnL w="28575" cap="flat" cmpd="sng" algn="ctr">
-                      <a:solidFill>
-                        <a:schemeClr val="accent2"/>
-                      </a:solidFill>
-                      <a:prstDash val="solid"/>
-                      <a:round/>
-                      <a:headEnd type="none" w="med" len="med"/>
-                      <a:tailEnd type="none" w="med" len="med"/>
-                    </a:lnL>
-                    <a:lnR w="12700" cmpd="sng">
-                      <a:noFill/>
-                    </a:lnR>
-                    <a:lnT w="12700" cmpd="sng">
-                      <a:noFill/>
-                    </a:lnT>
-                    <a:lnB w="12700" cmpd="sng">
-                      <a:noFill/>
-                    </a:lnB>
-                    <a:lnTlToBr w="12700" cmpd="sng">
-                      <a:noFill/>
-                      <a:prstDash val="solid"/>
-                    </a:lnTlToBr>
-                    <a:lnBlToTr w="12700" cmpd="sng">
-                      <a:noFill/>
-                      <a:prstDash val="solid"/>
-                    </a:lnBlToTr>
-                    <a:solidFill>
-                      <a:schemeClr val="bg1">
-                        <a:lumMod val="75000"/>
-                        <a:lumOff val="25000"/>
-                      </a:schemeClr>
-                    </a:solidFill>
-                  </a:tcPr>
-                </a:tc>
-                <a:tc>
-                  <a:txBody>
-                    <a:bodyPr/>
-                    <a:lstStyle/>
-                    <a:p>
-                      <a:pPr marL="0" algn="l" defTabSz="914400" rtl="0" eaLnBrk="1" fontAlgn="t" latinLnBrk="0" hangingPunct="1"/>
-                      <a:endParaRPr lang="de-AT" sz="1600" b="0" kern="1200" dirty="0">
-                        <a:solidFill>
-                          <a:schemeClr val="tx1">
-                            <a:lumMod val="95000"/>
-                          </a:schemeClr>
-                        </a:solidFill>
-                        <a:effectLst/>
-                        <a:latin typeface="+mn-lt"/>
-                        <a:ea typeface="+mn-ea"/>
-                        <a:cs typeface="+mn-cs"/>
-                      </a:endParaRPr>
-                    </a:p>
-                  </a:txBody>
-                  <a:tcPr>
-                    <a:lnL w="12700" cmpd="sng">
-                      <a:noFill/>
-                    </a:lnL>
-                    <a:lnR w="28575" cap="flat" cmpd="sng" algn="ctr">
-                      <a:solidFill>
-                        <a:schemeClr val="accent2"/>
-                      </a:solidFill>
-                      <a:prstDash val="solid"/>
-                      <a:round/>
-                      <a:headEnd type="none" w="med" len="med"/>
-                      <a:tailEnd type="none" w="med" len="med"/>
-                    </a:lnR>
-                    <a:lnT w="12700" cmpd="sng">
-                      <a:noFill/>
-                    </a:lnT>
-                    <a:lnB w="12700" cmpd="sng">
-                      <a:noFill/>
-                    </a:lnB>
-                    <a:lnTlToBr w="12700" cmpd="sng">
-                      <a:noFill/>
-                      <a:prstDash val="solid"/>
-                    </a:lnTlToBr>
-                    <a:lnBlToTr w="12700" cmpd="sng">
-                      <a:noFill/>
-                      <a:prstDash val="solid"/>
-                    </a:lnBlToTr>
-                    <a:solidFill>
-                      <a:schemeClr val="bg1">
-                        <a:lumMod val="75000"/>
-                        <a:lumOff val="25000"/>
-                      </a:schemeClr>
-                    </a:solidFill>
-                  </a:tcPr>
-                </a:tc>
-              </a:tr>
-              <a:tr h="370840">
-                <a:tc>
-                  <a:txBody>
-                    <a:bodyPr/>
-                    <a:lstStyle/>
-                    <a:p>
-                      <a:pPr marL="0" marR="0" indent="0" algn="l" defTabSz="914400" rtl="0" eaLnBrk="1" fontAlgn="t" latinLnBrk="0" hangingPunct="1">
-                        <a:lnSpc>
-                          <a:spcPct val="100000"/>
-                        </a:lnSpc>
-                        <a:spcBef>
-                          <a:spcPts val="0"/>
-                        </a:spcBef>
-                        <a:spcAft>
-                          <a:spcPts val="0"/>
-                        </a:spcAft>
-                        <a:buClrTx/>
-                        <a:buSzTx/>
-                        <a:buFontTx/>
-                        <a:buNone/>
-                        <a:tabLst/>
-                        <a:defRPr/>
-                      </a:pPr>
-                      <a:r>
-                        <a:rPr lang="en-US" sz="1600" b="0" kern="1200" dirty="0" smtClean="0">
-                          <a:solidFill>
-                            <a:schemeClr val="tx1">
-                              <a:lumMod val="95000"/>
-                            </a:schemeClr>
-                          </a:solidFill>
-                          <a:effectLst/>
-                          <a:latin typeface="+mn-lt"/>
-                          <a:ea typeface="+mn-ea"/>
-                          <a:cs typeface="+mn-cs"/>
-                        </a:rPr>
-                        <a:t>“color red / green /blue ”  </a:t>
-                      </a:r>
-                      <a:endParaRPr lang="de-AT" sz="1600" b="0" kern="1200" dirty="0" smtClean="0">
-                        <a:solidFill>
-                          <a:schemeClr val="tx1">
-                            <a:lumMod val="95000"/>
-                          </a:schemeClr>
-                        </a:solidFill>
-                        <a:effectLst/>
-                        <a:latin typeface="+mn-lt"/>
-                        <a:ea typeface="+mn-ea"/>
-                        <a:cs typeface="+mn-cs"/>
-                      </a:endParaRPr>
-                    </a:p>
-                  </a:txBody>
-                  <a:tcPr>
-                    <a:lnL w="28575" cap="flat" cmpd="sng" algn="ctr">
-                      <a:solidFill>
-                        <a:schemeClr val="accent2"/>
-                      </a:solidFill>
-                      <a:prstDash val="solid"/>
-                      <a:round/>
-                      <a:headEnd type="none" w="med" len="med"/>
-                      <a:tailEnd type="none" w="med" len="med"/>
-                    </a:lnL>
-                    <a:lnR w="12700" cmpd="sng">
-                      <a:noFill/>
-                    </a:lnR>
-                    <a:lnT w="12700" cmpd="sng">
-                      <a:noFill/>
-                    </a:lnT>
-                    <a:lnB w="12700" cmpd="sng">
-                      <a:noFill/>
-                    </a:lnB>
-                    <a:lnTlToBr w="12700" cmpd="sng">
-                      <a:noFill/>
-                      <a:prstDash val="solid"/>
-                    </a:lnTlToBr>
-                    <a:lnBlToTr w="12700" cmpd="sng">
-                      <a:noFill/>
-                      <a:prstDash val="solid"/>
-                    </a:lnBlToTr>
-                    <a:solidFill>
-                      <a:schemeClr val="bg1">
-                        <a:lumMod val="85000"/>
-                        <a:lumOff val="15000"/>
-                      </a:schemeClr>
-                    </a:solidFill>
-                  </a:tcPr>
-                </a:tc>
-                <a:tc>
-                  <a:txBody>
-                    <a:bodyPr/>
-                    <a:lstStyle/>
-                    <a:p>
-                      <a:pPr marL="0" algn="l" defTabSz="914400" rtl="0" eaLnBrk="1" fontAlgn="t" latinLnBrk="0" hangingPunct="1"/>
-                      <a:endParaRPr lang="de-AT" sz="1600" b="0" kern="1200" dirty="0">
-                        <a:solidFill>
-                          <a:schemeClr val="tx1">
-                            <a:lumMod val="95000"/>
-                          </a:schemeClr>
-                        </a:solidFill>
-                        <a:effectLst/>
-                        <a:latin typeface="+mn-lt"/>
-                        <a:ea typeface="+mn-ea"/>
-                        <a:cs typeface="+mn-cs"/>
-                      </a:endParaRPr>
-                    </a:p>
-                  </a:txBody>
-                  <a:tcPr>
-                    <a:lnL w="12700" cmpd="sng">
-                      <a:noFill/>
-                    </a:lnL>
-                    <a:lnR w="28575" cap="flat" cmpd="sng" algn="ctr">
-                      <a:solidFill>
-                        <a:schemeClr val="accent2"/>
-                      </a:solidFill>
-                      <a:prstDash val="solid"/>
-                      <a:round/>
-                      <a:headEnd type="none" w="med" len="med"/>
-                      <a:tailEnd type="none" w="med" len="med"/>
-                    </a:lnR>
-                    <a:lnT w="12700" cmpd="sng">
-                      <a:noFill/>
-                    </a:lnT>
-                    <a:lnB w="12700" cmpd="sng">
-                      <a:noFill/>
-                    </a:lnB>
-                    <a:lnTlToBr w="12700" cmpd="sng">
-                      <a:noFill/>
-                      <a:prstDash val="solid"/>
-                    </a:lnTlToBr>
-                    <a:lnBlToTr w="12700" cmpd="sng">
-                      <a:noFill/>
-                      <a:prstDash val="solid"/>
-                    </a:lnBlToTr>
-                    <a:solidFill>
-                      <a:schemeClr val="bg1">
-                        <a:lumMod val="85000"/>
-                        <a:lumOff val="15000"/>
-                      </a:schemeClr>
-                    </a:solidFill>
-                  </a:tcPr>
-                </a:tc>
-              </a:tr>
-              <a:tr h="370840">
-                <a:tc>
-                  <a:txBody>
-                    <a:bodyPr/>
-                    <a:lstStyle/>
-                    <a:p>
-                      <a:pPr marL="0" marR="0" indent="0" algn="l" defTabSz="914400" rtl="0" eaLnBrk="1" fontAlgn="t" latinLnBrk="0" hangingPunct="1">
-                        <a:lnSpc>
-                          <a:spcPct val="100000"/>
-                        </a:lnSpc>
-                        <a:spcBef>
-                          <a:spcPts val="0"/>
-                        </a:spcBef>
-                        <a:spcAft>
-                          <a:spcPts val="0"/>
-                        </a:spcAft>
-                        <a:buClrTx/>
-                        <a:buSzTx/>
-                        <a:buFontTx/>
-                        <a:buNone/>
-                        <a:tabLst/>
-                        <a:defRPr/>
-                      </a:pPr>
-                      <a:r>
-                        <a:rPr lang="en-US" sz="1600" b="0" kern="1200" dirty="0" smtClean="0">
-                          <a:solidFill>
-                            <a:schemeClr val="tx1">
-                              <a:lumMod val="95000"/>
-                            </a:schemeClr>
-                          </a:solidFill>
-                          <a:effectLst/>
-                          <a:latin typeface="+mn-lt"/>
-                          <a:ea typeface="+mn-ea"/>
-                          <a:cs typeface="+mn-cs"/>
-                        </a:rPr>
-                        <a:t>“on</a:t>
-                      </a:r>
-                      <a:r>
-                        <a:rPr lang="en-US" sz="1600" b="0" kern="1200" baseline="0" dirty="0" smtClean="0">
-                          <a:solidFill>
-                            <a:schemeClr val="tx1">
-                              <a:lumMod val="95000"/>
-                            </a:schemeClr>
-                          </a:solidFill>
-                          <a:effectLst/>
-                          <a:latin typeface="+mn-lt"/>
-                          <a:ea typeface="+mn-ea"/>
-                          <a:cs typeface="+mn-cs"/>
-                        </a:rPr>
-                        <a:t> / off</a:t>
-                      </a:r>
-                      <a:r>
-                        <a:rPr lang="en-US" sz="1600" b="0" kern="1200" dirty="0" smtClean="0">
-                          <a:solidFill>
-                            <a:schemeClr val="tx1">
-                              <a:lumMod val="95000"/>
-                            </a:schemeClr>
-                          </a:solidFill>
-                          <a:effectLst/>
-                          <a:latin typeface="+mn-lt"/>
-                          <a:ea typeface="+mn-ea"/>
-                          <a:cs typeface="+mn-cs"/>
-                        </a:rPr>
-                        <a:t>”  </a:t>
-                      </a:r>
-                      <a:endParaRPr lang="de-AT" sz="1600" b="0" kern="1200" dirty="0" smtClean="0">
-                        <a:solidFill>
-                          <a:schemeClr val="tx1">
-                            <a:lumMod val="95000"/>
-                          </a:schemeClr>
-                        </a:solidFill>
-                        <a:effectLst/>
-                        <a:latin typeface="+mn-lt"/>
-                        <a:ea typeface="+mn-ea"/>
-                        <a:cs typeface="+mn-cs"/>
-                      </a:endParaRPr>
-                    </a:p>
-                  </a:txBody>
-                  <a:tcPr>
-                    <a:lnL w="28575" cap="flat" cmpd="sng" algn="ctr">
-                      <a:solidFill>
-                        <a:schemeClr val="accent2"/>
-                      </a:solidFill>
-                      <a:prstDash val="solid"/>
-                      <a:round/>
-                      <a:headEnd type="none" w="med" len="med"/>
-                      <a:tailEnd type="none" w="med" len="med"/>
-                    </a:lnL>
-                    <a:lnR w="12700" cmpd="sng">
-                      <a:noFill/>
-                    </a:lnR>
-                    <a:lnT w="12700" cmpd="sng">
-                      <a:noFill/>
-                    </a:lnT>
-                    <a:lnB w="28575" cap="flat" cmpd="sng" algn="ctr">
-                      <a:solidFill>
-                        <a:schemeClr val="accent2"/>
-                      </a:solidFill>
-                      <a:prstDash val="solid"/>
-                      <a:round/>
-                      <a:headEnd type="none" w="med" len="med"/>
-                      <a:tailEnd type="none" w="med" len="med"/>
-                    </a:lnB>
-                    <a:lnTlToBr w="12700" cmpd="sng">
-                      <a:noFill/>
-                      <a:prstDash val="solid"/>
-                    </a:lnTlToBr>
-                    <a:lnBlToTr w="12700" cmpd="sng">
-                      <a:noFill/>
-                      <a:prstDash val="solid"/>
-                    </a:lnBlToTr>
-                    <a:solidFill>
-                      <a:schemeClr val="bg1">
-                        <a:lumMod val="75000"/>
-                        <a:lumOff val="25000"/>
-                      </a:schemeClr>
-                    </a:solidFill>
-                  </a:tcPr>
-                </a:tc>
-                <a:tc>
-                  <a:txBody>
-                    <a:bodyPr/>
-                    <a:lstStyle/>
-                    <a:p>
-                      <a:pPr marL="0" algn="l" defTabSz="914400" rtl="0" eaLnBrk="1" fontAlgn="t" latinLnBrk="0" hangingPunct="1"/>
-                      <a:endParaRPr lang="de-AT" sz="1600" b="0" kern="1200" dirty="0">
-                        <a:solidFill>
-                          <a:schemeClr val="tx1">
-                            <a:lumMod val="95000"/>
-                          </a:schemeClr>
-                        </a:solidFill>
-                        <a:effectLst/>
-                        <a:latin typeface="+mn-lt"/>
-                        <a:ea typeface="+mn-ea"/>
-                        <a:cs typeface="+mn-cs"/>
-                      </a:endParaRPr>
-                    </a:p>
-                  </a:txBody>
-                  <a:tcPr>
-                    <a:lnL w="12700" cmpd="sng">
-                      <a:noFill/>
-                    </a:lnL>
-                    <a:lnR w="28575" cap="flat" cmpd="sng" algn="ctr">
-                      <a:solidFill>
-                        <a:schemeClr val="accent2"/>
-                      </a:solidFill>
-                      <a:prstDash val="solid"/>
-                      <a:round/>
-                      <a:headEnd type="none" w="med" len="med"/>
-                      <a:tailEnd type="none" w="med" len="med"/>
-                    </a:lnR>
-                    <a:lnT w="12700" cmpd="sng">
-                      <a:noFill/>
-                    </a:lnT>
-                    <a:lnB w="28575" cap="flat" cmpd="sng" algn="ctr">
-                      <a:solidFill>
-                        <a:schemeClr val="accent2"/>
-                      </a:solidFill>
-                      <a:prstDash val="solid"/>
-                      <a:round/>
-                      <a:headEnd type="none" w="med" len="med"/>
-                      <a:tailEnd type="none" w="med" len="med"/>
-                    </a:lnB>
-                    <a:lnTlToBr w="12700" cmpd="sng">
-                      <a:noFill/>
-                      <a:prstDash val="solid"/>
-                    </a:lnTlToBr>
-                    <a:lnBlToTr w="12700" cmpd="sng">
-                      <a:noFill/>
-                      <a:prstDash val="solid"/>
-                    </a:lnBlToTr>
-                    <a:solidFill>
-                      <a:schemeClr val="bg1">
-                        <a:lumMod val="75000"/>
-                        <a:lumOff val="25000"/>
-                      </a:schemeClr>
-                    </a:solidFill>
-                  </a:tcPr>
-                </a:tc>
-              </a:tr>
-            </a:tbl>
-          </a:graphicData>
-        </a:graphic>
-      </p:graphicFrame>
-    </p:spTree>
-    <p:extLst>
-      <p:ext uri="{BB962C8B-B14F-4D97-AF65-F5344CB8AC3E}">
-        <p14:creationId xmlns:p14="http://schemas.microsoft.com/office/powerpoint/2010/main" val="2994587766"/>
-      </p:ext>
-    </p:extLst>
-  </p:cSld>
-  <p:clrMapOvr>
-    <a:masterClrMapping/>
-  </p:clrMapOvr>
+  <p:transition spd="slow">
+    <p:push dir="u"/>
+  </p:transition>
   <p:timing>
     <p:tnLst>
       <p:par>
@@ -17002,6 +17337,9 @@
   <p:clrMapOvr>
     <a:masterClrMapping/>
   </p:clrMapOvr>
+  <p:transition spd="slow">
+    <p:push dir="u"/>
+  </p:transition>
   <p:timing>
     <p:tnLst>
       <p:par>

--- a/doc/Gesture Control for Philips Hue.pptx
+++ b/doc/Gesture Control for Philips Hue.pptx
@@ -9,11 +9,12 @@
     <p:sldId id="257" r:id="rId3"/>
     <p:sldId id="258" r:id="rId4"/>
     <p:sldId id="264" r:id="rId5"/>
-    <p:sldId id="260" r:id="rId6"/>
-    <p:sldId id="261" r:id="rId7"/>
-    <p:sldId id="262" r:id="rId8"/>
-    <p:sldId id="263" r:id="rId9"/>
-    <p:sldId id="259" r:id="rId10"/>
+    <p:sldId id="265" r:id="rId6"/>
+    <p:sldId id="260" r:id="rId7"/>
+    <p:sldId id="261" r:id="rId8"/>
+    <p:sldId id="262" r:id="rId9"/>
+    <p:sldId id="263" r:id="rId10"/>
+    <p:sldId id="259" r:id="rId11"/>
   </p:sldIdLst>
   <p:sldSz cx="9144000" cy="6858000" type="screen4x3"/>
   <p:notesSz cx="6858000" cy="9144000"/>
@@ -9617,6 +9618,201 @@
     <p:extLst>
       <p:ext uri="{BB962C8B-B14F-4D97-AF65-F5344CB8AC3E}">
         <p14:creationId xmlns:p14="http://schemas.microsoft.com/office/powerpoint/2010/main" val="589287935"/>
+      </p:ext>
+    </p:extLst>
+  </p:cSld>
+  <p:clrMapOvr>
+    <a:masterClrMapping/>
+  </p:clrMapOvr>
+  <p:transition spd="slow">
+    <p:push dir="u"/>
+  </p:transition>
+  <p:timing>
+    <p:tnLst>
+      <p:par>
+        <p:cTn id="1" dur="indefinite" restart="never" nodeType="tmRoot"/>
+      </p:par>
+    </p:tnLst>
+  </p:timing>
+</p:sld>
+</file>
+
+<file path=ppt/slides/slide10.xml><?xml version="1.0" encoding="utf-8"?>
+<p:sld xmlns:a="http://schemas.openxmlformats.org/drawingml/2006/main" xmlns:r="http://schemas.openxmlformats.org/officeDocument/2006/relationships" xmlns:p="http://schemas.openxmlformats.org/presentationml/2006/main">
+  <p:cSld>
+    <p:spTree>
+      <p:nvGrpSpPr>
+        <p:cNvPr id="1" name=""/>
+        <p:cNvGrpSpPr/>
+        <p:nvPr/>
+      </p:nvGrpSpPr>
+      <p:grpSpPr>
+        <a:xfrm>
+          <a:off x="0" y="0"/>
+          <a:ext cx="0" cy="0"/>
+          <a:chOff x="0" y="0"/>
+          <a:chExt cx="0" cy="0"/>
+        </a:xfrm>
+      </p:grpSpPr>
+      <p:sp>
+        <p:nvSpPr>
+          <p:cNvPr id="2" name="Titel 1"/>
+          <p:cNvSpPr>
+            <a:spLocks noGrp="1"/>
+          </p:cNvSpPr>
+          <p:nvPr>
+            <p:ph type="title"/>
+          </p:nvPr>
+        </p:nvSpPr>
+        <p:spPr/>
+        <p:txBody>
+          <a:bodyPr>
+            <a:normAutofit fontScale="90000"/>
+          </a:bodyPr>
+          <a:lstStyle/>
+          <a:p>
+            <a:r>
+              <a:rPr lang="de-DE" spc="0" dirty="0">
+                <a:ln w="1905"/>
+                <a:solidFill>
+                  <a:schemeClr val="tx1">
+                    <a:lumMod val="95000"/>
+                  </a:schemeClr>
+                </a:solidFill>
+                <a:effectLst>
+                  <a:innerShdw blurRad="69850" dist="43180" dir="5400000">
+                    <a:srgbClr val="000000">
+                      <a:alpha val="65000"/>
+                    </a:srgbClr>
+                  </a:innerShdw>
+                </a:effectLst>
+              </a:rPr>
+              <a:t>Technische </a:t>
+            </a:r>
+            <a:r>
+              <a:rPr lang="de-DE" spc="0" dirty="0" smtClean="0">
+                <a:ln w="1905"/>
+                <a:solidFill>
+                  <a:schemeClr val="tx1">
+                    <a:lumMod val="95000"/>
+                  </a:schemeClr>
+                </a:solidFill>
+                <a:effectLst>
+                  <a:innerShdw blurRad="69850" dist="43180" dir="5400000">
+                    <a:srgbClr val="000000">
+                      <a:alpha val="65000"/>
+                    </a:srgbClr>
+                  </a:innerShdw>
+                </a:effectLst>
+              </a:rPr>
+              <a:t>Herausforderungen und Anmerkungen</a:t>
+            </a:r>
+            <a:endParaRPr lang="de-AT" spc="0" dirty="0">
+              <a:ln w="1905"/>
+              <a:solidFill>
+                <a:schemeClr val="tx1">
+                  <a:lumMod val="95000"/>
+                </a:schemeClr>
+              </a:solidFill>
+              <a:effectLst>
+                <a:innerShdw blurRad="69850" dist="43180" dir="5400000">
+                  <a:srgbClr val="000000">
+                    <a:alpha val="65000"/>
+                  </a:srgbClr>
+                </a:innerShdw>
+              </a:effectLst>
+            </a:endParaRPr>
+          </a:p>
+        </p:txBody>
+      </p:sp>
+      <p:sp>
+        <p:nvSpPr>
+          <p:cNvPr id="6" name="Inhaltsplatzhalter 5"/>
+          <p:cNvSpPr>
+            <a:spLocks noGrp="1"/>
+          </p:cNvSpPr>
+          <p:nvPr>
+            <p:ph idx="1"/>
+          </p:nvPr>
+        </p:nvSpPr>
+        <p:spPr/>
+        <p:txBody>
+          <a:bodyPr/>
+          <a:lstStyle/>
+          <a:p>
+            <a:pPr>
+              <a:lnSpc>
+                <a:spcPct val="150000"/>
+              </a:lnSpc>
+            </a:pPr>
+            <a:r>
+              <a:rPr lang="de-DE" dirty="0" smtClean="0"/>
+              <a:t>Kinect 2 benötigt Windows 8 und USB 3.0</a:t>
+            </a:r>
+          </a:p>
+          <a:p>
+            <a:pPr>
+              <a:lnSpc>
+                <a:spcPct val="150000"/>
+              </a:lnSpc>
+            </a:pPr>
+            <a:r>
+              <a:rPr lang="de-DE" dirty="0" smtClean="0"/>
+              <a:t>Kinect (Xbox Version) funktioniert nicht in einer VM</a:t>
+            </a:r>
+          </a:p>
+          <a:p>
+            <a:pPr>
+              <a:lnSpc>
+                <a:spcPct val="150000"/>
+              </a:lnSpc>
+            </a:pPr>
+            <a:r>
+              <a:rPr lang="de-DE" dirty="0" smtClean="0"/>
+              <a:t>Spracherkennung funktioniert sehr unzuverlässig und bei manchen Personen besser</a:t>
+            </a:r>
+          </a:p>
+          <a:p>
+            <a:pPr>
+              <a:lnSpc>
+                <a:spcPct val="150000"/>
+              </a:lnSpc>
+            </a:pPr>
+            <a:r>
+              <a:rPr lang="de-DE" dirty="0" smtClean="0"/>
+              <a:t>Manchmal kommen Befehle nicht bei der </a:t>
+            </a:r>
+            <a:r>
+              <a:rPr lang="de-DE" dirty="0" err="1" smtClean="0"/>
+              <a:t>Hue</a:t>
+            </a:r>
+            <a:r>
+              <a:rPr lang="de-DE" dirty="0" smtClean="0"/>
+              <a:t> an</a:t>
+            </a:r>
+          </a:p>
+          <a:p>
+            <a:pPr>
+              <a:lnSpc>
+                <a:spcPct val="150000"/>
+              </a:lnSpc>
+            </a:pPr>
+            <a:r>
+              <a:rPr lang="de-DE" dirty="0" err="1" smtClean="0"/>
+              <a:t>Hue</a:t>
+            </a:r>
+            <a:r>
+              <a:rPr lang="de-DE" dirty="0" smtClean="0"/>
+              <a:t> Bridge benötigt eine LAN-Verbindung</a:t>
+            </a:r>
+            <a:endParaRPr lang="de-AT" dirty="0"/>
+          </a:p>
+        </p:txBody>
+      </p:sp>
+    </p:spTree>
+    <p:extLst>
+      <p:ext uri="{BB962C8B-B14F-4D97-AF65-F5344CB8AC3E}">
+        <p14:creationId xmlns:p14="http://schemas.microsoft.com/office/powerpoint/2010/main" val="1509961761"/>
       </p:ext>
     </p:extLst>
   </p:cSld>
@@ -10928,17 +11124,16 @@
             <a:endParaRPr lang="de-DE" dirty="0" smtClean="0"/>
           </a:p>
           <a:p>
+            <a:pPr marL="0" indent="0">
+              <a:buFont typeface="Arial" pitchFamily="34" charset="0"/>
+              <a:buNone/>
+            </a:pPr>
+            <a:endParaRPr lang="de-DE" dirty="0" smtClean="0"/>
+          </a:p>
+          <a:p>
             <a:r>
               <a:rPr lang="de-DE" dirty="0" smtClean="0"/>
-              <a:t>Verfügbare </a:t>
-            </a:r>
-            <a:r>
-              <a:rPr lang="de-DE" dirty="0" err="1" smtClean="0"/>
-              <a:t>Sprachkommndos</a:t>
-            </a:r>
-            <a:r>
-              <a:rPr lang="de-DE" dirty="0" smtClean="0"/>
-              <a:t>:</a:t>
+              <a:t>Verfügbare Sprachkommandos:</a:t>
             </a:r>
           </a:p>
           <a:p>
@@ -10999,14 +11194,14 @@
             <p:ph idx="1"/>
             <p:extLst>
               <p:ext uri="{D42A27DB-BD31-4B8C-83A1-F6EECF244321}">
-                <p14:modId xmlns:p14="http://schemas.microsoft.com/office/powerpoint/2010/main" val="311505501"/>
+                <p14:modId xmlns:p14="http://schemas.microsoft.com/office/powerpoint/2010/main" val="2787378108"/>
               </p:ext>
             </p:extLst>
           </p:nvPr>
         </p:nvGraphicFramePr>
         <p:xfrm>
-          <a:off x="827584" y="2161664"/>
-          <a:ext cx="7488832" cy="1483360"/>
+          <a:off x="827584" y="2204864"/>
+          <a:ext cx="7488832" cy="1854200"/>
         </p:xfrm>
         <a:graphic>
           <a:graphicData uri="http://schemas.openxmlformats.org/drawingml/2006/table">
@@ -11116,7 +11311,7 @@
                         <a:defRPr/>
                       </a:pPr>
                       <a:r>
-                        <a:rPr lang="de-DE" sz="1600" b="0" kern="1200" dirty="0" smtClean="0">
+                        <a:rPr lang="de-AT" sz="1600" b="0" kern="1200" dirty="0" smtClean="0">
                           <a:solidFill>
                             <a:schemeClr val="tx1">
                               <a:lumMod val="95000"/>
@@ -11127,19 +11322,8 @@
                           <a:ea typeface="+mn-ea"/>
                           <a:cs typeface="+mn-cs"/>
                         </a:rPr>
-                        <a:t>Effekt ein/ausschalten</a:t>
+                        <a:t>Alle Lampen ein-/ausschalten</a:t>
                       </a:r>
-                      <a:endParaRPr lang="de-AT" sz="1600" b="0" kern="1200" dirty="0" smtClean="0">
-                        <a:solidFill>
-                          <a:schemeClr val="tx1">
-                            <a:lumMod val="95000"/>
-                          </a:schemeClr>
-                        </a:solidFill>
-                        <a:effectLst/>
-                        <a:latin typeface="+mn-lt"/>
-                        <a:ea typeface="+mn-ea"/>
-                        <a:cs typeface="+mn-cs"/>
-                      </a:endParaRPr>
                     </a:p>
                   </a:txBody>
                   <a:tcPr>
@@ -11511,9 +11695,7 @@
                       <a:noFill/>
                     </a:lnT>
                     <a:lnB w="28575" cap="flat" cmpd="sng" algn="ctr">
-                      <a:solidFill>
-                        <a:schemeClr val="accent2"/>
-                      </a:solidFill>
+                      <a:noFill/>
                       <a:prstDash val="solid"/>
                       <a:round/>
                       <a:headEnd type="none" w="med" len="med"/>
@@ -11585,9 +11767,7 @@
                       <a:noFill/>
                     </a:lnT>
                     <a:lnB w="28575" cap="flat" cmpd="sng" algn="ctr">
-                      <a:solidFill>
-                        <a:schemeClr val="accent2"/>
-                      </a:solidFill>
+                      <a:noFill/>
                       <a:prstDash val="solid"/>
                       <a:round/>
                       <a:headEnd type="none" w="med" len="med"/>
@@ -11610,6 +11790,170 @@
                   </a:tcPr>
                 </a:tc>
               </a:tr>
+              <a:tr h="370840">
+                <a:tc>
+                  <a:txBody>
+                    <a:bodyPr/>
+                    <a:lstStyle/>
+                    <a:p>
+                      <a:pPr marL="0" algn="l" defTabSz="914400" rtl="0" eaLnBrk="1" fontAlgn="t" latinLnBrk="0" hangingPunct="1"/>
+                      <a:r>
+                        <a:rPr lang="de-DE" sz="1600" b="0" kern="1200" dirty="0" smtClean="0">
+                          <a:solidFill>
+                            <a:schemeClr val="tx1">
+                              <a:lumMod val="95000"/>
+                            </a:schemeClr>
+                          </a:solidFill>
+                          <a:effectLst/>
+                          <a:latin typeface="+mn-lt"/>
+                          <a:ea typeface="+mn-ea"/>
+                          <a:cs typeface="+mn-cs"/>
+                        </a:rPr>
+                        <a:t>Circle</a:t>
+                      </a:r>
+                      <a:endParaRPr lang="de-AT" sz="1600" b="0" kern="1200" dirty="0">
+                        <a:solidFill>
+                          <a:schemeClr val="tx1">
+                            <a:lumMod val="95000"/>
+                          </a:schemeClr>
+                        </a:solidFill>
+                        <a:effectLst/>
+                        <a:latin typeface="+mn-lt"/>
+                        <a:ea typeface="+mn-ea"/>
+                        <a:cs typeface="+mn-cs"/>
+                      </a:endParaRPr>
+                    </a:p>
+                  </a:txBody>
+                  <a:tcPr>
+                    <a:lnL w="28575" cap="flat" cmpd="sng" algn="ctr">
+                      <a:solidFill>
+                        <a:schemeClr val="accent2"/>
+                      </a:solidFill>
+                      <a:prstDash val="solid"/>
+                      <a:round/>
+                      <a:headEnd type="none" w="med" len="med"/>
+                      <a:tailEnd type="none" w="med" len="med"/>
+                    </a:lnL>
+                    <a:lnR w="12700" cmpd="sng">
+                      <a:noFill/>
+                    </a:lnR>
+                    <a:lnT w="12700" cmpd="sng">
+                      <a:noFill/>
+                    </a:lnT>
+                    <a:lnB w="28575" cap="flat" cmpd="sng" algn="ctr">
+                      <a:solidFill>
+                        <a:schemeClr val="accent2"/>
+                      </a:solidFill>
+                      <a:prstDash val="solid"/>
+                      <a:round/>
+                      <a:headEnd type="none" w="med" len="med"/>
+                      <a:tailEnd type="none" w="med" len="med"/>
+                    </a:lnB>
+                    <a:lnTlToBr w="12700" cmpd="sng">
+                      <a:noFill/>
+                      <a:prstDash val="solid"/>
+                    </a:lnTlToBr>
+                    <a:lnBlToTr w="12700" cmpd="sng">
+                      <a:noFill/>
+                      <a:prstDash val="solid"/>
+                    </a:lnBlToTr>
+                    <a:solidFill>
+                      <a:schemeClr val="bg1">
+                        <a:lumMod val="75000"/>
+                        <a:lumOff val="25000"/>
+                      </a:schemeClr>
+                    </a:solidFill>
+                  </a:tcPr>
+                </a:tc>
+                <a:tc>
+                  <a:txBody>
+                    <a:bodyPr/>
+                    <a:lstStyle/>
+                    <a:p>
+                      <a:pPr marL="0" algn="l" defTabSz="914400" rtl="0" eaLnBrk="1" fontAlgn="t" latinLnBrk="0" hangingPunct="1"/>
+                      <a:r>
+                        <a:rPr lang="de-AT" sz="1600" b="0" kern="1200" dirty="0" err="1" smtClean="0">
+                          <a:solidFill>
+                            <a:schemeClr val="tx1">
+                              <a:lumMod val="95000"/>
+                            </a:schemeClr>
+                          </a:solidFill>
+                          <a:effectLst/>
+                          <a:latin typeface="+mn-lt"/>
+                          <a:ea typeface="+mn-ea"/>
+                          <a:cs typeface="+mn-cs"/>
+                        </a:rPr>
+                        <a:t>Chaser</a:t>
+                      </a:r>
+                      <a:r>
+                        <a:rPr lang="de-AT" sz="1600" b="0" kern="1200" dirty="0" smtClean="0">
+                          <a:solidFill>
+                            <a:schemeClr val="tx1">
+                              <a:lumMod val="95000"/>
+                            </a:schemeClr>
+                          </a:solidFill>
+                          <a:effectLst/>
+                          <a:latin typeface="+mn-lt"/>
+                          <a:ea typeface="+mn-ea"/>
+                          <a:cs typeface="+mn-cs"/>
+                        </a:rPr>
+                        <a:t> Light (Lauflicht)</a:t>
+                      </a:r>
+                      <a:endParaRPr lang="de-AT" sz="1600" b="0" kern="1200" dirty="0">
+                        <a:solidFill>
+                          <a:schemeClr val="tx1">
+                            <a:lumMod val="95000"/>
+                          </a:schemeClr>
+                        </a:solidFill>
+                        <a:effectLst/>
+                        <a:latin typeface="+mn-lt"/>
+                        <a:ea typeface="+mn-ea"/>
+                        <a:cs typeface="+mn-cs"/>
+                      </a:endParaRPr>
+                    </a:p>
+                  </a:txBody>
+                  <a:tcPr>
+                    <a:lnL w="12700" cmpd="sng">
+                      <a:noFill/>
+                    </a:lnL>
+                    <a:lnR w="28575" cap="flat" cmpd="sng" algn="ctr">
+                      <a:solidFill>
+                        <a:schemeClr val="accent2"/>
+                      </a:solidFill>
+                      <a:prstDash val="solid"/>
+                      <a:round/>
+                      <a:headEnd type="none" w="med" len="med"/>
+                      <a:tailEnd type="none" w="med" len="med"/>
+                    </a:lnR>
+                    <a:lnT w="12700" cmpd="sng">
+                      <a:noFill/>
+                    </a:lnT>
+                    <a:lnB w="28575" cap="flat" cmpd="sng" algn="ctr">
+                      <a:solidFill>
+                        <a:schemeClr val="accent2"/>
+                      </a:solidFill>
+                      <a:prstDash val="solid"/>
+                      <a:round/>
+                      <a:headEnd type="none" w="med" len="med"/>
+                      <a:tailEnd type="none" w="med" len="med"/>
+                    </a:lnB>
+                    <a:lnTlToBr w="12700" cmpd="sng">
+                      <a:noFill/>
+                      <a:prstDash val="solid"/>
+                    </a:lnTlToBr>
+                    <a:lnBlToTr w="12700" cmpd="sng">
+                      <a:noFill/>
+                      <a:prstDash val="solid"/>
+                    </a:lnBlToTr>
+                    <a:solidFill>
+                      <a:schemeClr val="bg1">
+                        <a:lumMod val="75000"/>
+                        <a:lumOff val="25000"/>
+                      </a:schemeClr>
+                    </a:solidFill>
+                  </a:tcPr>
+                </a:tc>
+              </a:tr>
             </a:tbl>
           </a:graphicData>
         </a:graphic>
@@ -11623,13 +11967,13 @@
           <p:nvPr>
             <p:extLst>
               <p:ext uri="{D42A27DB-BD31-4B8C-83A1-F6EECF244321}">
-                <p14:modId xmlns:p14="http://schemas.microsoft.com/office/powerpoint/2010/main" val="3213676760"/>
+                <p14:modId xmlns:p14="http://schemas.microsoft.com/office/powerpoint/2010/main" val="3203686153"/>
               </p:ext>
             </p:extLst>
           </p:nvPr>
         </p:nvGraphicFramePr>
         <p:xfrm>
-          <a:off x="827584" y="4476720"/>
+          <a:off x="827584" y="4980776"/>
           <a:ext cx="7488832" cy="1112520"/>
         </p:xfrm>
         <a:graphic>
@@ -12281,7 +12625,7 @@
                                         <p:tgtEl>
                                           <p:spTgt spid="6">
                                             <p:txEl>
-                                              <p:pRg st="2" end="2"/>
+                                              <p:pRg st="3" end="3"/>
                                             </p:txEl>
                                           </p:spTgt>
                                         </p:tgtEl>
@@ -12299,7 +12643,7 @@
                                         <p:tgtEl>
                                           <p:spTgt spid="6">
                                             <p:txEl>
-                                              <p:pRg st="2" end="2"/>
+                                              <p:pRg st="3" end="3"/>
                                             </p:txEl>
                                           </p:spTgt>
                                         </p:tgtEl>
@@ -12378,6 +12722,102 @@
 </file>
 
 <file path=ppt/slides/slide5.xml><?xml version="1.0" encoding="utf-8"?>
+<p:sld xmlns:a="http://schemas.openxmlformats.org/drawingml/2006/main" xmlns:r="http://schemas.openxmlformats.org/officeDocument/2006/relationships" xmlns:p="http://schemas.openxmlformats.org/presentationml/2006/main">
+  <p:cSld>
+    <p:spTree>
+      <p:nvGrpSpPr>
+        <p:cNvPr id="1" name=""/>
+        <p:cNvGrpSpPr/>
+        <p:nvPr/>
+      </p:nvGrpSpPr>
+      <p:grpSpPr>
+        <a:xfrm>
+          <a:off x="0" y="0"/>
+          <a:ext cx="0" cy="0"/>
+          <a:chOff x="0" y="0"/>
+          <a:chExt cx="0" cy="0"/>
+        </a:xfrm>
+      </p:grpSpPr>
+      <p:sp>
+        <p:nvSpPr>
+          <p:cNvPr id="2" name="Titel 1"/>
+          <p:cNvSpPr>
+            <a:spLocks noGrp="1"/>
+          </p:cNvSpPr>
+          <p:nvPr>
+            <p:ph type="title"/>
+          </p:nvPr>
+        </p:nvSpPr>
+        <p:spPr>
+          <a:xfrm>
+            <a:off x="457200" y="3032956"/>
+            <a:ext cx="8229600" cy="792088"/>
+          </a:xfrm>
+        </p:spPr>
+        <p:txBody>
+          <a:bodyPr>
+            <a:normAutofit/>
+          </a:bodyPr>
+          <a:lstStyle/>
+          <a:p>
+            <a:pPr algn="ctr"/>
+            <a:r>
+              <a:rPr lang="de-DE" spc="0" dirty="0" err="1">
+                <a:ln w="1905"/>
+                <a:solidFill>
+                  <a:schemeClr val="tx1">
+                    <a:lumMod val="95000"/>
+                  </a:schemeClr>
+                </a:solidFill>
+                <a:effectLst>
+                  <a:innerShdw blurRad="69850" dist="43180" dir="5400000">
+                    <a:srgbClr val="000000">
+                      <a:alpha val="65000"/>
+                    </a:srgbClr>
+                  </a:innerShdw>
+                </a:effectLst>
+              </a:rPr>
+              <a:t>Livedemo</a:t>
+            </a:r>
+            <a:endParaRPr lang="de-AT" spc="0" dirty="0">
+              <a:ln w="1905"/>
+              <a:solidFill>
+                <a:schemeClr val="tx1">
+                  <a:lumMod val="95000"/>
+                </a:schemeClr>
+              </a:solidFill>
+              <a:effectLst>
+                <a:innerShdw blurRad="69850" dist="43180" dir="5400000">
+                  <a:srgbClr val="000000">
+                    <a:alpha val="65000"/>
+                  </a:srgbClr>
+                </a:innerShdw>
+              </a:effectLst>
+            </a:endParaRPr>
+          </a:p>
+        </p:txBody>
+      </p:sp>
+    </p:spTree>
+    <p:extLst>
+      <p:ext uri="{BB962C8B-B14F-4D97-AF65-F5344CB8AC3E}">
+        <p14:creationId xmlns:p14="http://schemas.microsoft.com/office/powerpoint/2010/main" val="2042998610"/>
+      </p:ext>
+    </p:extLst>
+  </p:cSld>
+  <p:clrMapOvr>
+    <a:masterClrMapping/>
+  </p:clrMapOvr>
+  <p:timing>
+    <p:tnLst>
+      <p:par>
+        <p:cTn id="1" dur="indefinite" restart="never" nodeType="tmRoot"/>
+      </p:par>
+    </p:tnLst>
+  </p:timing>
+</p:sld>
+</file>
+
+<file path=ppt/slides/slide6.xml><?xml version="1.0" encoding="utf-8"?>
 <p:sld xmlns:a="http://schemas.openxmlformats.org/drawingml/2006/main" xmlns:r="http://schemas.openxmlformats.org/officeDocument/2006/relationships" xmlns:p="http://schemas.openxmlformats.org/presentationml/2006/main">
   <p:cSld>
     <p:spTree>
@@ -13396,7 +13836,7 @@
 </p:sld>
 </file>
 
-<file path=ppt/slides/slide6.xml><?xml version="1.0" encoding="utf-8"?>
+<file path=ppt/slides/slide7.xml><?xml version="1.0" encoding="utf-8"?>
 <p:sld xmlns:a="http://schemas.openxmlformats.org/drawingml/2006/main" xmlns:r="http://schemas.openxmlformats.org/officeDocument/2006/relationships" xmlns:p="http://schemas.openxmlformats.org/presentationml/2006/main">
   <p:cSld>
     <p:spTree>
@@ -14740,7 +15180,7 @@
 </p:sld>
 </file>
 
-<file path=ppt/slides/slide7.xml><?xml version="1.0" encoding="utf-8"?>
+<file path=ppt/slides/slide8.xml><?xml version="1.0" encoding="utf-8"?>
 <p:sld xmlns:a="http://schemas.openxmlformats.org/drawingml/2006/main" xmlns:r="http://schemas.openxmlformats.org/officeDocument/2006/relationships" xmlns:p="http://schemas.openxmlformats.org/presentationml/2006/main">
   <p:cSld>
     <p:spTree>
@@ -15139,11 +15579,18 @@
               <a:t> </a:t>
             </a:r>
             <a:r>
+              <a:rPr lang="de-AT" sz="1600" dirty="0" err="1">
+                <a:latin typeface="Consolas" panose="020B0609020204030204" pitchFamily="49" charset="0"/>
+                <a:cs typeface="Consolas" panose="020B0609020204030204" pitchFamily="49" charset="0"/>
+              </a:rPr>
+              <a:t>h</a:t>
+            </a:r>
+            <a:r>
               <a:rPr lang="de-AT" sz="1600" dirty="0" err="1" smtClean="0">
                 <a:latin typeface="Consolas" panose="020B0609020204030204" pitchFamily="49" charset="0"/>
                 <a:cs typeface="Consolas" panose="020B0609020204030204" pitchFamily="49" charset="0"/>
               </a:rPr>
-              <a:t>HueManager</a:t>
+              <a:t>ueConnector</a:t>
             </a:r>
             <a:r>
               <a:rPr lang="de-AT" sz="1600" dirty="0" smtClean="0">
@@ -15532,14 +15979,28 @@
               <a:t>    </a:t>
             </a:r>
             <a:r>
-              <a:rPr lang="en-US" sz="1600" dirty="0" err="1" smtClean="0">
-                <a:latin typeface="Consolas" panose="020B0609020204030204" pitchFamily="49" charset="0"/>
-                <a:cs typeface="Consolas" panose="020B0609020204030204" pitchFamily="49" charset="0"/>
-              </a:rPr>
-              <a:t>HueManager</a:t>
-            </a:r>
-            <a:r>
-              <a:rPr lang="en-US" sz="1600" dirty="0" err="1" smtClean="0">
+              <a:rPr lang="de-AT" sz="1600" dirty="0" smtClean="0">
+                <a:latin typeface="Consolas" panose="020B0609020204030204" pitchFamily="49" charset="0"/>
+                <a:cs typeface="Consolas" panose="020B0609020204030204" pitchFamily="49" charset="0"/>
+              </a:rPr>
+              <a:t> </a:t>
+            </a:r>
+            <a:r>
+              <a:rPr lang="de-AT" sz="1600" dirty="0" err="1">
+                <a:latin typeface="Consolas" panose="020B0609020204030204" pitchFamily="49" charset="0"/>
+                <a:cs typeface="Consolas" panose="020B0609020204030204" pitchFamily="49" charset="0"/>
+              </a:rPr>
+              <a:t>h</a:t>
+            </a:r>
+            <a:r>
+              <a:rPr lang="de-AT" sz="1600" dirty="0" err="1" smtClean="0">
+                <a:latin typeface="Consolas" panose="020B0609020204030204" pitchFamily="49" charset="0"/>
+                <a:cs typeface="Consolas" panose="020B0609020204030204" pitchFamily="49" charset="0"/>
+              </a:rPr>
+              <a:t>ueConnector</a:t>
+            </a:r>
+            <a:r>
+              <a:rPr lang="en-US" sz="1600" dirty="0" smtClean="0">
                 <a:solidFill>
                   <a:srgbClr val="B4B4B4"/>
                 </a:solidFill>
@@ -15633,7 +16094,7 @@
 </p:sld>
 </file>
 
-<file path=ppt/slides/slide8.xml><?xml version="1.0" encoding="utf-8"?>
+<file path=ppt/slides/slide9.xml><?xml version="1.0" encoding="utf-8"?>
 <p:sld xmlns:a="http://schemas.openxmlformats.org/drawingml/2006/main" xmlns:r="http://schemas.openxmlformats.org/officeDocument/2006/relationships" xmlns:p="http://schemas.openxmlformats.org/presentationml/2006/main">
   <p:cSld>
     <p:spTree>
@@ -16495,7 +16956,7 @@
                 <a:latin typeface="Consolas" panose="020B0609020204030204" pitchFamily="49" charset="0"/>
                 <a:cs typeface="Consolas" panose="020B0609020204030204" pitchFamily="49" charset="0"/>
               </a:rPr>
-              <a:t> GESTURE_DELETE: {</a:t>
+              <a:t> GESTURE_GESTURE_CIRCLE_CW : {</a:t>
             </a:r>
             <a:br>
               <a:rPr kumimoji="0" lang="de-DE" sz="1600" b="0" i="0" u="none" strike="noStrike" cap="none" normalizeH="0" baseline="0" dirty="0" smtClean="0">
@@ -17136,201 +17597,6 @@
     <p:extLst>
       <p:ext uri="{BB962C8B-B14F-4D97-AF65-F5344CB8AC3E}">
         <p14:creationId xmlns:p14="http://schemas.microsoft.com/office/powerpoint/2010/main" val="2307411386"/>
-      </p:ext>
-    </p:extLst>
-  </p:cSld>
-  <p:clrMapOvr>
-    <a:masterClrMapping/>
-  </p:clrMapOvr>
-  <p:transition spd="slow">
-    <p:push dir="u"/>
-  </p:transition>
-  <p:timing>
-    <p:tnLst>
-      <p:par>
-        <p:cTn id="1" dur="indefinite" restart="never" nodeType="tmRoot"/>
-      </p:par>
-    </p:tnLst>
-  </p:timing>
-</p:sld>
-</file>
-
-<file path=ppt/slides/slide9.xml><?xml version="1.0" encoding="utf-8"?>
-<p:sld xmlns:a="http://schemas.openxmlformats.org/drawingml/2006/main" xmlns:r="http://schemas.openxmlformats.org/officeDocument/2006/relationships" xmlns:p="http://schemas.openxmlformats.org/presentationml/2006/main">
-  <p:cSld>
-    <p:spTree>
-      <p:nvGrpSpPr>
-        <p:cNvPr id="1" name=""/>
-        <p:cNvGrpSpPr/>
-        <p:nvPr/>
-      </p:nvGrpSpPr>
-      <p:grpSpPr>
-        <a:xfrm>
-          <a:off x="0" y="0"/>
-          <a:ext cx="0" cy="0"/>
-          <a:chOff x="0" y="0"/>
-          <a:chExt cx="0" cy="0"/>
-        </a:xfrm>
-      </p:grpSpPr>
-      <p:sp>
-        <p:nvSpPr>
-          <p:cNvPr id="2" name="Titel 1"/>
-          <p:cNvSpPr>
-            <a:spLocks noGrp="1"/>
-          </p:cNvSpPr>
-          <p:nvPr>
-            <p:ph type="title"/>
-          </p:nvPr>
-        </p:nvSpPr>
-        <p:spPr/>
-        <p:txBody>
-          <a:bodyPr>
-            <a:normAutofit fontScale="90000"/>
-          </a:bodyPr>
-          <a:lstStyle/>
-          <a:p>
-            <a:r>
-              <a:rPr lang="de-DE" spc="0" dirty="0">
-                <a:ln w="1905"/>
-                <a:solidFill>
-                  <a:schemeClr val="tx1">
-                    <a:lumMod val="95000"/>
-                  </a:schemeClr>
-                </a:solidFill>
-                <a:effectLst>
-                  <a:innerShdw blurRad="69850" dist="43180" dir="5400000">
-                    <a:srgbClr val="000000">
-                      <a:alpha val="65000"/>
-                    </a:srgbClr>
-                  </a:innerShdw>
-                </a:effectLst>
-              </a:rPr>
-              <a:t>Technische </a:t>
-            </a:r>
-            <a:r>
-              <a:rPr lang="de-DE" spc="0" dirty="0" smtClean="0">
-                <a:ln w="1905"/>
-                <a:solidFill>
-                  <a:schemeClr val="tx1">
-                    <a:lumMod val="95000"/>
-                  </a:schemeClr>
-                </a:solidFill>
-                <a:effectLst>
-                  <a:innerShdw blurRad="69850" dist="43180" dir="5400000">
-                    <a:srgbClr val="000000">
-                      <a:alpha val="65000"/>
-                    </a:srgbClr>
-                  </a:innerShdw>
-                </a:effectLst>
-              </a:rPr>
-              <a:t>Herausforderungen und Anmerkungen</a:t>
-            </a:r>
-            <a:endParaRPr lang="de-AT" spc="0" dirty="0">
-              <a:ln w="1905"/>
-              <a:solidFill>
-                <a:schemeClr val="tx1">
-                  <a:lumMod val="95000"/>
-                </a:schemeClr>
-              </a:solidFill>
-              <a:effectLst>
-                <a:innerShdw blurRad="69850" dist="43180" dir="5400000">
-                  <a:srgbClr val="000000">
-                    <a:alpha val="65000"/>
-                  </a:srgbClr>
-                </a:innerShdw>
-              </a:effectLst>
-            </a:endParaRPr>
-          </a:p>
-        </p:txBody>
-      </p:sp>
-      <p:sp>
-        <p:nvSpPr>
-          <p:cNvPr id="6" name="Inhaltsplatzhalter 5"/>
-          <p:cNvSpPr>
-            <a:spLocks noGrp="1"/>
-          </p:cNvSpPr>
-          <p:nvPr>
-            <p:ph idx="1"/>
-          </p:nvPr>
-        </p:nvSpPr>
-        <p:spPr/>
-        <p:txBody>
-          <a:bodyPr/>
-          <a:lstStyle/>
-          <a:p>
-            <a:pPr>
-              <a:lnSpc>
-                <a:spcPct val="150000"/>
-              </a:lnSpc>
-            </a:pPr>
-            <a:r>
-              <a:rPr lang="de-DE" dirty="0" smtClean="0"/>
-              <a:t>Kinect 2 benötigt Windows 8 und USB 3.0</a:t>
-            </a:r>
-          </a:p>
-          <a:p>
-            <a:pPr>
-              <a:lnSpc>
-                <a:spcPct val="150000"/>
-              </a:lnSpc>
-            </a:pPr>
-            <a:r>
-              <a:rPr lang="de-DE" dirty="0" smtClean="0"/>
-              <a:t>Kinect (Xbox Version) funktioniert nicht in einer VM</a:t>
-            </a:r>
-          </a:p>
-          <a:p>
-            <a:pPr>
-              <a:lnSpc>
-                <a:spcPct val="150000"/>
-              </a:lnSpc>
-            </a:pPr>
-            <a:r>
-              <a:rPr lang="de-DE" dirty="0" smtClean="0"/>
-              <a:t>Spracherkennung funktioniert sehr unzuverlässig und bei manchen Personen besser</a:t>
-            </a:r>
-          </a:p>
-          <a:p>
-            <a:pPr>
-              <a:lnSpc>
-                <a:spcPct val="150000"/>
-              </a:lnSpc>
-            </a:pPr>
-            <a:r>
-              <a:rPr lang="de-DE" dirty="0" smtClean="0"/>
-              <a:t>Manchmal kommen Befehle nicht bei der </a:t>
-            </a:r>
-            <a:r>
-              <a:rPr lang="de-DE" dirty="0" err="1" smtClean="0"/>
-              <a:t>Hue</a:t>
-            </a:r>
-            <a:r>
-              <a:rPr lang="de-DE" dirty="0" smtClean="0"/>
-              <a:t> an</a:t>
-            </a:r>
-          </a:p>
-          <a:p>
-            <a:pPr>
-              <a:lnSpc>
-                <a:spcPct val="150000"/>
-              </a:lnSpc>
-            </a:pPr>
-            <a:r>
-              <a:rPr lang="de-DE" dirty="0" err="1" smtClean="0"/>
-              <a:t>Hue</a:t>
-            </a:r>
-            <a:r>
-              <a:rPr lang="de-DE" dirty="0" smtClean="0"/>
-              <a:t> Bridge benötigt eine LAN-Verbindung</a:t>
-            </a:r>
-            <a:endParaRPr lang="de-AT" dirty="0"/>
-          </a:p>
-        </p:txBody>
-      </p:sp>
-    </p:spTree>
-    <p:extLst>
-      <p:ext uri="{BB962C8B-B14F-4D97-AF65-F5344CB8AC3E}">
-        <p14:creationId xmlns:p14="http://schemas.microsoft.com/office/powerpoint/2010/main" val="1509961761"/>
       </p:ext>
     </p:extLst>
   </p:cSld>
